--- a/day 12/SAC_Training Day 12.pptx
+++ b/day 12/SAC_Training Day 12.pptx
@@ -6,21 +6,22 @@
     <p:sldMasterId id="2147483660" r:id="rId2"/>
   </p:sldMasterIdLst>
   <p:notesMasterIdLst>
-    <p:notesMasterId r:id="rId15"/>
+    <p:notesMasterId r:id="rId16"/>
   </p:notesMasterIdLst>
   <p:sldIdLst>
     <p:sldId id="256" r:id="rId3"/>
     <p:sldId id="463" r:id="rId4"/>
-    <p:sldId id="503" r:id="rId5"/>
-    <p:sldId id="504" r:id="rId6"/>
-    <p:sldId id="495" r:id="rId7"/>
-    <p:sldId id="494" r:id="rId8"/>
-    <p:sldId id="496" r:id="rId9"/>
-    <p:sldId id="502" r:id="rId10"/>
-    <p:sldId id="462" r:id="rId11"/>
-    <p:sldId id="475" r:id="rId12"/>
-    <p:sldId id="399" r:id="rId13"/>
-    <p:sldId id="409" r:id="rId14"/>
+    <p:sldId id="505" r:id="rId5"/>
+    <p:sldId id="503" r:id="rId6"/>
+    <p:sldId id="504" r:id="rId7"/>
+    <p:sldId id="495" r:id="rId8"/>
+    <p:sldId id="494" r:id="rId9"/>
+    <p:sldId id="496" r:id="rId10"/>
+    <p:sldId id="502" r:id="rId11"/>
+    <p:sldId id="462" r:id="rId12"/>
+    <p:sldId id="475" r:id="rId13"/>
+    <p:sldId id="399" r:id="rId14"/>
+    <p:sldId id="409" r:id="rId15"/>
   </p:sldIdLst>
   <p:sldSz cx="12192000" cy="6858000"/>
   <p:notesSz cx="6858000" cy="9144000"/>
@@ -128,6 +129,568 @@
 </file>
 
 <file path=ppt/ink/ink1.xml><?xml version="1.0" encoding="utf-8"?>
+<inkml:ink xmlns:inkml="http://www.w3.org/2003/InkML">
+  <inkml:definitions>
+    <inkml:context xml:id="ctx0">
+      <inkml:inkSource xml:id="inkSrc0">
+        <inkml:traceFormat>
+          <inkml:channel name="X" type="integer" max="1920" units="cm"/>
+          <inkml:channel name="Y" type="integer" max="1080" units="cm"/>
+          <inkml:channel name="T" type="integer" max="2.14748E9" units="dev"/>
+        </inkml:traceFormat>
+        <inkml:channelProperties>
+          <inkml:channelProperty channel="X" name="resolution" value="55.81395" units="1/cm"/>
+          <inkml:channelProperty channel="Y" name="resolution" value="55.6701" units="1/cm"/>
+          <inkml:channelProperty channel="T" name="resolution" value="1" units="1/dev"/>
+        </inkml:channelProperties>
+      </inkml:inkSource>
+      <inkml:timestamp xml:id="ts0" timeString="2022-01-25T07:10:23.855"/>
+    </inkml:context>
+    <inkml:brush xml:id="br0">
+      <inkml:brushProperty name="width" value="0.05" units="cm"/>
+      <inkml:brushProperty name="height" value="0.05" units="cm"/>
+      <inkml:brushProperty name="fitToCurve" value="1"/>
+    </inkml:brush>
+    <inkml:brush xml:id="br1">
+      <inkml:brushProperty name="width" value="0.05" units="cm"/>
+      <inkml:brushProperty name="height" value="0.05" units="cm"/>
+      <inkml:brushProperty name="color" value="#ED1C24"/>
+      <inkml:brushProperty name="fitToCurve" value="1"/>
+    </inkml:brush>
+  </inkml:definitions>
+  <inkml:trace contextRef="#ctx0" brushRef="#br0">1180 1770 0,'0'26'0,"25"0"15,-25-1-15,26 27 0,-26-1 16,26-25-16,-26 51 16,0-26-16,0 26 0,0 0 15,25 0-15,-25 25 0,0-25 16,0 26-16,26-26 16,-26 26-16,0-1 0,0 1 15,26 0-15,-26-27 16,0 27-16,0 0 0,-26-1 15,26-25-15,-26 26 0,26 0 16,-25-1-16,25 1 16,-26-1-16,26 1 0,-26 0 15,26-1-15,0 1 16,0 25 0,-25 180-16,25-205 15,-26-1-15,26 1 0,0 0 16,0-1-16,-26-25 0,26 26 31,0-1-31,-25-25 0,25 0 0,0 26 0,-26-26 16,26 0-16,0-26 0,0 26 15,-25-25-15,25 25 16,0-26-16,0 0 0,0 1 16,0-1-16,-26 0 15,26-25-15,0 25 0,0-25 16,0 25-16,0-25 0,0-1 15,0 27-15,0-27 16,0 1-16,0 0 0,0-1 16,0 1-16,26-26 15,-26 26-15,25-26 16,-25 25-16,26-25 31,-1 0-31,1 0 16,0 0-16,-1 0 0,1 0 15,0 0-15,25 0 16,0 0-16,1 0 0,-1 0 16,26 0-16,0 0 15,0 0-15,26 0 0,-1 0 16,1 0-16,51 0 0,-26 0 16,52-25-16,-26 25 15,51 0-15,0-26 0,0 26 16,26 0-16,0 0 15,0 0-15,0 0 0,26 0 16,-27 0-16,27 0 16,0 26-16,-1-26 0,1 0 15,-1 0-15,1 25 0,-26-25 16,25 0-16,-25 26 16,-26-26-16,1 0 0,-1 0 15,-25 26-15,-1-26 0,1 0 16,-26 25-16,0-25 15,-26 26-15,26-26 0,0 0 16,-26 0-16,26 0 16,0 0-16,-26 0 0,26 0 15,0 0-15,0 0 16,0-26-16,-26 26 0,26-25 16,0 25-16,-26-26 0,1 0 15,25 26-15,-26-25 16,-25 25-16,25-26 0,-26 26 15,1 0-15,0 0 0,-1 0 16,-25 0-16,-25 0 16,25 0-16,-26 0 0,0 0 15,-25 0-15,25 0 16,-25 0-16,0 26 0,-1-26 16,1 0-16,-26-26 31,-26 0-16,26 1 17,0-1-32,0 0 15,0-25 1,0 25-16,-25-25 0,25 0 16,-26-26-16,0 0 15,1 0-15,25-26 0,-26 1 16,0-1-16,1-25 0,25 25 15,0-25-15,0 25 16,25 1-16,-25-27 0,0 27 16,26-27-16,-26 27 15,0-27-15,0 1 0,0-26 16,0 26-16,-26-26 0,1 26 16,-1-26-16,26 25 15,-26-24-15,26 24 0,0 27 16,26-27-16,-26 1 15,26 25-15,-26-25 0,25 26 16,-25-27-16,26 27 0,-26-1 16,0 0-16,0 1 15,0 25-15,0 0 0,0 0 16,0 0-16,0 26 0,0-1 16,0 1-16,0 0 15,0-1-15,26 27 0,-26-27 16,0 27-16,0-1 15,0 0-15,0 1 0,0-1 16,0 0 0,0 1-16,0-1 15,-26 26 1,26-26 15,-26 26-31,26-25 16,-25 25-1,-1-26-15,0 26 16,-25-26 0,25 26-16,-25 0 0,0 0 15,-1-25-15,-25 25 0,0 0 16,-25 0-16,-1 0 16,1 0-16,-1 0 0,0 0 15,-25-26-15,0 26 0,25 0 16,-25 0-16,0 0 15,-26-26-15,0 26 16,0 0-16,0-25 0,0 25 16,-26 0-16,1-26 0,25 26 15,-26 0-15,26 0 16,-25 0-16,50-25 16,-25 25-16,0 0 0,0 0 0,1 25 15,-1-25-15,0 0 16,0 26-16,0-26 0,-26 25 15,26 1-15,-25-26 16,25 26-16,-26-26 0,26 25 16,0 1-16,-25-26 0,25 0 15,25 26-15,-25-26 16,26 0-16,0 25 0,25-25 16,1 0-16,-1 0 15,0 0-15,1 0 0,-1 0 16,26 0-16,-25 0 0,-1 26 15,26-26-15,-26 0 16,26 0-16,0 0 0,-25 0 16,25 0-16,0 0 15,0 0-15,0-26 0,0 26 16,-26 0-16,26 0 0,0 0 16,-25 0-16,25 0 15,0 0-15,0 26 0,0-26 16,0 0-16,0 0 0,26 0 15,-26 0-15,25 0 16,1 0-16,-26-26 0,26 26 16,-1 0-16,1 0 15,0 0-15,-1-25 0,1 25 16,0 0-16,25 0 0,-25 0 16,25 0-16,-25 0 15,25-26-15,-25 26 0,25 0 16,1 0-16,-1 0 15,-25 0-15,25 0 16,0 0-16,1 0 0,-1 26 0,0-26 16,1 0-16,-27 25 15,27-25-15,-1 26 0,0-26 16,-25 0-16,25 26 16,1-26-16,-1 25 15,0-25-15</inkml:trace>
+  <inkml:trace contextRef="#ctx0" brushRef="#br0" timeOffset="898">1205 539 0,'0'-26'0,"0"1"15,26 25-15,0 0 16,-1 0-1,-25 25-15,0 1 16,26 0-16,-26 25 16,0 26-16,26 0 0,-26 0 15,0 25-15,0 1 0,0 0 16,0-1-16,0 1 16,0 0-16,0-27 0,0 27 15,0-26-15,-26-26 16,26 26-16,0-51 0,0 25 15,0-25-15</inkml:trace>
+  <inkml:trace contextRef="#ctx0" brushRef="#br0" timeOffset="1573">1282 205 0,'-25'0'0,"-1"0"15,0-25-15,1 25 16,50 0-1,27-26 1,-1 26-16,26 0 0,26 0 16,-1-26-16,27 26 15,25 0-15,-1 0 0,27 0 16,0 0-16,25-25 0,-26 25 16,27 0-16,-1 0 15,0 0-15,1 0 0,-27 0 16,26 0-16,-51 0 0,26 0 15,-52 0-15,0 0 16,1-26-16,-27 26 0,-25 0 16,0-26-16,-51 26 15,25 0-15,-25 0 0,-26-25 16,26 25-16,-26-26 31,0 52 0,-26-26-15,26 25-16,0 1 16,0 0-1,0-1-15,0 1 0,0 25 16,0 1-16,26-1 16,-26 26-16,0 26 0,0-1 15,0 103 1,0 1-16,0-104 15,25 1-15,-25 0 0,0-26 16,0 0-16,0-26 16,0 26-16,0-26 0,-25 0 15,25-25-15,-26 25 0,26-25 16,-26-26-16</inkml:trace>
+  <inkml:trace contextRef="#ctx0" brushRef="#br0" timeOffset="2293">2001 795 0,'0'-25'0,"0"-1"16,0 0-1,25 1-15,1-1 16,0-25-16,-1 25 15,1 1-15,0-1 16,-1 0-16,1 1 0,0 25 16,-26-26-16,-26 26 15,-25 0-15,-1 0 16,1 26-16,-26-1 0,0 1 16,0 0-16,0 25 15,0-26 1,-25 52-16,50-25 0,52-27 15,0 27-15,26-27 0,0 1 16,25 0-16,26-1 0,0 1 16,-26 0-16,26-1 15,0 1-15,0-26 0,-26 26 16,-25-1-16,0 1 16,-26 0-16,0-1 0,-52 1 15,1 25-15,-26-25 0,0 0 16,0-1-16,0 1 15,-25 0-15,50-26 0,1 25 16,25-25-16,26-25 16,26-1-16</inkml:trace>
+  <inkml:trace contextRef="#ctx0" brushRef="#br0" timeOffset="2778">2514 667 0,'26'0'15,"-1"-26"-15,-25 52 47,0 0-47,0 25 16,0-25-16,0 25 0,0 26 15,-25-26-15,25 26 16,-26 0-16,0-25 0,1-1 16,-1 26-16,0-51 0,26 25 15,-25-25-15,-1-1 16,26 1-16,0-52 16,0 1-1,26-27-15,-26 1 16,25-26-16,1 0 0,0-26 15,-26 26-15,25-25 16,1-1-16,0 0 0,-1 27 16,1-1-16,-26 0 15,26 51-15,-1 0 0,1 26 16,0 26-16,-1 0 0,26 25 16,-25 26-16,0 0 15,-1 25-15,1 1 0,0-26 16,-1 26-16,1-1 0,-26-25 15,0 0-15,0-25 16,0-1-16,0 0 0</inkml:trace>
+  <inkml:trace contextRef="#ctx0" brushRef="#br0" timeOffset="3224">2411 1078 0,'26'0'32,"25"0"-32,1 0 15,-1 0-15,26 0 0,0-26 16,0 26-16,25-26 16,-25 26-16,0-25 0,26-1 15,-26 0-15,-26 26 0,26-25 16,-25-1-16,-1 0 15,0 1-15,-25-1 0,25 0 16,-25 26-16,-1-25 16,27-1-16,-27 0 0,1 1 15,0-1-15,-1 26 0,-25-26 16,26 1-16,-26-1 16,-26 26-16,1 0 15,-27 0-15,1 26 16,25-26-16,-50 25 0,24 27 15,1-1-15,0 0 0,25 1 16,-25 25-16,51 0 16,0 0-16,0 0 0,25 0 15,27-26-15,25 0 16,0 1-16,51-27 0,0-25 16,0 0-16,26 0 0,-25-25 15</inkml:trace>
+  <inkml:trace contextRef="#ctx0" brushRef="#br0" timeOffset="5015">692 11853 0,'26'0'16,"-26"-25"-16,26 25 0,-1 0 15,1 0-15,0-26 16,-26 0 0,-26 26-1,0-25-15,1 25 0,-1 0 16,0 0-16,-25 0 15,0 25-15,-1-25 16,-25 26-16,26 0 0,-26-1 16,26 1-16,-1 0 0,1-1 15,26 1-15,-1 0 0,0-1 16,26 27-16,0-27 16,26 1-16,0 0 0,25-1 15,0 1-15,0 0 0,1-1 16,25 1-16,0-26 15,25 0-15,-25 0 0,26 0 16,0-26-16,25 1 16,-26 25-16,1-26 0,25 0 15,-25 1-15,-26-1 16,0 0-16,-26 1 0,1 25 16,-1-26-16,-51 0 0,0 1 31,-26 25-31,1-26 15,-1 26-15,0 0 16</inkml:trace>
+  <inkml:trace contextRef="#ctx0" brushRef="#br0" timeOffset="5284">1026 11905 0,'-26'0'0,"-25"0"16,51-26-16,-26 26 0,1 0 16,-1-26-16,0 26 0,1 0 15,-1 0 1,0 0-16,1 26 0,-1-26 16,0 0-16,1 26 15,-1-26-15,26 25 16,-26-25-16,26 26 15</inkml:trace>
+  <inkml:trace contextRef="#ctx0" brushRef="#br0" timeOffset="5669">461 11879 0,'0'26'0,"-25"-26"15,50 0 1,27-26-16,-1 26 15,0-26-15,52 1 0,-26-1 16,26 0-16,25 26 0,-26-25 16,27-1-16,-27 26 15,-25 0-15,26 0 0,-52 0 16,1 0-16,-1 26 16,-25-1-16,-1 1 0,-50 25 31,-1 1-31,0-27 0,1 27 0,-1-27 15,-25 27-15,25-27 0,-25 27 16,25-27-16,-25 1 16,25 0-16,-25-1 0</inkml:trace>
+  <inkml:trace contextRef="#ctx0" brushRef="#br0" timeOffset="6318">102 12033 0,'0'-26'15,"26"26"-15,-26-25 0,26 25 16,-1 0-16,1 25 16,-26 1-16,25 0 15,-25 25-15,0 0 0,0 1 16,0 25-16,-25 0 0,-1 0 15,1 25-15,-1-25 16,0 26-16,1-1 0,-1 1 16,26-26-16,-26 26 15,26-26-15,-25 0 0,25-1 16,0-24-16,0-1 0,0-25 16,0-1-16,0 1 15,0 0-15,25-26 16,1 0-1,0-26-15,-1 0 16,27 26-16,-27-25 0,26-1 16,1 0-16,25 26 15,-26-25-15,26-1 0,26 26 16,-26-26-16,0 26 16,25-25-16,1 25 0,-26-26 15,0 26-15,0 0 0,0 0 16,-26 0-16,26 0 15,-51 0-15,25 0 0,-25 26 16,25-26-16,-25 0 16,-1 0-1,-25-26 1</inkml:trace>
+  <inkml:trace contextRef="#ctx0" brushRef="#br0" timeOffset="6695">1616 12136 0,'-26'-26'0,"1"0"15,25 1-15,0-1 16,0 0-16,25 26 15,-25 26 1,0 0 0,0-1-16,26 1 0,-26 0 15,0 25-15,0 0 16,-26 1-16,26 25 16,-25-26-16,-1 51 0,26-25 0,-26 26 15,1-26-15,-1 26 16,26-26-16,-26 0 0,1 0 15,25 0-15,-26-26 16,26 0-16,0-25 0,0-1 16,0 1-16,0 0 15,0-52 1,0 0-16</inkml:trace>
+  <inkml:trace contextRef="#ctx0" brushRef="#br0" timeOffset="8332">3540 11982 0,'0'-26'0,"26"26"16,-26-26-16,0 1 15,-26 25 1,1 0-16,-1 0 0,0 0 15,-25 25-15,0 1 0,-1 0 16,1-1-16,0 27 16,-1-1-16,1 26 0,0-26 15,25 26-15,0 0 16,1 0-16,-1 0 0,26-26 16,0 26-16,0-25 0,26-1 15,-1 0-15,27-25 16,-27 0-16,27-1 0,-1 1 15,0-26-15,26 0 0,-25-26 16,-1 1-16,0-1 16,1 0-16,-27-25 15,1 25-15,0-25 0,-26 0 16,0 25-16,-26-25 0,0 25 16,1 0-16,-27 1 0,27-1 15,-1 1-15,0 25 16,1 0-16,-1-26 0,52 26 31,-1 0-31,27 0 0,-27 0 16,27-26-16,-1 26 15,0 0-15,0 0 0,1 0 16,-27 0-16,1 0 0,0 0 16,-1 0-16,1 0 15,-26 26-15,0 0 16,26-1-16,-26 1 15,0-1-15,0 27 16,25-27-16,-25 78 16,0-26-1,0-26-15,-25 1 0,25-1 16,-26-25-16,26-1 0,0 1 16</inkml:trace>
+  <inkml:trace contextRef="#ctx0" brushRef="#br0" timeOffset="8770">2770 11725 0,'-25'-26'16,"-1"1"-1,26 50 1,26 1-1,-26 25-15,25-25 0,-25 25 16,0 26-16,0 0 16,0 0-16,0 26 0,0 0 15,-25 25-15,-1 0 16,1 0-16,25 1 0,-26-1 16,0 0-16,1 1 0,25-27 15,0 1-15,-26-26 16,26 0-16,0-26 0,0 0 15,0-25-15,0 0 0</inkml:trace>
+  <inkml:trace contextRef="#ctx0" brushRef="#br0" timeOffset="9449">2617 11802 0,'-26'-26'0,"26"1"16,51 25 15,1-26-31,24 26 0,1 0 16,26-26-16,25 26 0,26 0 15,-25-25-15,50 25 16,-25 0-16,0 0 0,-26 0 16,26 0-16,-25 25 15,-27-25-15,1 0 0,-26 26 16,0 0-16,-26-26 0,0 25 16,-25-25-16,0 26 15,-1 0-15,1-1 16,-26 1-16,0 0 15,0 25 1,26-25-16,-26-1 0,0 27 0,25-1 16,1 0-16,-26 1 15,26-1-15,-1 26 0,1-26 16,0 1-16,-26 24 16,25-24-16,-25 25 0,0 0 15,0 0-15,0-26 16,0 26-16,-25 0 0,25 0 15,0 0-15,-26-26 0,26 1 16,0-1-16,-26 0 16,26-25-16,0-1 15,-25 27-15,-1-27 0,0-25 16,-25 26 0,0-26-16,-1 0 0,-25 26 15,-25-26-15,-1 25 16,-51 1-16,0-26 0,0 26 15,-25-1-15,-1-25 0,1 26 16,25-26-16,0 26 16,25-26-16,1 0 0,25 0 15,27 0-15,24 0 16,1 0-16,25 0 0</inkml:trace>
+  <inkml:trace contextRef="#ctx0" brushRef="#br0" timeOffset="11321">5926 11905 0,'0'25'47,"0"1"-31,0 0-16,0 25 0,0 26 15,-25-26-15,25 26 16,-26 26-16,26 0 0,-26-27 16,26 53-16,-25-27 15,-1-25-15,26 26 0,-26 0 16,26-26-16,-25 0 0,25-26 16,0 0-16,0 0 15,0-25-15,0 0 0,0-1 16,0 1-16,25-26 15,-25-26 1,26 26-16,-26-25 0,0-1 16,0 0-1,26 26-15,-1 0 47,1 0-47,25 0 16,1-25-16,25 25 15,0-26-15,25 26 0,26 0 16,-25-25-16,25-1 0,1 26 16,-1-26-16,26 26 15,-52 0-15,27-25 0,-27 25 16,1 0-16,0 0 16,-26 0-16,-26 0 0,0 0 15,-25 0-15,0 0 0,-1 0 16,-25-26 31,0 0-32,0 1-15,0-1 16,0 0-16,0 1 16,0-27-16,0 1 0,0-26 15,0 0-15,0 26 16,0-52-16,0 26 0,0-25 15,26 25-15,-26-26 0,25 0 16,-25 1-16,0 25 16,26-26-16,-26 0 0,26 26 15,-26 1-15,0-1 0,25 25 16,-25 1-16,0 0 16,0 25-16,0 0 0,0 1 15,-25 25 63,-1 25-62,-25-25-16,25 0 16,-25 26-16,-26-26 15,0 26-15,0-26 0,-26 25 16,-25-25-16,0 26 0,-1 0 15,1-1-15,0 1 16,0 0-16,25-26 0,0 25 16,26 1-16,26-26 0,0 26 15,-1-26-15,27 25 16,-1-25-16,1 0 0,25 26 16,-26-26-16,0 0 15,1 25-15,-1-25 16,0 0-1,26 26-15,0 0 32,26-26-32,0 0 15,-26 25 1,25-25-16</inkml:trace>
+  <inkml:trace contextRef="#ctx0" brushRef="#br0" timeOffset="11846">7440 11469 0,'0'-26'16,"0"52"62,0-1-78,0 1 16,0 25-16,0-25 15,0 25-15,-26 0 16,26-25-16,-25 25 0,25 1 16,0-27-16,-26 1 0,26 0 15,0-1-15,0 1 16,0 0-16,26-26 15,-1 0-15,1 0 16,25 0-16,26-26 0,-25 0 16,25 26-16,25-51 0,-25 25 15,0 1-15,0-1 16,-26 0-16,1 26 0,-52-25 31</inkml:trace>
+  <inkml:trace contextRef="#ctx0" brushRef="#br0" timeOffset="12564">6183 12392 0,'-51'0'16,"25"-25"-16,26-1 16,26 26-1,-1 26-15,1-26 16,25 25-16,-25 27 0,25-27 15,-25 1-15,25 25 16,-25-25-16,-1 25 0,1-25 16,0-1-16,-1 1 15,-25 0-15,26-1 0,0-25 16</inkml:trace>
+  <inkml:trace contextRef="#ctx0" brushRef="#br0" timeOffset="12810">6465 12238 0,'-26'0'15,"26"26"17,0 0-32,-25-1 15,-1 27-15,0-27 0,1 27 16,-1-1-16,0 0 15,-25-25-15,25 25 0,1 0 16,-1 1-16,1-27 16,-1 27-16,26-27 0,0 1 15</inkml:trace>
+  <inkml:trace contextRef="#ctx0" brushRef="#br0" timeOffset="13163">6542 12392 0,'26'-25'0,"-1"-1"16,1 26 0,0 0 15,-26 26-31,0-1 0,0 1 15,0 0 1,0 25-16,-26-26 0,0 1 16,26 0-16,-25 25 0,-1-25 15,26-1-15,-26 1 16,26 0-16,-25-1 0,25 1 16,0 0-16,0-1 15,25-25-15,1 0 16,0 0-16,25 0 0,-25 0 15,-1-25-15,27 25 16,-27 0-16,1-26 0,0 26 16</inkml:trace>
+  <inkml:trace contextRef="#ctx0" brushRef="#br0" timeOffset="13549">7158 12367 0,'0'-26'16,"0"0"-16,0 1 31,25 25-31,-50 0 31,-1 0-31,0 25 16,1 1 0,-1-26-16,0 26 0,1-26 15,-1 25-15,26 1 0,-25 0 16,25-1 0,25 1-16,1-26 0,-1 25 15,1 1 1,0-26-16,-1 26 0,1-26 0,0 25 15,-26 1-15,-26-26 16,-25 26-16,-1-1 0,-24 1 16,-27 0-16,-25-1 15</inkml:trace>
+  <inkml:trace contextRef="#ctx0" brushRef="#br0" timeOffset="15362">1231 11417 0,'-26'-25'16,"1"25"-16,50 0 15,-25-26 32,0 0-47,0 1 16,0-27-16,0 27 0,0-27 16,26-25-16,-26 0 15,26-25-15,25-1 0,0-25 16,1 0-16,-1-52 0,26 0 15,-26-25-15,26 0 16,0 0-16,0-26 0,0 0 16,51-180-1,-76 206-15,-1 25 0,-25 1 16,25 25-16,-25 26 0,-1 25 16,-25 26-16,26 0 15,-26 26-15,26 25 0,-26 52 47,0-1-47,25-25 0,-25 26 16,0 0-1,26-26-15,-26 25 16</inkml:trace>
+  <inkml:trace contextRef="#ctx0" brushRef="#br0" timeOffset="15818">2026 8005 0,'-25'0'0,"-1"-26"0,0 26 15,26-25 1,0-1-1,0 0-15,0-25 16,26 25-16,0 1 16,-1-1-16,1-25 0,0-1 15,-1 27-15,1-27 0,0 1 16,-1 25-16,1-25 16,25 25-16,-25 1 0,0-1 15,-1 26-15,1 0 16,0 0-16,-1 26 0,1 25 15,0 0-15,-1 1 16,1 25-16,0 0 0,-26 0 16,25 25-16,1-25 15,-26 0-15,26 26 0,-1-26 16,-25 0-16</inkml:trace>
+  <inkml:trace contextRef="#ctx0" brushRef="#br0" timeOffset="16542">3386 11546 0,'-25'0'15,"25"-26"1,0 0-1,0 1-15,0-27 16,25 27-16,-25-27 16,0 1-16,26 0 0,-26-26 15,0-26-15,26 0 0,-1-25 16,-25-26-16,26-25 16,0-27-16,-1 1 0,-25 0 15,0-26-15,26-26 16,-26 26-16,0 26 0,0 0 15,0 0-15,-26 51 0,26 25 16,0 27-16,-25-1 16,25 52-16,0 0 0,-26 25 31,26 0-31,0 1 16,-26 25 15,26 25-16,-25-25 17</inkml:trace>
+  <inkml:trace contextRef="#ctx0" brushRef="#br0" timeOffset="17049">3001 8826 0,'-25'-26'16,"-1"1"-16,26-27 16,0 1-16,0 0 15,0-1-15,0-25 0,0 0 16,0 0-16,0-25 16,0 25-16,26-26 0,-26 1 15,25-1-15,1 0 0,0 26 16,-26 0-16,25 0 15,1 26-15,0 25 0,-26 1 16,25-1-16,1 26 16,0 0-1,-26 26-15,25-1 16,1 1-16,0 0 16,-1 25-16,1 0 0,25 1 15,1 25-15,-1 0 0,0 0 16,1 0-16,24 25 15,-24-25-15,-1 26 16,0-26-16,1 0 0,-1 0 16,-25 0-16,-1 0 0,1-26 15</inkml:trace>
+  <inkml:trace contextRef="#ctx0" brushRef="#br0" timeOffset="18382">5952 11366 0,'26'0'15,"-26"26"-15,25-26 16,-25 25-16,26 1 16,-26 0-1,0-1-15,26 1 0,-1 0 16,-25-1 0,26 1-16,-26 0 15,26-1-15,-26 1 0,25-1 16,-25 1-1,0 0-15,26-1 16,-1-25 15,-25-25-31,0-1 16,26 0 0,-26-25-16,0 26 0,0-27 15,0 27 1,0-27-16,0-25 0,0 0 0,-26 0 15,1 0-15,-1-25 0,1-1 16,-1 0-16,-25-25 16,-1 0-16,1 0 0,0-26 15,-26 25-15,25-50 16,-25 25-16,0 0 0,0 0 16,26 0-16,0 26 0,-1-26 15,1 26-15,0-1 16,25 27-16,1-27 0,-27 27 31,27-1-31,-1 0 0,0 26 0,1 1 0,-1-1 16,0 25-16,1 1 0,-1 25 15,0 1-15,26-1 16,-25 0-16,-1 26 16,0 0 30,1 0-30,-1-25 0,0 25-1,26-26 1,0 0 0,0 1-16,26-1 15,-26 0-15,0 1 16,0-1-16,0 0 0,0 1 15,0-1 1,0 0 0,-26 26 62</inkml:trace>
+  <inkml:trace contextRef="#ctx0" brushRef="#br0" timeOffset="18730">4823 7364 0,'0'-26'16,"0"0"-1,-26 26 1,1 26-16,25 0 16,-26-1-16,0 26 0,1-25 15,-1 25-15,26 26 16,-26-25-16,1 25 0,-1 0 15,26-26-15,-26 0 0,26 1 16,-25-1-16,25 0 16,0-25-16,-26 0 0,26-1 15,0-50 17,0-1-32,0 0 0,0 1 15,26-27-15</inkml:trace>
+  <inkml:trace contextRef="#ctx0" brushRef="#br0" timeOffset="18873">4695 7389 0,'25'-51'0,"-25"25"15,52 1-15,-27 25 16,1 0-16,25 25 0,26 27 16,-25-1-16,25 0 15,-26 26-15,52 26 0,-27-26 16,1 25-16,0 1 0</inkml:trace>
+  <inkml:trace contextRef="#ctx0" brushRef="#br0" timeOffset="27463">25374 12726 0,'-26'0'16,"1"0"-16,-1 0 15,0 0 1,26-26-16,26 26 31,0 0-15,-1 26-16,1-26 15,25 0-15,52 0 16,25 0-16,26 0 0,51 25 16,26-25-16,26 0 0,25 26 15,26-26-15,25 26 16,27-1-16,-27-25 0,26 26 16,26 0-16,0-1 0,0-25 15,0 26-15,-26 0 16,0-26-16,-25 0 0,-1 25 15,-51-25-15,-25 0 16,-26 0-16,-26 0 0,-51 0 16,-26 0-16,-25 0 0,-26 0 15,-51-25-15,-1 25 16,-50 0-16,-1-26 16,-25 26-16,-1-26 0</inkml:trace>
+  <inkml:trace contextRef="#ctx0" brushRef="#br0" timeOffset="28874">25297 12674 0,'0'-25'15,"26"25"17,-26 25 15,0 1-47,0 0 0,-26 179 31,26-128-31,0 26 0,0-1 15,-26 1-15,26 25 0,0-25 16,0 25-16,-25-25 0,25 25 16,-26-25-16,26 25 15,-26 0-15,26-25 0,-25 25 16,25 0-16,-26 1 16,26-1-16,0 0 0,-26 0 15,26 1-15,-25-27 16,25 1-16,0 25 0,0-25 15,-26-26-15,0 25 0,26 1 16,-25 0-16,25-26 16,-26 25-16,26-25 0,-26 0 15,26 26-15,-25-26 0,25 0 16,0 0-16,0 0 16,0 0-16,-26-26 0,26 26 15,0-26-15,-26 26 0,26-25 16,0-1-16,-25 0 15,25-25-15,-26 25 0,26-25 16,0 0-16,0-1 16,-26 1-16,26 0 0,0-1 15,0 1-15,0-1 16,0 1-16,0 0 16,0-1-16,0 1 0,0 0 15,0-1-15,0 1 16,0 0-16,-25-1 15</inkml:trace>
+  <inkml:trace contextRef="#ctx0" brushRef="#br0" timeOffset="29442">26477 14932 0,'0'-25'0,"0"-1"0,0 0 15,0 1 1,0 50 0,0 27-1,0-27 1,0 27-16,0 24 0,0-24 15,0 25-15,0-26 16,-25 26-16,25-26 0,0 26 16,0-25-16,0-1 0,0 0 15,0-25-15,0 0 16,0-1-16</inkml:trace>
+  <inkml:trace contextRef="#ctx0" brushRef="#br0" timeOffset="29874">26400 15266 0,'26'0'31,"25"0"-31,0 0 0,1 0 16,25 0-16,25 0 0,-25-26 15,0 26-15,0 0 16,0-26-16,-25 26 0,-1 0 16,-25-25-16,-1 25 0,-25-26 15,0 0-15,-25 26 16,-1-25-16,0-1 16,-25 0-16,25 1 0,1-1 15,-1 1-15,0-1 0,1 0 16,25 1-16,0 50 31,25 1-31,-25 25 0,26-25 16,-26 25-16,0 0 15,26 26-15,-26-25 0,0-1 16,0 0-16,0 1 0,-26-1 16,26-25-16,0 25 15,-26-25-15,26-1 0,-25-25 16,25 26-16</inkml:trace>
+  <inkml:trace contextRef="#ctx0" brushRef="#br0" timeOffset="30379">27452 14881 0,'26'0'15,"-26"26"-15,25-1 16,-25 1-16,0 0 16,0 25-16,26-26 0,-26 27 15,0-1-15,0 26 0,0-26 16,-26 1-16,1-1 16,25 0-16,-26 1 0,0-1 15,26-25-15,-25-1 16,-1 27-16,0-27 15,1-25 1,25-25 0,0-1-16,0-25 0,25-1 15,1 1-15,0-52 16,-1 26-16,1-25 0,0-1 16,25 1-1,26-104-15,-26 104 0,1 50 16,-1 1-16,0 25 0,1 26 15,-1 0-15,0 52 16,1-1-16,-1 0 0,-25 26 16,-1 0-16,-25 26 0,26-26 15,-26 0-15,25 0 16,-25 0-16,0 0 0,0 0 16,0-26-16,0 0 15,0 1-15,0-27 0,0 1 16,-25 0-16,25-1 0,-26-25 15</inkml:trace>
+  <inkml:trace contextRef="#ctx0" brushRef="#br0" timeOffset="30578">27632 15189 0,'-26'0'16,"77"0"15,-25 0-31,25 0 16,1-26-16,25 26 15,0 0-15,0-26 0,0 26 16,-1-25-16,1 25 16</inkml:trace>
+  <inkml:trace contextRef="#ctx0" brushRef="#br0" timeOffset="30846">28530 14907 0,'25'-26'16,"-25"0"-16,26 26 15,-26-25-15,26 25 16,-26 25-16,0 1 15,0 0-15,25 25 0,-25 0 16,0 26-16,0 0 16,-25-26-16,-1 26 0,26 0 15,-26-25-15,1 25 0,-1-26 16,26-25-16,-26 25 16,1-25-16,-1-1 0</inkml:trace>
+  <inkml:trace contextRef="#ctx0" brushRef="#br0" timeOffset="31100">28530 14881 0,'25'0'0,"1"26"15,25-1 1,-25 1-16,25 0 0,1 25 15,-1-26-15,26 52 16,-26-25-16,1-1 0,-1 0 16,-26 1-16,27-1 0,-27-25 15,-25 25-15,26-25 16,-26-1-16,0 1 0,0-52 31</inkml:trace>
+  <inkml:trace contextRef="#ctx0" brushRef="#br0" timeOffset="31320">29248 14701 0,'-26'-25'16,"26"-1"-16,-25 26 0,25 26 16,0 25-1,0-25-15,0 25 16,0 0-16,25 1 0,-25 25 15,0-26 1,26 26-16,-26-26 0,0 26 0,0-26 16,-26 1-16,26-1 15,-25-25-15,25-1 0,-26 1 16</inkml:trace>
+  <inkml:trace contextRef="#ctx0" brushRef="#br0" timeOffset="31920">29787 14753 0,'0'-26'0,"0"0"16,26 26 15,-26 26-15,0 0-16,0-1 16,0 27-16,-26-1 0,26 0 15,0 26-15,-26-26 0,26 26 16,-25 0-16,25-25 15,0-1-15,-26 0 0,26 1 16,0-27-16,0 1 16,-26 0-16,26-1 15,0-50 1,0-1-16,0 0 16,26-25-16,-26 0 0,26-26 15,-1 0-15,1 0 16,0-26-16,-1 1 0,1-1 15,-1 0-15,27 26 0,-27 0 16,27 0-16,-1 26 16,0 25-16,-25 26 0,25 0 15,1 26-15,-1 25 16,-25 1-16,-1 25 0,1 0 16,0 25-16,-1-25 15,-25 26-15,26-26 0,-26 0 16,0 0-16,0 0 0,0-26 15,26 0-15,-26 1 16,0-27-16,0 1 0,-26-26 16</inkml:trace>
+  <inkml:trace contextRef="#ctx0" brushRef="#br0" timeOffset="32124">29966 14958 0,'-51'0'16,"25"0"-16,52 0 31,0 0-31,25 0 0,0 0 16,26 0-16,0 0 0,0 0 16,0 0-16,0 0 15,0 0-15,-25 0 0,-1 0 16,-25 0-16</inkml:trace>
+  <inkml:trace contextRef="#ctx0" brushRef="#br0" timeOffset="33260">27709 16549 0,'0'-26'16,"25"26"-16,1-26 15,-26 1 1,-26 25-16,1-26 0,-1 26 16,-25 0-16,-26 26 15,0-1-15,0 1 0,0 25 16,0 1-16,-26-1 16,26 26-16,0 0 0,26 25 15,0-25-15,-1 0 16,27 0-16,-1 0 0,26 0 15,0-25-15,26-1 0,-1 0 16,27 1-16,-1-27 16,26 1-16,-26-1 0,26-25 15,26 0-15,-26 0 16,0 0-16,0-25 0,0-1 16,-26 1-16,0-27 0,1 27 15,-27-1-15,1 0 16,0 1-16,-26-1 0,25 0 15,-25 1-15</inkml:trace>
+  <inkml:trace contextRef="#ctx0" brushRef="#br0" timeOffset="33647">28324 16677 0,'0'-26'0,"0"1"16,0-1-16,0 0 15,0 52 17,0 25-17,0-25-15,0 25 0,0 0 16,0 1-16,0-1 0,-25 26 16,25 0-16,-26-26 15,26 1-15,-26 25 0,26-26 16,-25 0-16,25-25 15,0 25-15,-26-25 0,26 0 16</inkml:trace>
+  <inkml:trace contextRef="#ctx0" brushRef="#br0" timeOffset="34105">28863 16959 0,'-25'26'78,"-1"-1"-78,26 1 0,-26 0 15,1 25-15,-1-25 0,0 25 16,1 0-16,25-25 16,-26 25-16,26 1 0,0-27 15,26 1-15,-1 0 16,1-1-16,0-25 0,-1 0 16,27 0-16,-1 0 0,0 0 15,1-25-15,-1-27 16,-26 27-16,1-27 0,0 1 15,-1 0-15,-25-1 16,0-25-16,0 26 0,-25 25 16,-1-25-16,0 25 0,1 1 15,-26-1-15,25 26 16,0 0-16,1 0 16,25 26-1,25-26-15</inkml:trace>
+  <inkml:trace contextRef="#ctx0" brushRef="#br0" timeOffset="34530">29530 16882 0,'0'-26'16,"-25"26"-1,25 26 1,0 0-16,-26-1 16,26 27-16,-26-1 15,26 0-15,0 1 0,-25-1 16,25 0-16,0 1 0,25-1 16,-25-25-16,26-1 15,0 1-15,-1 0 0,27-1 16,-27-25-16,27 0 0,-1 0 15,0-25-15,1-1 16,-27 0-16,26-25 0,-25 0 16,0-1-16,-1 1 15,1-26-15,-26 0 0,0 26 16,0-26-16,0 0 16,0 25-16,0 27 0,0-26 15,0 76 16,-26 1-31,26-1 0,0 1 16,-25 0-16,25 25 16</inkml:trace>
+  <inkml:trace contextRef="#ctx0" brushRef="#br0" timeOffset="35670">30993 16908 0,'0'-26'31,"25"26"-15,-25-26-16,0 1 16,26-1-16,-26 0 15,0 1-15,-26-1 0,26 1 16,-25-1-16,-1 0 16,0 1-16,-25 25 0,25-26 15,-25 26-15,0 26 0,-1-1 16,1 1-16,0 25 15,0 0-15,-1 1 0,1 25 16,0 0-16,25 0 16,-25-26-16,25 26 0,26-26 15,-26 1-15,26-1 0,0-25 16,26 25-16,0-25 16,-1-26-16,27 25 0,-27-25 15,27 0-15,25-25 0,-26-1 16,26 0-16,-26-25 15,26 0-15,0-1 0,0-25 16,-26-25-16,1-1 16,-1 0-16,0 1 0,-25-26 15,0 25-15,-1 0 0,1 1 16,-26-1-16,26 26 16,-26 26-16,25-1 0,-25 27 15,0 50 1,0 27-16,-25-1 15,-1 26-15,26 26 0,-26-26 16,1 25-16,-1 27 16,0-27-16,1-25 0,25 26 15,-26-26-15,0 0 16,26 0-16,0-26 0,0-25 16,0 25-16,0-25 0,26-1 15,0-25-15,-1 0 16,27 0-16,-27-25 0,27 25 15,-1-26-15,0-25 16,1 25-16,-27 0 0,1-25 16,0 25-16,-26 1 0</inkml:trace>
+  <inkml:trace contextRef="#ctx0" brushRef="#br1" timeOffset="1.66355E6">25938 13393 0,'0'-26'16,"0"0"31,0 1 15,-25 25-15,25-26-47,0 1 16,0-1 0,0 0-1,25 1-15,1 25 16,0-26-16,-1 26 15,1 0-15,25-26 0,-25 26 16,0 0-16,25 0 16,-25 26-16,-1 0 15,1-26-15,-26 25 0,0 1 16,0 25-16,-26-25 16,26-1-16,-25 27 0,-1-27 15,0 1-15,1 25 0,25-25 16,-26 0-1,0-1-15,1 1 0,25 0 0,-26-26 16,26 25-16,0 1 16,-26 0-16</inkml:trace>
+  <inkml:trace contextRef="#ctx0" brushRef="#br1" timeOffset="1.66438E6">26041 13957 0,'26'0'62,"-1"0"-46,-25 26 93,-25-26-93,25-26 31,25 26-31,1 26-1,-26 0 16,-26-26 16,1 0-47,25-26 32,-26 26-17,52-26 48,-1 26-48,-25-25 1,26 25-16,0 0 31,-26 25-31</inkml:trace>
+  <inkml:trace contextRef="#ctx0" brushRef="#br1" timeOffset="1.66563E6">26734 12931 0,'0'-26'15,"0"1"1,0-1-16,0 0 15,-26 1-15,0-1 16,-25 0-16,25 1 16,-25 25-16,0-26 0,-26 26 15,26 0-15,-52-26 16,-51 26 0,51 26-16,1 0 0,25-1 0,-26 1 15,26 25-15,0 1 16,0 25-16,0-26 0,26 26 15,0 26-15,-1-26 16,1-1-16,25 27 0,1-26 16,25 0-16,0 0 0,25 26 15,-25-26-15,52-26 16,-27 26-16,27-26 0,-1 26 16,0-25-16,26-1 15,0-26-15,26 27 0,-1-27 16,1-25-16,25 0 15,1 0-15,25 0 0,0-51 16,-26 25-16,26-25 0,-52 0 16,27-26-16,-52-26 15,25 26-15,-50-25 0,-27-1 16,1-25-16,-26 25 0,-26 0 16,-25-25-16,-26 26 15,0 25-15,-26 0 0,-25 0 16,0 25-16,25 27 15,-25-1-15</inkml:trace>
+  <inkml:trace contextRef="#ctx0" brushRef="#br1" timeOffset="1.67678E6">22013 15137 0,'26'0'0,"-1"0"31,-25 26-16,0 0 1,0-1 0,-25 1-16,25 25 15,0 1-15,-26-1 0,26 0 0,-26 26 16,26 0-16,-25 0 16,25 0-16,-26 26 0,26-26 15,-26 0-15,26 25 16,-25-25-16,25 26 0,-26-26 15,26 26-15,-26-26 0,26 0 16,-25 0 0,25-26-16,0 0 0,-26 0 0,26 1 15,-26-1-15,26-25 16,0-1-16,-25 1 0,25 0 16,-26-26-16,26 25 0,0-50 31,26-1 0,-1 26-31,1-26 0,25 26 0,1-25 16,-1 25-16,0 0 15,26-26-15,26 26 0,-1 0 16,27 0-16,25 0 0,0 0 16,25 0-16,1 0 15,25 0-15,-25 0 0,25 0 16,-51 0-16,25 0 0,-50 0 15,-1 0-15,-25 0 16,-26 0-16,-26 0 0,-25 0 16,-1 0-16,-25-26 15,-25 26 1,-1 0-16,0 0 0,26-25 16,-25 25-16,-1 0 15,26-26 1,-26 26-1,26-26 1,0 1-16</inkml:trace>
+  <inkml:trace contextRef="#ctx0" brushRef="#br1" timeOffset="1.67722E6">24604 15214 0,'26'0'0,"-26"26"62,-26 0-46,26-1-16,-25 1 16,25 25-16,-26 26 0,26 0 15,-26 0-15,26 0 16,-25 26-16,25-1 0,-26 1 15,26 25-15,0-25 0,0 25 16,0-25-16,0 0 16,0-1-16,0-25 0,0 0 15,0 0-15,26-26 16,-26 1-16,0-1 0,0-25 16,0-1-16</inkml:trace>
+  <inkml:trace contextRef="#ctx0" brushRef="#br1" timeOffset="1.67786E6">21833 15214 0,'26'0'16,"0"0"0,-1 0-16,27 0 0,-1 0 15,52 0-15,-26 0 0,51 0 16,180 0-1,-129 0-15,1 0 16,25 0-16,0 0 0,-25 0 0,25-25 16,-25 25-16,-26-26 15,0 26-15,-52 0 0,-25 0 16,0 0-16,-25 0 16,-27 0-16,-50 0 31</inkml:trace>
+  <inkml:trace contextRef="#ctx0" brushRef="#br1" timeOffset="1.67842E6">22295 15291 0,'26'26'16,"-26"0"-1,25-1-15,-25 1 16,0 0-16,0 25 0,0 0 16,0 1-16,0-1 15,-25 26-15,-1-26 0,26 26 16,-26 0-16,1 26 16,25-26-16,-26 25 0,26-25 15,-25 0-15,25 0 0,0 0 31,0 0-31,0-25 0,0-1 0,0 0 0,0-25 16,25-1-16,-25 1 0,26-26 31</inkml:trace>
+  <inkml:trace contextRef="#ctx0" brushRef="#br1" timeOffset="1.67883E6">22885 15266 0,'0'-26'15,"26"26"1,-26 26-1,0-1 1,0 1-16,-26 25 16,26 1-16,-25-1 0,25 0 15,-26 26-15,26 0 16,-26 0-16,26 0 0,0 26 16,0-26-16,0 25 15,0 1-15,0 0 0,0-26 16,0 25-16,0-25 0,0 0 15,0-25-15,0 24 16,0-24-16,0-27 0,0 27 16,0-27-16,0 1 15,26-26 1,-26-26-16,26 1 0</inkml:trace>
+  <inkml:trace contextRef="#ctx0" brushRef="#br1" timeOffset="1.67916E6">23398 15240 0,'0'51'0,"0"-25"0,0 25 15,-25 26-15,25-25 16,-26 25-16,26 0 0,-26 0 16,26 0-16,-25-1 15,25 27-15,0-26 0,0 0 16,0 26-16,0-26 16,0 0-16,0 0 0,25-26 15,-25 26-15,0-26 0,0-25 16,0 25-16,0-25 15,26-1-15,-26-50 16,26-1 0</inkml:trace>
+  <inkml:trace contextRef="#ctx0" brushRef="#br1" timeOffset="1.67947E6">23912 15266 0,'0'51'0,"25"-25"16,-25 25-16,0 0 0,26 1 31,-26-1-31,0 26 0,0 103 0,-26-104 15,26 27-15,0 0 0,-25-1 16,25-25-16,-26 26 16,26 0-16,0-26 0,0 0 15,0-26-15,0 26 16,0-26-16,0-25 0,0-1 16</inkml:trace>
+  <inkml:trace contextRef="#ctx0" brushRef="#br1" timeOffset="1.67988E6">21936 15497 0,'-26'0'0,"1"0"16,50 0-1,1 0-15,0 0 16,25 0-16,0 0 15,52 0-15,-1 0 0,1 0 16,25 0-16,26-26 0,0 26 16,26 0-16,-1 0 15,1-26-15,0 26 0,-1 0 16,-25-25-16,-26 25 0,1 0 16,-27 0-16,1 0 15,-26 0-15,-26 0 0,-25 0 16,0 0-16</inkml:trace>
+  <inkml:trace contextRef="#ctx0" brushRef="#br1" timeOffset="1.68022E6">21474 15856 0,'-51'0'0,"51"25"0,25-25 15,27 26-15,-1-26 0,26 0 16,26 0-16,25 0 16,0 0-16,1-26 0,24 26 15,-24 0-15,50 0 16,-25 0-16,26-25 0,25 25 15,-25 0-15,-1 0 0,1 0 16,0 0-16,-1 0 16,-51 0-16,1 0 0,-27 0 15,1 0-15,-52 0 16,1 0-16,-27 25 0,-50-25 16</inkml:trace>
+  <inkml:trace contextRef="#ctx0" brushRef="#br1" timeOffset="1.68053E6">21602 16215 0,'-25'26'0,"25"-1"16,25-25 0,27 0-16,-1 0 0,26 0 15,51 0-15,1 0 0,25 0 16,25 0-16,26 0 0,1 0 16,25 0-16,-1 0 15,1 0-15,0 0 0,-25 0 16,-1 0-16,-51 0 0,0 0 15,-52 0-15,-25 0 16,0 26-16,-51-26 0</inkml:trace>
+  <inkml:trace contextRef="#ctx0" brushRef="#br1" timeOffset="1.68073E6">22500 16472 0,'-25'25'0,"50"1"15,27-26-15,25 26 0,25-26 16,27 0-16,-1 0 16,26 0-16,0 0 0,0 0 15,0 0-15</inkml:trace>
+  <inkml:trace contextRef="#ctx0" brushRef="#br1" timeOffset="1.68165E6">19960 16241 0,'-25'0'16,"-1"0"-16,0 0 15,1 0-15,50 0 16,1 0-16,205 0 31,-128 25-31,25-25 16,0 0-16,-25 0 0,25 0 16,0 0-16,-25-25 15,0 25-15,-26 0 0,-26 0 16,0-26-16,-25 26 15,0 0-15,-26-26 0</inkml:trace>
+  <inkml:trace contextRef="#ctx0" brushRef="#br1" timeOffset="1.6819E6">21089 16061 0,'-25'0'0,"-1"-26"16,52 26 0,-26-25-1,25 25-15,1 0 16,0 25-16,-1-25 16,1 26-16,0 0 0,-1-1 15,1 1-15,-26 0 16,-26-1-16,1 1 0,-27 25 15,-25-25-15,0 25 0,-25-25 16</inkml:trace>
+  <inkml:trace contextRef="#ctx0" brushRef="#br1" timeOffset="1.68275E6">19396 15958 0,'-26'-25'0,"1"25"16,-1-26-16,0 26 16,1 0-16,-1 0 15,0 0-15,1 0 0,-1-26 16,-25 26-16,-1 0 16,1 0-16,0 0 0,-1 26 15,-24-26-15,24 26 16,1-26-16,0 0 0,-1 25 15,27 1-15,25 0 16,51-1-16,0-25 16,1 26-16,25 0 0,-1-26 15,1 0-15,26 25 0,0-25 16,-26 0-16,25 0 16,78-25-16,-103 25 15,-26-26-15,0 26 0,-25-26 16,0 1-16,-1 25 15,-25-26 1,0 0-16,-51 1 16,25-1-16,-25 26 0,0-26 0,0 26 15,-1 0-15,-25 0 16,0 0-16,0 0 0,0 0 16,0 26-16,26-26 0,0 26 15,25-26-15,0 25 16,26 1-1</inkml:trace>
+  <inkml:trace contextRef="#ctx0" brushRef="#br1" timeOffset="1.68324E6">18729 16010 0,'0'25'31,"-26"1"-31,26 0 16,-25-1-16,25 1 15,-26 25-15,26-25 0,-26 51 16,26-26-16,-25 26 0,-1-25 15,26 25-15,-26 0 16,1-26-16,25 0 0,0 0 16,-26-25-16,26 25 15,0-25-15,0 0 16,0-1-16,26-25 16,-1 0-16,1 0 0,25 0 15,1 0-15,-1 0 16,0-25-16,26-1 0,-26 26 15,26-26-15,0 26 0,0-25 16,0 25-16,-25-26 0,25 26 16,-26-26-16,26 26 15,-51 0-15,25-25 0,-25 25 16,-1 0-16,1 0 16,0 0-16,-26-26 0,0 1 31</inkml:trace>
+  <inkml:trace contextRef="#ctx0" brushRef="#br1" timeOffset="1.68349E6">19576 16164 0,'-26'-26'0,"26"0"16,0 1-16,-26-1 0,1 26 15,25 51 1,-26-25 0,26 25-16,0 1 0,0 25 15,-26-26-15,26 26 16,0 0-16,-25 0 0,25 0 16,0-26-16,-26 0 0,26 1 15,0-1-15,0-25 16</inkml:trace>
+  <inkml:trace contextRef="#ctx0" brushRef="#br1" timeOffset="1.68425E6">18857 15163 0,'26'0'16,"-26"-26"-16,25 26 16,-25-25-1,0-1-15,-25 26 16,-1 0-16,26-26 15,-25 26-15,-27 0 0,27 0 16,-27 0-16,1 0 0,0 0 16,-1 26-16,-25 0 15,26-1-15,0 1 0,25 0 16,0-1-16,1 1 16,25 0-16,0-1 0,25 1 15,1 0-15,25-26 16,1 25-16,-27-25 0,27 0 15,25 0-15,-26-25 0,0 25 16,-25-26-16,25 0 0,-25 1 16,25-1-16,-25 0 15,-26 1-15,25-27 0,-25 27 16,0-27-16,0 1 16,0 0-16,0 0 0,0-1 15,0 27-15,-25-27 16,25 27-16,-26-1 0,26 0 15,0 52 1,0 0 0,0-1-16,0 27 0,0-1 15,26 0-15,-26 1 16,25-1-16,-25 0 0,26-25 16,-26 25-16,0-25 0,26-1 15,-1 27-15,1-27 16</inkml:trace>
+  <inkml:trace contextRef="#ctx0" brushRef="#br1" timeOffset="1.68473E6">19268 15112 0,'0'-26'0,"25"-25"15,-25 25-15,0 1 16,0-1-16,0 0 0,0 1 0,0-1 15,-25 26 1,-1 26 0,0-1-1,26 1-15,-25 0 16,-1-1-16,0 26 0,26-25 16,-25 25-16,25-25 15,0 0-15,0-1 0,25 1 16,1 0-16,0-26 15,-1 0-15,1 0 0,0 0 16,-1 0-16,1 0 0,-26-26 16,26 0-16,-1 1 15,-25-1-15,0 0 0,0 1 16,0-1-16,0 0 0,0 1 16,-25 25-16,25-26 15,-26 1-15,0 25 16,26 25-1,26 26 1,-26-25-16,26 0 0,-26 25 16,25-25-16,1-1 15,0 27-15,-1-27 0,1-25 16,0 26-16,-1-26 16,1 0-16,0 0 0,-1-26 15,-25 1-15,26 25 0</inkml:trace>
+  <inkml:trace contextRef="#ctx0" brushRef="#br1" timeOffset="1.68492E6">19601 14573 0,'0'26'0,"26"25"15,-26 0-15,0 26 16,0 0-16,26 0 0,-26 0 15,0 0-15,25 0 16,-25 0-16,0-26 0,26 1 16,-26-27-16</inkml:trace>
+  <inkml:trace contextRef="#ctx0" brushRef="#br1" timeOffset="1.68542E6">19627 15086 0,'26'0'16,"-1"0"-16,1 0 15,25 0-15,0-26 16,1 26-16,-1 0 0,26-25 16,-26 25-16,1 0 0,-1 0 15,-25-26-15,-1 26 16,1 0-16,-26-25 31,-26 25-31,1 0 0,25-26 16,-26 26-16,0-26 15,-25 26-15,25 0 0,1-25 16,-1 25-16,0 0 16,1 25-16,-1-25 15,26 26-15,-26 0 0,26-1 16,0 26-16,0-25 15,0 0-15,0-1 0,0 1 16,26-26-16,0 26 16,-1-26-16,1 0 15,0 0-15,-1-26 0,1 0 16,0 1-16,-26-1 16,25 0-16,-25 1 15,0-1-15,26 26 0,-26-25 16,26 25-1,-1 25-15,1 26 16,0 1 0,-1-1-16,1 0 0,0 1 15,-1 25-15</inkml:trace>
+  <inkml:trace contextRef="#ctx0" brushRef="#br1" timeOffset="1.68713E6">29197 13418 0,'25'0'0,"-25"26"32,0 0-17,0-1-15,0 27 16,0-27-16,-25 27 16,25-27-16,0 27 0,0-27 15,0 1-15,0 0 16,0-1-16,25-50 15,1-1 1,25 0-16,1-25 16,25 0-16,0-1 0,51-25 15,-25 0-15,50 0 0,1-25 16,0 25-16,0 0 16,0 0-16,0 0 15,-26 26-15,-25-1 0,0 27 16,-52 25-16,0 0 0,-51 25 15,0 1-15</inkml:trace>
+  <inkml:trace contextRef="#ctx0" brushRef="#br1" timeOffset="1.68837E6">22680 13932 0,'0'-26'0,"0"0"16,0 1-1,0-1-15,0 0 16,26 26-16,-1 0 15,1 26 1,-26 0-16,0-1 0,0 27 16,26-1-16,-26 0 15,0 1-15,0-1 0,0 0 32,0 52-32,0-78 0,0 27 0,0-27 15,0 27-15,0-27 0,0 1 16</inkml:trace>
+  <inkml:trace contextRef="#ctx0" brushRef="#br1" timeOffset="1.6887E6">22706 14368 0,'-26'0'15,"52"0"1,-26 25-1,25-25-15,1 26 16,0 0 0,-1-1-16,1-25 15,0 26-15,-1-26 16,1 0-16,0 0 16,-1 0-16,1-26 0,-26 1 15,26 25-15,-1-26 0,1 0 16,-1 1-16,1-1 15,0 0-15,-26 1 16,-26 50 15,0-25-31,1 26 16,-1-26-16,-25 26 0</inkml:trace>
+  <inkml:trace contextRef="#ctx0" brushRef="#br1" timeOffset="1.68915E6">20371 13624 0,'-26'0'0,"26"-26"15,-25 0 1,50 52 15,-25 0-31,0-1 16,0 1-16,0 25 0,26 1 16,-26-1-16,0 0 15,0-25-15,0 25 16,0 1-16,0-1 0,0-25 15,26-1-15,-26 27 0,0-27 16,0 1-16</inkml:trace>
+  <inkml:trace contextRef="#ctx0" brushRef="#br1" timeOffset="1.68948E6">20243 14137 0,'0'-26'15,"-26"-25"-15,0 25 16,52 52 15,-26 0-31,26-1 16,-1 1 0,1 0-16,-26-1 0,26 1 15,-1-26 1,-25 25-16,26-25 15,0-25-15,-1-1 16,-25 1 0,26-1-16,0 0 15,-26 1-15,0-1 0,25 26 16,-25-26-16,26 26 16,-26 26-1,0 0-15</inkml:trace>
+  <inkml:trace contextRef="#ctx0" brushRef="#br1" timeOffset="1.69746E6">17985 12623 0,'-26'0'0,"1"0"0,50 0 15,52-26-15,0 26 16,26-25-16,51 25 16,25-26-16,52 26 0,26 0 15,25-26-15,52 26 16,-1 0-16,52 26 0,0-26 16,25 26-16,-25-26 0,26 25 15,-27 1-15,-24 0 16,-1-26-16,-26 25 0,-25-25 15,-26 26-15,-25-26 0,-26 0 16,-26 0-16,-25 0 16,-26-26-16,-26 26 0,-25 0 15,-26-25-15,-26 25 16,-77 0 0</inkml:trace>
+  <inkml:trace contextRef="#ctx0" brushRef="#br1" timeOffset="1.6982E6">18036 12572 0,'0'51'16,"0"0"0,-26 1-16,26-1 0,-25 26 0,25 26 15,-26-1-15,1 27 0,-1-1 16,0 26-16,-25 0 15,25 0-15,1 0 0,-27 0 16,1 25-16,25 1 16,-25-26-16,25 25 0,-25 1 15,25-1-15,1-25 0,-1 26 16,0 0-16,1-1 16,25-25-16,-26 26 0,26-1 15,0-25-15,-26 0 16,26 0-16,0-26 0,-25 1 15,25-1-15,0-25 0,0-26 16,0-26-16,0 0 16,0 1-16,0-27 0,0-50 31,0-1-31,0-25 0</inkml:trace>
+  <inkml:trace contextRef="#ctx0" brushRef="#br1" timeOffset="1.69982E6">12674 15035 0,'26'-26'15,"-26"1"-15,-26 25 16,0 0-1,1 0-15,25 25 16,-26 1-16,26 25 0,0-25 16,0 25-16,0 0 15,0 1-15,0-1 0,0 0 16,0-25-16,0 25 0,0-25 16,0 25-16,0-25 15,0 0-15,-26-26 16,26-26-1,0-25-15,0 25 16,0-25-16,0-26 0,26 0 16,-26 0-16,26-26 15,-26 1-15,25-27 0,1 27 16,0-1-16,25 26 16,0 0-16,1 0 0,-1 26 15,26 25-15,0 26 0,-26 0 16,26 0-16,-26 0 15,1 26-15,-27-1 0,1 1 16,-26 25-16,0-25 16,-26 25-16,1 1 0,-27 25 15,1-26-15,0 0 0,-1 1 16,-25-1-16,26 0 16,0 1-16,0-27 0,25 1 15,0-1-15,1-25 16,50 0-1,1 0-15,25-25 0,0-1 16,1 26-16,25-25 16,0 25-16,-26 0 0,26 0 15,0 25-15,-26-25 16,-25 26-16,25 25 0,-51-25 16,0 25-16,0-25 0,0 25 15,-51-25-15,25 25 16,-51 0-16,26-25 0,-26 0 15,0 25-15,0-25 0,26-26 16,-26 25-16,26-25 16,25 0-16,0 0 0,1-25 15,-1-1-15,26-25 16,26 25-16</inkml:trace>
+  <inkml:trace contextRef="#ctx0" brushRef="#br1" timeOffset="1.70034E6">13752 14624 0,'0'-25'16,"0"-1"-1,0 52 16,0-1-31,0 1 0,0 25 16,-26 1 0,26 50-16,-26-50 0,26 25 15,-25-26-15,25 0 0,-26 0 16,26 1-16,-26-27 0,26 1 16,0 0-16,0-1 15,0 1-15,0-52 31,0-25-31,26 25 16,-26-25-16,26-26 0,-1 0 16,1 0-16,-26-25 15,51-1-15,-25 26 0,-1-26 16,1 26-16,25 0 16,-25 26-16,25 25 0,-25 1 15,0 25-15,25 25 0,-25 1 16,-1 25-16,-25 1 15,26 25-15,0 0 0,-26 0 16,0 25-16,0-25 16,25 26-16,-25-26 0,0 0 15,0-26-15,0 26 0,26-26 16,-26-25-16,0 0 16,0-1-16</inkml:trace>
+  <inkml:trace contextRef="#ctx0" brushRef="#br1" timeOffset="1.70053E6">13957 14958 0,'-26'-26'16,"0"26"-16,1 0 16,50 0-1,1-25 1,25 25-16,1 0 0,-1-26 15,26 26-15,0-26 0,0 26 16,-26 0-16</inkml:trace>
+  <inkml:trace contextRef="#ctx0" brushRef="#br1" timeOffset="1.70101E6">15060 14599 0,'0'-52'0,"0"27"15,0-27-15,0 27 16,0-27-16,0 27 0,0-27 16,0 27-16,-26-1 15,1 0-15,-1 26 16,-25 0-16,25 0 0,-25 26 15,-1 0-15,1-1 16,0 27-16,-1-27 0,27 27 16,-26-27-16,51 1 15,-26 25-15,26-25 0,26 0 16,-1-1-16,1 1 16,25 0-16,0-1 0,26 1 15,-25-26-15,25 26 0,-26-1 16,26 1-16,-26 0 15,1 25-15,-1-25 0,0 76 16,-51-76 0,0 25-16,-25 0 0,-27-25 15,1 25-15,-26-25 0,0 0 16,-26-26-16,1 25 16,-1-25-16,1 0 0,-1-25 15,26-1-15,0 0 0,26 1 16,-1-1-16,27-25 15</inkml:trace>
+  <inkml:trace contextRef="#ctx0" brushRef="#br1" timeOffset="1.70146E6">12084 13855 0,'-26'-26'15,"1"26"1,-1 0-16,26 26 16,-26 25-16,26 0 0,0 26 15,0 0-15,0 26 16,0 25-16,0 0 0,26 1 16,-26 25-1,0 153-15,-26-153 0,26 0 16,-25 0-16,-1-25 0,0-1 15,1 0-15,25-25 16,-26-1-16,0 1 0,26-26 16,-25 0-16,25-26 15,0 1-15,0-27 0,0 1 16,25-26-16,1 0 16,0-26-16</inkml:trace>
+  <inkml:trace contextRef="#ctx0" brushRef="#br1" timeOffset="1.7023E6">11596 14188 0,'-25'-25'0,"-1"25"16,26-26-16,26 0 16,-1 1-16,27-1 0,50 0 15,1 26-15,25-25 0,26-1 16,26 26-16,51-26 15,0 26-15,-1-25 0,53 25 16,-1 0-16,0-26 16,0 26-16,1 0 0,-1 0 15,-51 0-15,0 0 0,-26 0 16,-51 0-16,-26 26 16,-25-26-16,-26 0 0,-26 0 15,0 0-15,-76 25 16,-1-25-1,0 0-15,1 0 0,-1 26 16,0-26 0,26 26-16,0-1 15,0 1 1,0 0-16,0-1 16,0 1-16,0 0 0,0 25 15,0 0-15,-25 0 16,25 1-16,0 25 0,0 25 15,-26-25-15,26 26 16,0-26 0,26 231-16,-1-231 0,-25 0 15,26 0-15,-26 0 16,26-26-16,-26 26 0,0-26 16,0 1-16,0-27 0,0 1 15,-26 0-15,26-1 16,0 1-16,-26-26 0,26 26 15,-25-26-15,-1 0 16,0 0-16,-25 0 0,0 0 16,-1 0-16,-25 0 0,-25 0 15,-1 0-15,-25 0 16,-26-26-16,0 26 0,-51 0 16,0 0-16,-1 26 15,-25-26-15,-25 25 0,25-25 16,0 26-16,0-1 0,26 1 15,0 0-15,51-1 16,0-25-16,51 26 0,0-26 16,52 26-16,26-26 15</inkml:trace>
+  <inkml:trace contextRef="#ctx0" brushRef="#br1" timeOffset="1.70287E6">15419 14676 0,'26'0'16,"-1"25"-16,1-25 0,51 0 15,0 0-15,26 0 16,25 0-16,0 0 0,26 0 15,26-25-15,-26 25 16,25 0-16,-25-26 0,26 26 16,-26-26-16,-26 26 15,0 0-15,-25-25 0,-26 25 16,0 0-16,-26-26 0,-25 26 16,0 0-16,-52 0 15,-25 0 1,25 0-16,0 0 0</inkml:trace>
+  <inkml:trace contextRef="#ctx0" brushRef="#br1" timeOffset="1.70317E6">17215 14239 0,'-26'-25'0,"52"25"31,0 25-15,-1 1-16,27-26 16,-27 26-16,27-1 0,-1 27 15,26-27-15,-26 27 0,1-1 16,-1 0-16,-25 1 15,-1-1-15,-25 0 0,-25 1 16,-1-1-16,-51 26 0,-51-26 16,-26 26-16,-51-26 15</inkml:trace>
+  <inkml:trace contextRef="#ctx0" brushRef="#br1" timeOffset="1.70472E6">9698 15009 0,'51'-25'16,"-25"25"-1,51 0-15,25-26 0,1 26 16,51 0-16,0-26 0,25 1 15,27 25-15,-1-26 0,0 0 16,0 1-16,1-1 16,-27 0-16,-25 26 0,0-25 15,-77 25-15,0 0 16,-26 0-16,-25 0 0,-52-26 16</inkml:trace>
+  <inkml:trace contextRef="#ctx0" brushRef="#br1" timeOffset="1.70499E6">11802 14419 0,'-26'-26'0,"0"26"0,1-25 16,50 25 15,1 25-31,0 1 16,25 0-16,0-1 15,1 27-15,-1-1 0,0 0 16,-25 1-16,-1-1 0,-25 26 16,0-26-16,-51 26 15,-51 0-15,-27-26 0,-25 26 16</inkml:trace>
+  <inkml:trace contextRef="#ctx0" brushRef="#br1" timeOffset="1.70584E6">9287 14393 0,'-51'-25'16,"25"-1"-16,-25 26 15,25 0-15,-25-26 0,0 26 16,-26 26-16,25 0 15,-25-1-15,26 27 0,0-1 16,0 26-16,25 0 0,0 0 16,26 0-16,26 0 15,25 0-15,0-26 16,206 77 0,-154-102-16,128-26 15,-129-26-15,1-25 0,-1 25 16,1-25-16,-26-26 15,-26 0-15,1 0 0,-27 0 16,-25 0-16,0-25 16,-25 25-16,-27 0 0,-25 0 15,0 0-15,0 26 0,-25-1 16,25 1-16,-26 51 16,26 0-16,26 0 0</inkml:trace>
+  <inkml:trace contextRef="#ctx0" brushRef="#br1" timeOffset="1.70642E6">8902 15035 0,'-25'0'0,"25"-26"16,-26 26-16,0 26 15,1 25 1,-1-25-16,26 25 0,-26 0 16,1 1-16,-26-1 0,25 26 15,0 0-15,1-26 16,-1 1-16,26-1 15,-26 0-15,1 1 0,25-27 16,0 1-16,0 0 16,25-26-1,1-26-15,0 26 16,25-26-16,-25 26 16,25 0-16,0-25 15,26 25-15,-26 0 0,26 0 16,26 25-16,-26-25 0,0 26 15,0-26-15,26 26 16,-52-26-16,26 25 0,-26-25 16,0 0-16,1 0 15,-27 0-15,27 0 0,-27 0 16,1-25-16,0 25 0,-1-26 16,1-25-16,0 25 15,-26-25-15,25-1 0,-25-25 16,0 26-16,-25-26 15,-1 0-15,0 26 0,-25-26 16,0 25-16,-26 1 0,25 25 16,1 1-16,-26-1 15</inkml:trace>
+</inkml:ink>
+</file>
+
+<file path=ppt/ink/ink10.xml><?xml version="1.0" encoding="utf-8"?>
+<inkml:ink xmlns:inkml="http://www.w3.org/2003/InkML">
+  <inkml:definitions>
+    <inkml:context xml:id="ctx0">
+      <inkml:inkSource xml:id="inkSrc0">
+        <inkml:traceFormat>
+          <inkml:channel name="X" type="integer" max="1920" units="cm"/>
+          <inkml:channel name="Y" type="integer" max="1080" units="cm"/>
+          <inkml:channel name="T" type="integer" max="2.14748E9" units="dev"/>
+        </inkml:traceFormat>
+        <inkml:channelProperties>
+          <inkml:channelProperty channel="X" name="resolution" value="55.81395" units="1/cm"/>
+          <inkml:channelProperty channel="Y" name="resolution" value="55.6701" units="1/cm"/>
+          <inkml:channelProperty channel="T" name="resolution" value="1" units="1/dev"/>
+        </inkml:channelProperties>
+      </inkml:inkSource>
+      <inkml:timestamp xml:id="ts0" timeString="2020-11-08T01:52:33.731"/>
+    </inkml:context>
+    <inkml:brush xml:id="br0">
+      <inkml:brushProperty name="width" value="0.05" units="cm"/>
+      <inkml:brushProperty name="height" value="0.05" units="cm"/>
+      <inkml:brushProperty name="color" value="#ED1C24"/>
+      <inkml:brushProperty name="fitToCurve" value="1"/>
+    </inkml:brush>
+  </inkml:definitions>
+  <inkml:trace contextRef="#ctx0" brushRef="#br0">223 134 0,'25'-24'16,"-25"-1"-1,-25 25 48,1 25-63,0-25 15,-1 0-15,1 24 0,-1-24 16,1 24-16,-1 1 16,25-1-16,-24 1 0,0-1 15,24 25-15,0-25 16,0 25-16,0-24 0,0 24 15,24-25-15,0 0 0,1 1 16,-1-1-16,25-24 16,-24 25-16,23-25 0,1 0 15,-24 0-15,24 0 16,-25 0-16,25-25 0,-25 25 16,1-24-16,-1 24 0,-24-25 15</inkml:trace>
+  <inkml:trace contextRef="#ctx0" brushRef="#br0" timeOffset="581">956 232 0,'0'-25'15,"0"1"1,-24 24-16,-1-25 16,1 1-1,-1 24-15,1 0 16,0 0-16,-1 0 0,-24 0 15,25 0-15,-1 0 16,1 0-16,0 24 0,-1 1 16,1-1-1,24 1-15,-25-1 0,25 1 16,0-1-16,0 0 16,25 1-16,-1-1 15,1-24-15,-1 25 0,0-25 16,1 0-16,24 0 15,-25 0-15,25 0 0,0 0 16,-25 0-16,25 0 0,-25 24 16,1-24-16,-1 0 15,-24 25-15,25-25 0,-25 24 16,0 0-16,0 1 16,-25-1-16,1 1 15,-1-25-15,1 24 16,0-24-16,-1 0 15,-24 0-15,25 0 0,0 0 16,-1 0-16,1 0 16,-1 0-16,1-24 0,24-1 15</inkml:trace>
+  <inkml:trace contextRef="#ctx0" brushRef="#br0" timeOffset="1093">1225 232 0,'0'-25'31,"24"25"0,1 0-15,-25 25 0,24-1-16,-24 1 15,24-1-15,-24 0 16,25 1-16,-25-1 0,24 1 16,-24-1-16,25 1 15,-1-25-15,-24 24 0,25 0 16,-1-24-16,0 0 15,1 0-15,-1 0 16,-24-24 0,0 0-1,0-1-15,0 1 16,0-1-16,0 1 0,0-1 16,0-23-16,0 23 15,25 1-15,-25-1 0,0 1 16,24-1-16,0 25 47,-24 25-32,0-1 1</inkml:trace>
+  <inkml:trace contextRef="#ctx0" brushRef="#br0" timeOffset="1757">1933 354 0,'0'24'78,"24"1"-47,-24-1-31,0 1 16,0-1-16,0 0 16,-24 1-16,24-1 15,-24 1-15,24-1 0</inkml:trace>
+  <inkml:trace contextRef="#ctx0" brushRef="#br0" timeOffset="2573">2397 158 0,'24'0'63,"-24"-24"-47,-24 24 77,24-24-77,-24 24 0,24-25 15,0 1 0,24 24-15,-24 24 15,0 1-31,0-1 16,24 0-16,-24 1 15,25 24-15,-25-25 0,0 1 16,24-1-16,-24 25 15,25-25-15,-25 1 0,0-1 16,0 1-16,0-1 16</inkml:trace>
+  <inkml:trace contextRef="#ctx0" brushRef="#br0" timeOffset="2947">2299 354 0,'25'0'16,"-1"0"0,1 0-1,-1 0-15,0 24 0,1-24 16,-1 0-16,1 0 16,-1 0-16,1-24 0,23 24 15,-23 0-15,-1 0 16,1 0-16,-1 0 0,1 0 15,-1 0-15,-48 0 32</inkml:trace>
+  <inkml:trace contextRef="#ctx0" brushRef="#br0" timeOffset="3263">2202 134 0,'0'-24'16,"24"24"-16,0 0 15,1-25-15,-1 25 16,1 0-16,-1 0 0,1-24 16,-1 24-16,0 0 15,1 0-15,-1 0 0,1 0 16,-1 0-16,1 0 0,-1 0 16,0 0-16,1 0 15,-1 0-15</inkml:trace>
+  <inkml:trace contextRef="#ctx0" brushRef="#br0" timeOffset="3949">2763 183 0,'25'0'31,"-1"0"-15,1 0-1,-1 0-15,0 0 16,-24 24-16,25 1 16,-25-1-1,0 1-15,24-1 16,-24 0-1,0 1-15,0-50 47,0 1-31,0 0 0,25-1-16,-25 1 15,0-1-15,24 1 0,1 24 16,-25-25-16,24 1 15,0 24-15,1 0 16,-1 0-16,1 24 16,-25 1-1,24-25-15,-24 24 16,0 1-16,0-1 16,-24-24 15,24-24 0,24-1-15,1 25-16,-25-24 15,24 24-15,0 0 16,1-25-16,-1 25 16,1 0-16,-25 25 0,24-1 15,-24 1 1,0-1-16,25 1 15,-25-1-15,0 0 16,24 1-16,-24-1 0,0 1 16,24-25-1</inkml:trace>
+  <inkml:trace contextRef="#ctx0" brushRef="#br0" timeOffset="4506">3398 11 0,'0'-24'15,"25"48"1,-25 0 0,24 1-16,-24-1 15,0 1-15,25-1 0,-25 25 16,24 0-16,-24-25 15,0 25-15,24 0 0,-24 0 16,0-25-16,25 25 0,-25-25 16,0 25-16,0-24 15,0-1-15,0 0 0,0 1 16,0-1-16,0-48 31,0-1-15,0 1-1,0 0-15,0-25 0,-25 24 16,25-23-16,0 23 16,0-24-16,0 25 0,-24-25 15,24 25-15,0-1 0,0 1 16,24-1-16,-24 1 16,25-1-16,-1 25 0,-24-24 15,25 24-15,-1 0 16,1 0-16,-1 0 0,0 24 15,1 1-15,-1-25 16,-24 24-16,25 1 16,-25-1-16,-25 1 15,1-1-15,-1-24 16,1 24-16,0-24 0,-1 0 16,1 0-16,-25 0 15,24 0-15,1 0 0</inkml:trace>
+  <inkml:trace contextRef="#ctx0" brushRef="#br0" timeOffset="4722">3960 158 0,'0'25'0,"25"-25"15,-1 0-15,0 0 16,1 0-16,-1 0 16,1 0-16,-1 0 15,-24 24-15,-24-24 16</inkml:trace>
+  <inkml:trace contextRef="#ctx0" brushRef="#br0" timeOffset="6594">516 1038 0,'0'-25'31,"-24"25"172,24-24-172,-24 24-31,-1 0 16,1 0-16,-1 0 16,1 0-16,-25 0 15,25 0-15,-1 24 0,-24-24 16,25 25-16,-25-1 16,25 1-16,-1-1 0,1 0 15,-1 25-15,25-24 0,0 23 16,0-23-16,0 24 15,25-25-15,-1 1 0,1-1 16,-1 0-16,1-24 16,-1 25-16,25-25 0,-25 0 15,1 0-15,23 0 0,-23-25 16</inkml:trace>
+  <inkml:trace contextRef="#ctx0" brushRef="#br0" timeOffset="7145">883 1184 0,'-25'0'16,"25"-24"-1,0-1 16,-24 1-15,0 24 0,-1 0-16,1 0 15,-1 0 1,1 0-16,-1 24 0,1-24 16,0 25-16,-1-1 15,1 1-15,24-1 16,0 0-16,0 1 0,0-1 15,0 1-15,24-1 16,-24 1-16,25-25 0,-1 24 16,0-24-16,1 0 0,24 0 15,-25 0-15,1 0 16,-1 0-16,0-24 16,1-1-16,-1 1 15,-24-1-15,0 1 0,0-1 16,0 1-16,0-25 0,0 25 15,0-1-15,0 1 16,0 48 15,0 1-31,0-1 0,25 1 16,-25-1-16,0 0 16,24 1-16,-24-1 0,25-24 15,-25 25-15,24-25 0,0 0 16,1 0-16</inkml:trace>
+  <inkml:trace contextRef="#ctx0" brushRef="#br0" timeOffset="7398">1176 989 0,'-25'-25'0,"25"1"16,0 48 31,0 1-47,0-1 15,0 1-15,25 24 0,-25-25 16,0 0-16,0 25 16,0-24-16,24 24 0,-24-25 15,0 0-15,25 1 16,-25-1-16</inkml:trace>
+  <inkml:trace contextRef="#ctx0" brushRef="#br0" timeOffset="8423">1713 1184 0,'0'-24'16,"-24"-1"-1,-1 25 1,1 0-16,-1-24 16,1 24-16,0 0 15,-1 0-15,1 24 16,-1-24-16,1 0 0,24 25 15,-24-1-15,24 1 16,0-1-16,0 1 16,0-1-16,0 0 15,24 1-15,-24-1 0,24 1 16,1-25-16,-1 24 0,1-24 16,23 24-16,-23-24 15,-1 0-15,25 0 0,-24-24 16,-1 24-16,0-24 15,1-1-15,-1 1 0,-24-1 16,25 1-16,-25 0 0,0-1 16,0 1-16,0-1 15,0-24-15,0 25 16,0 0-16,-25 24 16,25 24-1,0 0 1,0 1-1,0-1-15,0 1 0,0-1 16,0 1-16,0-1 0,0 0 16,25 1-16,-1-1 15,1-24 1,-1 0-16,0 0 16,1 0-16,-1-24 15,1-1-15,-1 1 16,-24 0-1,0-1-15,0 1 0,0-1 16,0 1-16,0-1 16,0 1-16,-24 0 15,24 48 1,0 0 0,0 1-16,0-1 0,24-24 15,-24 49-15,25-49 16,-25 25-16,24-1 0,-24 0 15,24-24-15,1 25 0,-1-1 16,1-24 0,-1 0-16,1-24 15,-1-1 1,-24 1-16,24 0 0,-24-1 16,0 1-16,0-1 0,0-24 15,0 1-15,0 23 16,-24-24-16,24 25 0,0-25 15,-24 25-15,24-1 0,0 50 32,0-1-17,0 0-15,0 1 16,0 24-16,0-25 0,24 25 16,-24 0-16,0 0 0,24-25 15,-24 25-15,25-25 16,-25 1-16,24-1 0,1 1 15,-25-1-15,24-24 16</inkml:trace>
+  <inkml:trace contextRef="#ctx0" brushRef="#br0" timeOffset="9618">2324 1209 0,'-25'0'16,"25"-25"-1,25 25 17,-25-24-32,24 24 15,1 0-15,-1 0 16,0 0-16,25-25 0,-24 25 16,-1 0-16,25 0 15,-25-24-15,1 24 0,24 0 16,-25-24-16,1 24 15,-1 0-15,0-25 16,1 25-16,-25-24 16,0-1 15,-25 25-15,1 0-16,0 0 15,-1 0-15,1 0 0,24 25 16,-25-25-16,1 24 15,24 1-15,-25-1 16,25 0-16,0 1 16,0 24-16,0-25 0,0 0 15,0 1-15,0-1 0,0 1 16,25-1-16,-1 1 16,1-1-16,-1-24 15,1 0 1,-1-24-16,0 24 0,1-25 15,-1 1-15,-24-1 16,25 1-16,-25-25 16,0 25-16,0-1 0,0 1 15,0-1-15,0 1 16,0 0-16,0 48 16,0 0-1,0 1 1,0-1-16,0 1 0,0-1 15,0 0-15,24 1 16,-24-1-16,24 1 0,1-1 16,-1-24-16,1 0 15,-1 0-15,1 0 16,-1 0-16,0-24 0,-24-1 16,25 1-16,-1-1 0,-24-23 15,0 23-15,0-24 16,0 1-16,0-1 0,0 0 15,-24 24-15,24-23 16,-25 23-16,25 1 0,-24 24 16,24 24-1,0 1 1,0 23-16,0-23 0,24 24 16,-24 0-16,25-1 15,-25 1-15,24-24 0,1 23 16,-25-23-16,24 24 15,1-25-15,-1 1 16,0-25-16,-24-25 31,0 1-31,-24-1 0,24 1 16,-24-1-16,-1 1 0,25 0 16,-24 24-16,-1-25 15,25 1-15,-24 24 16,48 0-1,1-25 1,-1 25-16,1 0 0,-1 0 16,0 0-16,1-24 15,-1 24-15,1 0 0,-1 0 16,1-24 0,-1 24-1,-24-25-15,24 50 31,-24-1-31,0 0 16,0 1 0,0 24-16,25-25 0,-25 0 15,0 1-15,0-1 0,24 1 16,-24-1-16,25 1 16</inkml:trace>
+  <inkml:trace contextRef="#ctx0" brushRef="#br0" timeOffset="9786">3447 916 0,'-24'-25'16,"-1"1"-16,25 48 31,25 1-15,-1-1-1</inkml:trace>
+  <inkml:trace contextRef="#ctx0" brushRef="#br0" timeOffset="10583">3691 1038 0,'0'24'31,"-24"-24"-15,24 25-16,-24-1 16,24 0-16,0 1 0,0-1 15,0 25-15,0-25 16,0 1-16,24 24 0,0-25 16,1 1-16,-1-25 15,1 24-15,-1-24 0,1 0 16,23 0-16,-23 0 15,-1-24-15,1 24 0,-1-25 16,-24 1-16,0-25 0,0 24 16,0 1-16,-24-25 15,24 0-15,-25 25 0,1 0 16,-1-1-16,1 1 0,0-1 16,-1 25-16,1 0 15,-1 25-15,25-1 16,0 1-16,0-1 15,0 0-15,25 1 0,-25-1 16,24 25-16,-24-25 0,25-24 16,-25 25-16,24-25 15,0 24-15,1-24 16,-1-24 0,1-1-16,-25 1 15,0 0-15,0-1 0,0 1 16,24-1-16,-24-23 15,0 23-15,25 1 16,-1 24 0,0 0-16,-24 24 0,25 1 15,-25-1-15,24 0 0,-24 25 16,25-24-16,-25-1 16,0 25-16,24-25 0,-24 1 15,0-1-15,0-48 47,0-1-47,0 1 16,0-25-16,0 25 0,25-25 15,-25 0-15,0 25 16,24-1-16,-24 1 0,24-1 16,1 25-16,-1 25 15,1-1-15,-25 1 16,24 23-16,-24-23 0,24 24 15,-24-1-15,25 1 0,-25 0 16,24-24-16,-24-1 16,0 0-16,25 1 0,-25-1 15</inkml:trace>
+  <inkml:trace contextRef="#ctx0" brushRef="#br0" timeOffset="10879">4449 1013 0,'-25'-24'0,"1"24"15,24-25 1,24 25 15,1 25-15,-25-1-16,24 1 15,0-1-15,1 1 0,-1 23 16,1-23-16,-1 24 0,1-25 16,-1 25-16,0-25 15,1 25-15,-1-24 0,1-1 16,-1 0-16,-24-48 31</inkml:trace>
+  <inkml:trace contextRef="#ctx0" brushRef="#br0" timeOffset="11178">4766 989 0,'0'24'62,"0"1"-62,0-1 16,0 1-16,0-1 16,-24 25-16,24-25 0,0 25 15,0 0-15,0 0 0,0-25 16,24 25-16,-24 0 16,0-25-16,0 1 0,25-1 15,-25 1-15,0-1 16,0-48-1,0-1 1</inkml:trace>
+</inkml:ink>
+</file>
+
+<file path=ppt/ink/ink11.xml><?xml version="1.0" encoding="utf-8"?>
+<inkml:ink xmlns:inkml="http://www.w3.org/2003/InkML">
+  <inkml:definitions>
+    <inkml:context xml:id="ctx0">
+      <inkml:inkSource xml:id="inkSrc0">
+        <inkml:traceFormat>
+          <inkml:channel name="X" type="integer" max="1920" units="cm"/>
+          <inkml:channel name="Y" type="integer" max="1080" units="cm"/>
+          <inkml:channel name="T" type="integer" max="2.14748E9" units="dev"/>
+        </inkml:traceFormat>
+        <inkml:channelProperties>
+          <inkml:channelProperty channel="X" name="resolution" value="55.81395" units="1/cm"/>
+          <inkml:channelProperty channel="Y" name="resolution" value="55.6701" units="1/cm"/>
+          <inkml:channelProperty channel="T" name="resolution" value="1" units="1/dev"/>
+        </inkml:channelProperties>
+      </inkml:inkSource>
+      <inkml:timestamp xml:id="ts0" timeString="2020-11-08T01:53:01.582"/>
+    </inkml:context>
+    <inkml:brush xml:id="br0">
+      <inkml:brushProperty name="width" value="0.05" units="cm"/>
+      <inkml:brushProperty name="height" value="0.05" units="cm"/>
+      <inkml:brushProperty name="color" value="#ED1C24"/>
+      <inkml:brushProperty name="fitToCurve" value="1"/>
+    </inkml:brush>
+  </inkml:definitions>
+  <inkml:trace contextRef="#ctx0" brushRef="#br0">27 51 0,'-24'0'32,"24"-24"46,24 24-63,1 0 17,-1 0-17,1 0 1,-1 0 0,1 0-16,-25-25 0,24 25 15,0 0-15,1 0 0,-1 0 16,1 0-16,-1 0 15,0 25-15,1-25 0,-1 0 16,1 0-16,-1 0 16,1 24-16,-1-24 15,0 0-15,1 0 16,-25 25-16,24-25 0,-24 24 16,25-24-16,-25 25 15,24-1 1,-24 0-16,0 1 15,0-1-15,25-24 16,-25 25-16,0-1 16,24-24-1,-24 25 1,0-1 0,0 0-16,0 1 15,0-1-15,0 1 16,0-1-16,0 0 15,0 1-15,0-1 16,0 1-16,0-1 16,0 1-16,0-1 15,-24 0 1,24 1-16,-25-1 16,25 1-1,-24-1-15,-1 1 16,25-1-16,-24-24 15,24 24-15,-25-24 16,25 25-16,-24-1 0,0 1 16,-1-1-1,25 1 1,-24-25-16,24 24 0,-25-24 16,25 24-16,-24-24 15,24 25-15,-25-1 16,25 1-1,0-1 1,0 1 0,0-1-1,0 0 1,0 1 15,25-1-31,-1 1 31,1-25-15,-1 0 0,1 24-16,-1-24 15,0 0-15,25 0 16,-24 0 0,-1 0-16,1 0 15,-1 0-15,0 0 16,1 0-1,-1 0 1,1 0 0,-25-24-1,24 24 1,-48 0 62,-1 0-62,1 0-1,-1 24 1,1-24 0,0 0-16,-1 24 31,1-24-16,24 25 1,-25-1 0,25 1-1,0-1 1,0 1 15,0-1 0,25-24-15,-25 24 0,0 1-1,24-25-15,-24 24 16,25-24 0,-25 25-16,24-25 15,-24 24-15,24-24 16,-24 25-16,25-25 0,-25 24 15,24-24-15,-24 24 16,25-24-16,-25 25 0,24-25 16,0 24-16,-24 1 15,25-1-15,-1 0 16,1 1-16,-25-1 0,24 1 16,1-1-16,-1 1 15,-24-1-15,0 0 16,24 1-1,-24-1 1,0 1-16,0-1 16,0 1-1,0-1-15,0 0 16,0 1 0,0-1-16,0 1 15,0-1-15,0 1 16,0-1-16,0 0 15,0 1-15,0-1 16,0 1 0,0-1-16,0 1 15,0-1 1,-24-24-16,24 24 16,-24-24-16,24 25 15,-25-25 1,25 24-16,-24-24 0,-1 0 15,25 25-15,-24-25 0,-1 0 16,25 24-16,-24-24 16,0 0-16,-1 24 15,1-24 1,-1 0-16,1 0 16,24 25-1,-24-25-15,-1 0 16,25 24-1,-24-24 1,48 0 15,1-24-15</inkml:trace>
+  <inkml:trace contextRef="#ctx0" brushRef="#br0" timeOffset="1434">736 1224 0,'-25'0'15,"50"0"48,-1 0-63,0 0 15,1 0-15,-1 0 0,25 0 16,0-25-16,0 25 16,0 0-16,24 0 0,-24 0 15,24 0-15,0 0 16,-24 0-16,25 0 0,-26 0 15,26 0-15,-26 0 0,1-24 16,-24 24-16,24 0 16,-25 0-16,0 0 0,1 0 15,-25-25-15,24 25 16,-24-24 0,-24 24 15,-1 0-16</inkml:trace>
+  <inkml:trace contextRef="#ctx0" brushRef="#br0" timeOffset="1891">1615 931 0,'24'0'46,"1"24"-46,-1-24 16,1 0-16,-1 0 0,25 24 16,0-24-16,-25 0 15,25 25-15,0-25 0,-25 24 16,1-24-16,-1 0 0,1 25 16,-1-25-16,-24 24 15,24-24-15,-24 24 16,-24 1-1,24-1-15,-24-24 0,-1 25 16,1-1-16,-1-24 0,1 25 16,-25-1-16,25-24 15,-25 24-15,24 1 0,1-25 16,-1 24-16,1-24 16,0 0-16</inkml:trace>
+  <inkml:trace contextRef="#ctx0" brushRef="#br0" timeOffset="2876">1078 467 0,'0'24'31,"-25"0"-15,25 1-16,0-1 0,0 1 15,0-1-15,0 0 16,-24 1-16,24-1 0,0 1 16,0-1-16,0 1 15,0-1-15,0 0 0,0 1 16,0-1-16,0 1 16,0-1 15,0-48-16,0-1 1,0 1 0,24-1-1,-24 1-15,0 0 16,25-1 0,-25 1-16,24 24 0,-24-25 15,24 1-15,1 24 0,-1-25 16,1 25-16,-1 0 15,1-24-15,-1 24 0,0 0 16,1 24 0,-1-24-16,1 25 15,-25-1-15,24-24 16,-24 25-16,0-1 0,0 1 16,-24-1-16,24 0 15,-25-24-15,1 25 16,-1-25-16,1 24 0,0-24 15,-25 25-15,24-25 0,1 0 16,-1 0-16,1 0 16,0 0-16,-1 0 0,1 0 15,24-25 1</inkml:trace>
+</inkml:ink>
+</file>
+
+<file path=ppt/ink/ink12.xml><?xml version="1.0" encoding="utf-8"?>
+<inkml:ink xmlns:inkml="http://www.w3.org/2003/InkML">
+  <inkml:definitions>
+    <inkml:context xml:id="ctx0">
+      <inkml:inkSource xml:id="inkSrc0">
+        <inkml:traceFormat>
+          <inkml:channel name="X" type="integer" max="1920" units="cm"/>
+          <inkml:channel name="Y" type="integer" max="1080" units="cm"/>
+          <inkml:channel name="T" type="integer" max="2.14748E9" units="dev"/>
+        </inkml:traceFormat>
+        <inkml:channelProperties>
+          <inkml:channelProperty channel="X" name="resolution" value="55.81395" units="1/cm"/>
+          <inkml:channelProperty channel="Y" name="resolution" value="55.6701" units="1/cm"/>
+          <inkml:channelProperty channel="T" name="resolution" value="1" units="1/dev"/>
+        </inkml:channelProperties>
+      </inkml:inkSource>
+      <inkml:timestamp xml:id="ts0" timeString="2020-11-08T01:53:09.755"/>
+    </inkml:context>
+    <inkml:brush xml:id="br0">
+      <inkml:brushProperty name="width" value="0.05" units="cm"/>
+      <inkml:brushProperty name="height" value="0.05" units="cm"/>
+      <inkml:brushProperty name="color" value="#ED1C24"/>
+      <inkml:brushProperty name="fitToCurve" value="1"/>
+    </inkml:brush>
+  </inkml:definitions>
+  <inkml:trace contextRef="#ctx0" brushRef="#br0">346 82 0,'0'-25'0,"0"1"15,-24 24 1,24-25-16,-25 25 16,1 0-16,-1 0 15,1 0-15,-25 0 16,25 25-16,-1-25 0,-23 24 15,23 1-15,1-1 0,24 0 16,-25 1-16,25 24 16,0-25-16,25 25 0,-25-25 15,24 25-15,25-24 16,-25-1-16,25 1 0,-24-25 16,23 24-16,1-24 0,0 0 15,-24-24-15,23-1 16,-23 25-16,-1-24 0</inkml:trace>
+  <inkml:trace contextRef="#ctx0" brushRef="#br0" timeOffset="449">590 130 0,'-24'0'47,"24"25"-31,-24-25-16,-1 0 15,25 24-15,0 1 16,0-1-16,0 1 16,0-1-16,0 0 15,25 1-15,-1-1 0,0 1 16,1-1-1,-1-24-15,1 0 0,-1 0 16,1 0-16,-1 0 16,-24-24-16,24 24 15,-24-25-15,0 1 0,0-1 16,0 1-16,-24 0 0,24-1 16,-24 1-16,24-1 15,-25 1-15,1-1 16,-1 25-16,1 0 15,-1 0 1,1 0-16,24 25 16,24-25-1,1 24 1</inkml:trace>
+  <inkml:trace contextRef="#ctx0" brushRef="#br0" timeOffset="906">859 155 0,'0'-25'16,"24"25"15,1 0-31,-1 0 15,1 0-15,-25 25 16,24-25-16,-24 24 16,25-24-16,-25 25 0,0-1 15,24 1-15,-24-1 0,0 0 16,0 1 0,-24-1-1,-1-24 1,25-24-16,-24 24 0,24-25 15,0 1-15,-25 0 16,25-1-16,0 1 16,25-1-16,-25 1 0,24-1 15,1 1-15,23 24 16,-23-24-16,24 24 0,-25 0 16,25 0-16,-25 24 15,25 0-15,-24 1 0,-1-1 16,1 1-16,-25 24 0,24-25 15,-24 0-15,0 1 16,0-1-16,-24 1 0</inkml:trace>
+</inkml:ink>
+</file>
+
+<file path=ppt/ink/ink13.xml><?xml version="1.0" encoding="utf-8"?>
+<inkml:ink xmlns:inkml="http://www.w3.org/2003/InkML">
+  <inkml:definitions>
+    <inkml:context xml:id="ctx0">
+      <inkml:inkSource xml:id="inkSrc0">
+        <inkml:traceFormat>
+          <inkml:channel name="X" type="integer" max="1920" units="cm"/>
+          <inkml:channel name="Y" type="integer" max="1080" units="cm"/>
+          <inkml:channel name="T" type="integer" max="2.14748E9" units="dev"/>
+        </inkml:traceFormat>
+        <inkml:channelProperties>
+          <inkml:channelProperty channel="X" name="resolution" value="55.81395" units="1/cm"/>
+          <inkml:channelProperty channel="Y" name="resolution" value="55.6701" units="1/cm"/>
+          <inkml:channelProperty channel="T" name="resolution" value="1" units="1/dev"/>
+        </inkml:channelProperties>
+      </inkml:inkSource>
+      <inkml:timestamp xml:id="ts0" timeString="2020-11-08T01:53:07.366"/>
+    </inkml:context>
+    <inkml:brush xml:id="br0">
+      <inkml:brushProperty name="width" value="0.05" units="cm"/>
+      <inkml:brushProperty name="height" value="0.05" units="cm"/>
+      <inkml:brushProperty name="color" value="#ED1C24"/>
+      <inkml:brushProperty name="fitToCurve" value="1"/>
+    </inkml:brush>
+  </inkml:definitions>
+  <inkml:trace contextRef="#ctx0" brushRef="#br0">0 0 0,'0'25'63,"0"-1"-47,0 0-1,0 1-15,0-1 16,0 1-16,25 24 15,-25-25-15,0 25 0,0 0 16,24-1-16,-24-23 16,0 24-16,0 0 0,0-25 15,25 25-15,-25-25 0,0 1 16,0-1-16,0 1 16,0-1-16,24-24 15</inkml:trace>
+  <inkml:trace contextRef="#ctx0" brushRef="#br0" timeOffset="606">171 391 0,'-24'0'15,"24"-24"-15,-25 24 16,50-25 31,-1 25-31,1 0-16,-1 0 15,1 0-15,23 0 16,-23-24-16,-1 24 0,1 0 15,-1 0-15,1 0 16,-1 0-16,0 0 0,1 0 16,-25-25 15,0 1-15,0-1-1,0 1-15,0 0 16,0-1-16,-25 1 15,25-1-15,0 1 16,0-1-16,0 1 31,-24 48-15,24 1 0,0-1-16,0 1 15,0 24-15,0-25 0,0 0 16,0 25-16,0-24 15,24 24-15,-24-25 0,0 25 16,0-25-16,0 1 0,0-1 16,0 0-16,0 1 15,0-1-15,25-24 32</inkml:trace>
+  <inkml:trace contextRef="#ctx0" brushRef="#br0" timeOffset="937">782 98 0,'0'24'47,"0"1"-32,-25-1 1,25 1-16,0-1 0,0 0 16,0 25-16,0-24 0,0 23 15,0-23-15,0-1 16,0 1-16,0-1 0,25 1 15,-25-1-15,0 0 16,0 1-16,24-25 0,-24 24 16,25-24-16</inkml:trace>
+  <inkml:trace contextRef="#ctx0" brushRef="#br0" timeOffset="1388">660 220 0,'0'-24'16,"-25"24"-16,25-25 16,0 1-1,25 24 1,-25-25-16,24 25 15,1 0-15,-1-24 0,25 24 16,-25 0-16,1 0 0,24-25 16,-25 25-16,25 0 15,-25 0-15,25 0 0,-24 0 16,-1 25-16,0-25 0,-24 24 16,25 1-16,-1-1 15,-24 25-15,0-25 0,0 25 16,0-24-16,0 24 15,-24-25-15,24 25 0,-25-25 16,1 1-16,0-1 0,-1 0 16,-24 1-16,25-25 15,-1 24-15,-23-24 0,23 0 16,1 25-16,-1-25 16,1 0-16,-1 0 15,50-25 1</inkml:trace>
+  <inkml:trace contextRef="#ctx0" brushRef="#br0" timeOffset="1728">1417 147 0,'0'-25'15,"0"50"48,0-1-63,0 1 15,0-1-15,0 0 0,0 25 16,0 0-16,0-24 16,0 23-16,0 1 0,0 0 15,0-25-15,0 25 16,0-24-16,0 24 0,0-25 16,0 0-16</inkml:trace>
+</inkml:ink>
+</file>
+
+<file path=ppt/ink/ink14.xml><?xml version="1.0" encoding="utf-8"?>
+<inkml:ink xmlns:inkml="http://www.w3.org/2003/InkML">
+  <inkml:definitions>
+    <inkml:context xml:id="ctx0">
+      <inkml:inkSource xml:id="inkSrc0">
+        <inkml:traceFormat>
+          <inkml:channel name="X" type="integer" max="1920" units="cm"/>
+          <inkml:channel name="Y" type="integer" max="1080" units="cm"/>
+          <inkml:channel name="T" type="integer" max="2.14748E9" units="dev"/>
+        </inkml:traceFormat>
+        <inkml:channelProperties>
+          <inkml:channelProperty channel="X" name="resolution" value="55.81395" units="1/cm"/>
+          <inkml:channelProperty channel="Y" name="resolution" value="55.6701" units="1/cm"/>
+          <inkml:channelProperty channel="T" name="resolution" value="1" units="1/dev"/>
+        </inkml:channelProperties>
+      </inkml:inkSource>
+      <inkml:timestamp xml:id="ts0" timeString="2020-11-08T01:53:12.797"/>
+    </inkml:context>
+    <inkml:brush xml:id="br0">
+      <inkml:brushProperty name="width" value="0.05" units="cm"/>
+      <inkml:brushProperty name="height" value="0.05" units="cm"/>
+      <inkml:brushProperty name="color" value="#ED1C24"/>
+      <inkml:brushProperty name="fitToCurve" value="1"/>
+    </inkml:brush>
+  </inkml:definitions>
+  <inkml:trace contextRef="#ctx0" brushRef="#br0">2345 198 0,'-24'0'31,"24"-25"-15,-24 25 0,-1-24-1,1 24-15,-1-25 16,1 25-16,-1 0 16,1-24-16,-25 24 0,-24 0 15,24-24-15,-24 24 16,-25-25-16,0 25 0,1-24 15,-1 24-15,0 0 0,1 0 16,23-25-16,1 25 16,24 0-16,0 0 0,1 25 15,23-25-15,-24 0 16,25 24-16,-1-24 0,-23 0 16,23 25-16,-24-25 0,25 0 15,-25 24-15,0-24 16,0 0-16,25 0 0,-25 0 15,25 0-15,-25 0 16,24 0-16,1 0 0,0 0 16,-1 0-16,1 0 15,-1 0 1,1 24 0,0-24-1,24 25 1,-25-25-16,1 0 15,24 24 1,-25-24-16,25 25 16,-24-25-16,24 24 0,-25 1 15,25-1-15,0 0 16,0 1-16,-24 24 16,24-25-16,0 1 15,0 23-15,0 1 0,0-24 16,0 23-16,0 1 0,0 0 15,0 0-15,0 0 16,0 0-16,0 0 0,-24-1 16,24 1-16,-25 0 15,25 0-15,0 0 0,-24 0 16,24 0-16,0-25 16,-25 25-16,25 0 0,0-1 15,0-23-15,0-1 0,0 25 16,0-24-16,0 23 15,0-23-15,0-1 0,-24 25 16,24-24-16,0-1 0,0 0 16,0 25-16,0-24 15,0-1-15,24 0 0,-24 1 16,0-1 0,0 1-16,0-1 15,0 1-15,0-1 16,25-24-1,-1 0 1,1 0-16,-1 0 16,0 0-16,1 24 15,-1-24-15,1 0 0,24 0 16,-25 0-16,0 0 16,25 0-16,-24 0 0,23 25 15,1-25-15,0 0 0,0 0 16,24 0-16,1 0 15,-1 0-15,0 0 0,0 0 16,1 0-16,-1 0 16,0 0-16,-24 0 0,24 0 15,1 0-15,-26 0 16,26-25-16,-25 25 0,24 0 16,-24 0-16,-1 0 0,26 0 15,-25 0-15,-1 0 16,26 0-16,-25 0 0,-1 0 15,1 0-15,0 0 16,0 0-16,0 0 0,-25 0 16,1 0-16,-1 0 0,0 0 15,1 0-15,-1 0 16,1 0-16,-1 0 0,1 0 16,-1 0-16,0 0 0,1 0 15,-1 0-15,1-24 16,-1 24-1,1 0 1,-25-24-16,0-1 16,0 1-1,0-1 1,0 1-16,0-1 16,0 1-16,0 0 15,0-1-15,0 1 0,0-25 16,0 25-16,0-25 0,0 24 15,0-24-15,0 25 16,0-25-16,24 0 0,-24 25 16,0-25-16,0 0 15,24 25-15,-24-25 0,0 0 16,0 0-16,0 0 0,0 25 16,0-25-16,0 0 15,0 0-15,25 25 0,-25-25 16,0 0-16,0 25 15,0-25-15,24 25 0,-24-25 16,0 24-16,0-24 0,0 25 16,25 0-16,-25-1 15,0 1-15,0-1 0,0 1 16,-25 24-16,25-24 16,-24-1-16,24 1 15,-25 24-15,25-25 0,0 1 16,-24 24-1,24-25-15,0 1 16,0 0 0,-24 24-16,24-25 15,-25 25 1,25-24 0,-24 24-16,24-25 15,-25 25 1,25-24-16,-24 24 15,24-25-15,-25 25 16,25-24-16,-24 24 16,0 0-16,-1-24 0,1 24 15,-1 0-15,-24-25 0,25 25 16,-25 0-16,0 0 16,-24 0-16,24 0 0,0 0 15,1 0-15,-1 0 16,0 0-16,24 0 0,-23 0 15,23 25 1</inkml:trace>
+</inkml:ink>
+</file>
+
+<file path=ppt/ink/ink15.xml><?xml version="1.0" encoding="utf-8"?>
+<inkml:ink xmlns:inkml="http://www.w3.org/2003/InkML">
+  <inkml:definitions>
+    <inkml:context xml:id="ctx0">
+      <inkml:inkSource xml:id="inkSrc0">
+        <inkml:traceFormat>
+          <inkml:channel name="X" type="integer" max="1920" units="cm"/>
+          <inkml:channel name="Y" type="integer" max="1080" units="cm"/>
+          <inkml:channel name="T" type="integer" max="2.14748E9" units="dev"/>
+        </inkml:traceFormat>
+        <inkml:channelProperties>
+          <inkml:channelProperty channel="X" name="resolution" value="55.81395" units="1/cm"/>
+          <inkml:channelProperty channel="Y" name="resolution" value="55.6701" units="1/cm"/>
+          <inkml:channelProperty channel="T" name="resolution" value="1" units="1/dev"/>
+        </inkml:channelProperties>
+      </inkml:inkSource>
+      <inkml:timestamp xml:id="ts0" timeString="2020-11-08T01:53:39.593"/>
+    </inkml:context>
+    <inkml:brush xml:id="br0">
+      <inkml:brushProperty name="width" value="0.05" units="cm"/>
+      <inkml:brushProperty name="height" value="0.05" units="cm"/>
+      <inkml:brushProperty name="color" value="#3165BB"/>
+      <inkml:brushProperty name="fitToCurve" value="1"/>
+    </inkml:brush>
+  </inkml:definitions>
+  <inkml:trace contextRef="#ctx0" brushRef="#br0">6162 48 0,'24'0'0,"-24"-24"15,25 24 1,-25-24-16,-25 24 78,1 0-62,0 0-16,-1 0 0,1 0 15,-1 0-15,1 0 0,-25 0 16,25 24-16,-25-24 16,24 0-16,1 0 0,-25 24 15,25-24-15,-1 0 0,-24 0 16,25 25-16,0-25 16,-1 24-1,25 1 1,0-1-1,0 1 1,0-1-16,25 0 16,-25 25-16,0-24 0,0 24 15,0-1-15,0 1 16,0 0-16,0 0 0,0 0 16,0 24-16,0-24 15,0 0-15,0 24 0,0-24 16,0 0-16,0 24 0,-25-24 15,25 0-15,0 24 16,0-24-16,0 24 0,0-24 16,0 0-16,0 24 0,0-24 15,0 24-15,0 0 16,25-24-16,-25 24 0,0 1 16,0-1-16,0 0 15,24-24-15,-24 24 0,0-24 16,0 25-16,0-26 0,0 1 15,0 25-15,0 23 16,0-48 0,0 0-16,0 0 0,0 24 15,0-49-15,0 25 0,0 0 16,0 0-16,0 0 16,0 0-16,0-1 0,0-23 15,0 24-15,0 0 0,0-1 16,0-23-16,0 24 15,24-25-15,-24 1 0,0-1 16,0 0-16,25-24 0,-25 25 16,24-50-1,1 25-15,-25-24 16,24 24-16,1-24 16,-1-1-16,0 25 0,1-24 15,-1 24-15,1-25 0,-1 25 16,25-24-16,-25 24 15,25 0-15,0-25 0,0 25 16,0 0-16,0 0 16,-1-24-16,1 24 0,0 0 15,-24 0-15,-1 0 0,0 0 16,1 0-16</inkml:trace>
+  <inkml:trace contextRef="#ctx0" brushRef="#br0" timeOffset="689">4868 1831 0,'0'-24'0,"0"-1"47,24 25-47,0 0 31,1 0-15,-1 0-16,1 0 0,24-24 16,-1 24-16,1 0 15,0 0-15,0-24 0,24 24 16,-24-25-16,0 25 16,0-24-16,-25 24 0,25 0 15,-25-25-15,1 25 16,-1 0-16</inkml:trace>
+  <inkml:trace contextRef="#ctx0" brushRef="#br0" timeOffset="1902">325 1416 0,'0'-24'15,"24"24"1,-24-25 0,0 1-16,25-1 15,-25 1 1,0 0-16,-25-1 16,1 25-1,-1 0 1,1 25-16,-25-25 0,25 24 15,-25-24-15,25 24 16,-25 1-16,24-25 0,1 24 16,24 1-16,-25-25 0,25 24 15,0 1-15,25-1 16,-1-24-16,25 24 0,-24 1 16,23-25-16,1 24 15,0 1-15,0-25 0,0 24 16,0 1-16,-25-1 0,0-24 15,1 24-15,-25 1 16,-25 24-16,1-25 0,0 1 16,-1-1-16,-24 0 0,-24 1 15,24-1-15,0-24 16,1 0-16,23 0 0,-24 0 16,25 0-16,-1-24 15,25-25-15,25 25 16</inkml:trace>
+  <inkml:trace contextRef="#ctx0" brushRef="#br0" timeOffset="2376">594 1392 0,'0'-25'16,"0"50"15,0-1-15,24-24-16,-24 25 15,0-1-15,0 25 0,0-25 16,0 1-16,0-1 16,0 1-16,0-1 0,0 0 15,0 1-15,0-50 47,0 1-31,0 0-16,0-1 0,0-24 15,0 0-15,0 25 0,0-25 16,0 0-16,24 0 16,-24 1-16,0 23 0,25 1 15,-25-1-15,24 25 16,1 0-16,-1 25 15,1-1-15,-1 1 0,0 23 16,1 1-16,-1 0 16,1 0-16,-1 0 0,1-25 15,-1 25-15,0 0 16,1-25-16,-1 1 0,-24-1 16,0 1-16</inkml:trace>
+  <inkml:trace contextRef="#ctx0" brushRef="#br0" timeOffset="2561">642 1489 0,'-24'0'16,"24"-24"-16,24 24 31,1-24-15,-1 24-16,1 0 0,-1-25 15,25 25-15,0-24 16,-25 24-16</inkml:trace>
+  <inkml:trace contextRef="#ctx0" brushRef="#br0" timeOffset="3014">1033 1318 0,'25'0'0,"-25"-24"16,0 0-1,0-1 1,0 50 15,24-1-15,-24 0-16,24 1 15,1-1-15,-25 25 0,24-24 16,1 23-16,-25-23 0,24-1 16,1 1-16,-25-1 15,0 1-15,24-1 0,-24 0 16,-24-24-1,-1 0-15,1-24 16,-1 24-16,1-24 0,-1-1 16,1 1-16,24-25 15,-24 24-15,-1-23 0,25-1 16,0 0-16,0 24 16,0-23-16,25 23 0,-1 1 15,0-1-15,1 25 0,-1 0 16,25 0-16,-24 0 15,-1 0-15,0 25 0,1-25 16,-1 24-16,-24 1 16,0-1-16,0 0 0,0 1 15,-24-1-15,-1-24 0,-23 25 16,23-1-16,1-24 16,-25 25-16,24-25 0,1 0 15</inkml:trace>
+  <inkml:trace contextRef="#ctx0" brushRef="#br0" timeOffset="3653">1741 1270 0,'-24'0'0,"24"-25"15,-24 25-15,-1-24 16,1-1-16,24 1 16,0 48 15,24-24-31,-24 25 16,25-1-16,-25 1 15,24 23-15,0-23 0,-24-1 16,25 25-16,-25-24 0,24-1 15,-24 0-15,25 1 16,-25-1-16,24 1 0,1-25 16,-25-25-1,0 1 1,0-25-16,0 25 16,0-25-16,0 24 15,0-24-15,0 1 0,0 23 16,0 1-16,0-1 0,24 1 15,0 24-15,1 24 16,-1 1-16,1-1 16,-1 25-16,1-25 15,-1 25-15,0-24 0,25 24 16,-24-25-16,-1 0 0,1 1 16,23-25-16,-23 0 15,-1 0-15,1-25 16,-25 1-16,24-25 15,-24 25-15,0-25 0,0 0 16,-24 0-16,-1 0 0,25 25 16,-24-25-16,24 25 15,-25-1-15,25 1 0,0-1 16,-24 25-16,24 25 16,0-1-1,24 1-15,-24-1 16</inkml:trace>
+  <inkml:trace contextRef="#ctx0" brushRef="#br0" timeOffset="4057">2645 1270 0,'-24'0'16,"-1"0"-1,50 0 48,-1 0-63,25 0 15,-25-25-15,1 25 16,-1 0-16,25-24 0,-24 24 16,-1-25-16,0 1 15,-24 0 1,-24-1-16,0 25 15,-1 0-15,1-24 0,-1 24 16,1 0-16,-25 0 16,25 0-16,-1 24 0,1-24 15,24 25-15,-25-1 16,25 0-16,0 1 0,0-1 16,25 1-16,-1-1 15,1 0-15,-1-24 0,25 25 16,0-25-16,0 0 0,-1 0 15,1-25-15,0 25 16</inkml:trace>
+  <inkml:trace contextRef="#ctx0" brushRef="#br0" timeOffset="4464">3036 1099 0,'-25'-49'0,"1"24"16,0 1-16,-1-25 15,1 25-15,-1-1 0,25 1 16,25 48 15,-1 1-31,1-1 0,-1 25 16,0 0-16,1-25 15,-1 25-15,1-25 0,-1 25 16,1-24-16,-1-1 0,0 1 16,-24-1-16,0 0 15,-24-48 16,24 0-31,0-1 16,-24 1-16,24-1 0,0-24 16,0 25-16,24 0 15,0-1-15,1 1 0,-1 24 16,25 0-16,-24 0 16,23 0-16,1 0 0,-24 24 15,23 1-15,-23-25 0,-1 24 16,-24 0-16,0 1 15,0-1-15,0 1 0,-24-25 16,-1 24-16,1-24 16,-25 0-16,25 0 0,-25 0 15</inkml:trace>
+  <inkml:trace contextRef="#ctx0" brushRef="#br0" timeOffset="4710">3476 854 0,'24'-24'16,"0"24"-1,1 0 17,-25 24-32,24 1 15,-24-1-15,25 25 16,-25-24-16,24 23 0,0-23 15,1 24-15,-25-25 0,24 25 16,-24-25-16,25 1 16,-25-1-16</inkml:trace>
+  <inkml:trace contextRef="#ctx0" brushRef="#br0" timeOffset="4950">3817 928 0,'0'-25'16,"-24"1"-16,24 48 47,24 1-47,-24-1 16,25 1-16,-1-1 15,-24 0-15,25 1 0,-1 24 16,1-25-16,-25 0 15,24 1-15,-24-1 0,24 1 16</inkml:trace>
+  <inkml:trace contextRef="#ctx0" brushRef="#br0" timeOffset="5166">3866 1099 0,'-24'-49'0,"-1"0"0,25 25 15,-24-25-15,24 0 0,0 0 16,0 25-16,24-25 15,1 24-15,-1 25 0,1 0 16,24 0-16,-1 0 0,1 0 16,-24 25-16,23 24 15,1-25-15,-24 25 0,-1-25 16,1 25-16,-1 0 16,-24-25-16,0 25 0,0-24 15,-24-1-15,-1 0 0,1 1 16,-1-1-16,1-24 15</inkml:trace>
+  <inkml:trace contextRef="#ctx0" brushRef="#br0" timeOffset="5459">4501 708 0,'0'-25'0,"25"25"0,-25-24 16,-25 24 0,1 0-1,-1 24 1,1 1-16,0-1 0,24 25 16,-25-24-16,25-1 0,0 25 15,0-25-15,0 25 16,25-24-16,-1-1 0,0 25 15,1-49-15,24 24 0,0 1 16,-25-25-16,25 0 16,0 0-16,0 0 0</inkml:trace>
+  <inkml:trace contextRef="#ctx0" brushRef="#br0" timeOffset="5603">4575 903 0,'-25'0'0,"1"-24"15,24-1 1,24 25 0,1-24-16,23 24 0,-23 0 15,24-24-15,-1 24 16</inkml:trace>
+  <inkml:trace contextRef="#ctx0" brushRef="#br0" timeOffset="6996">936 2320 0,'-25'0'0,"25"-25"15,0 1 1,25 0 0,-25-1-16,24 1 15,-24-1-15,24 1 16,1-1-16,-25 1 0,0-25 16,24 25-16,-24-1 0,0 1 15,0-1-15,-24 1 16,-1 24-16,1 24 0,0 1 15,-1-1-15,1 25 0,-1 24 16,1 1-16,-1 23 16,25 1-16,-24 0 0,24-1 15,24 1-15,-24 0 16,25-25-16,24 0 0,-25 1 16,25-1-16,-25-24 0,25-25 15,-24 1-15,-1-1 16,0 0-16,-48-48 15,0 24 1,-25-24-16,24-1 0,-48-24 16,24 25-16,0-25 0,1 25 15,-1-25-15,24 24 16,1-48-16,24 49 16,0-1-16,49 1 15,-25-1-15,25 1 0,24 0 16,-24-1-16,24 1 0,1-1 15,-1 1-15,0-1 16,0 25-16,-24-24 0,0 0 16,0 24-16,-25-25 15,1 25-15,-1-24 0,-24-1 32,-24 25-32,-1 0 15,1 0-15,0 0 0,-1 0 16,1 25-16,-1-25 15,1 24-15,24 1 0,-25-1 16,25 0-16,-24 25 0,24-24 16,0-1-16,24 1 15,-24-1-15,25-24 0,-1 24 16,1-24-16,-1 0 16,1 0-16,-1 0 0,0 0 15,1-24-15,-1 0 16,-24-1-16,0 1 15,-24-1 1,-1 25-16,25-24 16,-24 24-16,0-25 0,24 1 15,0 0 1,24-1 0,0 25-16,1-24 0,-1-1 15,25 25-15,-25-24 16,25 24-16,-24 0 0,24 0 15,-25 24-15,0-24 0,1 25 16,-1-25-16,-24 24 16,25 1-16,-25-1 0,0 0 15,0 1-15,-25-1 16,1 1 0,-1-25-16,1-25 15,0 1 1,24-1-16,0 1 0,0 0 15,24-25-15,-24 0 16,24 24-16,1-23 0,-1 23 16,1 1-16,-1-1 0,1 1 15,-1 24-15,0 0 16,1 0-16,-1 0 0</inkml:trace>
+  <inkml:trace contextRef="#ctx0" brushRef="#br0" timeOffset="7307">2181 2076 0,'0'-25'0,"-24"25"16,-1 0 0,25 25-1,0-1-15,25 0 16,-25 25-16,24 0 0,-24 0 16,24 0-16,1 0 15,-1 0-15,-24-1 0,25-23 16,-1 24-16,-24-25 15,0 0-15,25 1 0</inkml:trace>
+  <inkml:trace contextRef="#ctx0" brushRef="#br0" timeOffset="7675">2181 2491 0,'-24'-49'15,"24"25"-15,0-1 0,24 1 16,0-1-16,1 1 15,-1-1-15,1 1 0,-1 24 16,1-24-16,23 24 16,-23 0-16,-1 0 0,1-25 15,-1 25-15,1 0 0,-1 0 16,-24-24 0,0-1-1,-24 1 1,24-1-16,0 1 0,0 0 15,-25-1-15,25 1 16,0-1 0,25 50-1,-25-1-15,24 1 16,-24-1-16,24 0 16,-24 25-16,0-24 0,25-1 15,-25 25-15,24-25 16,-24 1-16,0-1 0,25 1 15,-25-1-15</inkml:trace>
+  <inkml:trace contextRef="#ctx0" brushRef="#br0" timeOffset="8119">2743 2051 0,'0'-49'16,"0"25"-16,0-1 0,0 50 31,24-1-15,-24 1-16,0 24 0,25-1 15,-25-23-15,24 24 16,-24 0-16,0-25 0,24 0 16,-24 25-16,0-24 15,0-1-15,25-24 16,-25 24-16,0-48 15,-25 0 1,25-1-16,0-24 16,0 25-16,-24-25 15,24 0-15,0 0 0,0 1 16,0-1-16,24 0 16,-24 24-16,25 1 0,-25 0 15,24 24-15,1 0 0,-25 24 16,24-24-16,1 49 15,-1-25-15,0 25 0,1-24 16,-1 23-16,25 1 0,-24 0 16,-1-24-16,0 23 15,1-23-15,-25-1 0,24 1 16,1-1-16,-25 0 16</inkml:trace>
+  <inkml:trace contextRef="#ctx0" brushRef="#br0" timeOffset="8315">2841 2173 0,'-25'0'0,"1"-24"15,-1 24-15,25-25 0,25 25 32,-1 0-32,25-24 15,0 24-15,0 0 16,-1-24-16,26 24 0,-25 0 15,-1 0-15,1-25 0,0 25 16,-24-24-16</inkml:trace>
+  <inkml:trace contextRef="#ctx0" brushRef="#br0" timeOffset="8549">3329 1856 0,'-24'-25'0,"24"1"0,0 0 31,0 48-15,24 0-16,0 1 0,-24-1 15,25 25-15,-1-25 16,1 25-16,-25 0 0,24-24 16,-24 23-16,24-23 15,-24 24-15,25-25 0,-25 1 16,0-1-16</inkml:trace>
+  <inkml:trace contextRef="#ctx0" brushRef="#br0" timeOffset="8976">3305 1782 0,'0'-48'0,"0"23"16,24 25-16,-24 25 15,24-1-15,1 0 16,-1 1-16,25-1 0,-24 1 16,23 24-16,1-1 15,0-23-15,0-1 0,-25 1 16,25-1-16,-24 1 16,23-1-16,-23-24 0,-1 24 15,1-24-15,-1-24 16,-24 0-1,0-1-15,0 1 0,0-25 16,-24 24-16,24-23 0,-25-1 16,1 24-16,-1-24 15,1 25-15,0-25 0,-1 25 16,1-1-16,-1 1 16,25 48-1,0 1-15,0-1 16,0 1-16,25-1 15,-25 25-15,24 0 0,1-25 16,-1 25-16,0 0 16,1-25-16,-1 1 0,1-1 15,-1 1-15,-24-1 0</inkml:trace>
+  <inkml:trace contextRef="#ctx0" brushRef="#br0" timeOffset="9450">4086 1807 0,'-24'0'0,"24"-25"0,-25 25 15,25 25 17,0-1-32,25-24 15,-25 25-15,0 24 16,24-25-16,-24 25 0,0-25 15,0 25-15,25-24 0,-25 23 16,0-23-16,0-1 16,0 1-16,0-1 15,0-48 17,0-1-32,-25 1 15,25-1-15,0-23 0,0-1 16,0 0-16,0 0 15,0 0-15,0-24 0,0 24 16,0 0-16,25 0 0,-25 25 16,0 0-16,24 24 0,0 0 15,-24 24 1,25 0-16,-1 25 0,-24 0 16,25 0-16,-1 0 15,25 0-15,-25-1 0,1 1 16,-1-24-16,1 24 0,-1-25 15,-24 0-15,24-24 16</inkml:trace>
+  <inkml:trace contextRef="#ctx0" brushRef="#br0" timeOffset="9611">4135 1978 0,'-25'0'0,"25"-25"16,25 25-1,-1-24 1,25 24-16,-24 0 0,23-24 16,-23 24-16,24 0 15,0-25-15,-25 25 0,25 0 16,-25-24-16</inkml:trace>
+</inkml:ink>
+</file>
+
+<file path=ppt/ink/ink16.xml><?xml version="1.0" encoding="utf-8"?>
+<inkml:ink xmlns:inkml="http://www.w3.org/2003/InkML">
+  <inkml:definitions>
+    <inkml:context xml:id="ctx0">
+      <inkml:inkSource xml:id="inkSrc0">
+        <inkml:traceFormat>
+          <inkml:channel name="X" type="integer" max="1920" units="cm"/>
+          <inkml:channel name="Y" type="integer" max="1080" units="cm"/>
+          <inkml:channel name="T" type="integer" max="2.14748E9" units="dev"/>
+        </inkml:traceFormat>
+        <inkml:channelProperties>
+          <inkml:channelProperty channel="X" name="resolution" value="55.81395" units="1/cm"/>
+          <inkml:channelProperty channel="Y" name="resolution" value="55.6701" units="1/cm"/>
+          <inkml:channelProperty channel="T" name="resolution" value="1" units="1/dev"/>
+        </inkml:channelProperties>
+      </inkml:inkSource>
+      <inkml:timestamp xml:id="ts0" timeString="2020-11-08T01:55:40.850"/>
+    </inkml:context>
+    <inkml:brush xml:id="br0">
+      <inkml:brushProperty name="width" value="0.05" units="cm"/>
+      <inkml:brushProperty name="height" value="0.05" units="cm"/>
+      <inkml:brushProperty name="color" value="#ED1C24"/>
+      <inkml:brushProperty name="fitToCurve" value="1"/>
+    </inkml:brush>
+  </inkml:definitions>
+  <inkml:trace contextRef="#ctx0" brushRef="#br0">320 131 0,'0'25'156,"0"-1"-140,-25-24-1,25 25-15,-24-25 0,-1 24 16,1-24-1,-1 0 1,1 0 0,24-24-16,-24-1 15,24 1 1,0-1 0,0 1-16,0-1 15,24 1-15,0 0 16,1-1-1,-1 25-15,1 0 16,-25 25-16,24-25 16,-24 24-16,25-24 0,-25 24 15,24 1-15,-24-1 0,0 1 16,0-1-16,0 25 16,0-25-16,0 1 0,-24-1 15,24 1-15,-25-1 16,1 25-16,-1-25 0,1-24 15,-1 25-15,-23-1 0,23-24 16,1 25-16,-1-25 16,1 0-16,-1 0 15,1 0-15,24-25 16,0 1 0,0-1-1,24 1 1,1 24-16,-1 0 0,1 0 15,-1 0-15,25 24 16,-25 1 0,1-1-16,-1-24 0,1 25 15,-1-1 1,1-24-16,-1 0 16,-24 24-16</inkml:trace>
+  <inkml:trace contextRef="#ctx0" brushRef="#br0" timeOffset="350">466 34 0,'-24'-25'0,"24"50"31,24-25-31,-24 24 16,24-24-16,1 24 0,-1 1 16,1-1-1,-25 25-15,24-24 0,-24-1 16,25 25-16,-25 0 15,0-25-15,0 25 0,0-25 16,0 25-16,0-24 0,-25-1 16,25 1-16,-24 23 15,-1-48-15,1 25 0,-1-1 16</inkml:trace>
+</inkml:ink>
+</file>
+
+<file path=ppt/ink/ink17.xml><?xml version="1.0" encoding="utf-8"?>
+<inkml:ink xmlns:inkml="http://www.w3.org/2003/InkML">
+  <inkml:definitions>
+    <inkml:context xml:id="ctx0">
+      <inkml:inkSource xml:id="inkSrc0">
+        <inkml:traceFormat>
+          <inkml:channel name="X" type="integer" max="1920" units="cm"/>
+          <inkml:channel name="Y" type="integer" max="1080" units="cm"/>
+          <inkml:channel name="T" type="integer" max="2.14748E9" units="dev"/>
+        </inkml:traceFormat>
+        <inkml:channelProperties>
+          <inkml:channelProperty channel="X" name="resolution" value="55.81395" units="1/cm"/>
+          <inkml:channelProperty channel="Y" name="resolution" value="55.6701" units="1/cm"/>
+          <inkml:channelProperty channel="T" name="resolution" value="1" units="1/dev"/>
+        </inkml:channelProperties>
+      </inkml:inkSource>
+      <inkml:timestamp xml:id="ts0" timeString="2020-11-08T01:56:28.644"/>
+    </inkml:context>
+    <inkml:brush xml:id="br0">
+      <inkml:brushProperty name="width" value="0.05" units="cm"/>
+      <inkml:brushProperty name="height" value="0.05" units="cm"/>
+      <inkml:brushProperty name="color" value="#ED1C24"/>
+      <inkml:brushProperty name="fitToCurve" value="1"/>
+    </inkml:brush>
+  </inkml:definitions>
+  <inkml:trace contextRef="#ctx0" brushRef="#br0">80 264 0,'-24'0'109,"-1"0"-47,25 24-62,-24-24 32,48 0 30,1 0-62,-1 0 16,1 0-16,-1 0 0,0 0 15,1-24 1,-1 24-16,1 0 16,-1 0-1,-48 0 48,-1 0-48</inkml:trace>
+  <inkml:trace contextRef="#ctx0" brushRef="#br0" timeOffset="852">495 117 0,'-24'0'16,"48"0"46,1 0-46,-1 0-16,1-24 15,-1 24-15,0 0 0,25 0 16,-24 0-16,-1-24 0,25 24 16,-25 0-16,1 0 15,-1 0-15,1 0 16,-1 0 0</inkml:trace>
+  <inkml:trace contextRef="#ctx0" brushRef="#br0" timeOffset="1134">691 117 0,'0'25'63,"24"-1"-48,-24 1 1,25-1-16,-25 0 16,0 1-16,0-1 0,0 1 15,0-1 1,0 1-16,0-1 15,0 0 1</inkml:trace>
+  <inkml:trace contextRef="#ctx0" brushRef="#br0" timeOffset="1662">984 264 0,'24'0'78,"1"0"-62,-1 0-1,-24-24 1,25 24-16,-1-25 31,-24 1-15,0-1-1,-24 25 1,24-24-16,-25 24 16,1 0-1,24 24-15,-25-24 16,25 25-16,0-1 16,0 1-16,0-1 15,0 0-15,0 1 16,25-25-1,-25 24-15,24 1 16,1-25 0,-1 0-16</inkml:trace>
+  <inkml:trace contextRef="#ctx0" brushRef="#br0" timeOffset="2329">1252 215 0,'0'-24'32,"0"48"30,25-24-62,-25 25 16,24-1-16,-24 0 15,0 1-15,25-1 16,-25 1 0,0-1-1,0-48 17,-25 24-17,25-25-15,0 1 16,0-1-16,0 1 15,25 0 1,-25-1-16,24 25 16,-24-24-16,25 24 0,-1 0 15,0 24 1,1 1 0,-1-1-1,1 0-15,-25 1 16,24-25-16,-24 24 15,-24-48 17,24-1-17,0 1 1,0 0-16,24-1 16,-24 1-1,25 24-15,-1-25 16,0 25-1,1 25-15,-25-1 16,0 1-16,24-1 16,-24 0-1,0 1-15,0-1 0,0 1 16,0-1 0</inkml:trace>
+  <inkml:trace contextRef="#ctx0" brushRef="#br0" timeOffset="2892">1741 117 0,'0'-24'15,"0"48"32,0 1-31,0-1-16,0 1 0,24-1 15,-24 1-15,0-1 0,25 0 16,-25 25-16,24-24 16,-24-1-16,25 25 0,-25-25 15,0 1-15,24-1 16,-24 1-16,0-1 0,0 0 15,0 1-15,0-1 16,-24-24 15,24-24-31,0-1 16,0 1-16,-25 0 16,25-1-16,0 1 0,0-25 15,0 24-15,0-23 16,25 23-16,-25 1 0,0-1 15,24-23-15,0 48 16,-24-25-16,25 25 0,-1-24 16,1 24-16,-1 0 15,-24 24-15,25 1 16,-25-1-16,0 0 16,0 1-1,0-1-15,0 1 0,-25-25 16,25 24-16,-24-24 0,-1 0 15,1 0 1</inkml:trace>
+  <inkml:trace contextRef="#ctx0" brushRef="#br0" timeOffset="3151">2107 93 0,'25'0'0,"-25"-24"32,0 48-1,24-24-31,-24 24 16,25-24-16,-25 25 0,24-1 15,-24 25-15,0-25 0,24 1 16,-24-1-16,0 1 15,0-1-15,0 1 0,0-1 16,0 0-16,0 1 16</inkml:trace>
+  <inkml:trace contextRef="#ctx0" brushRef="#br0" timeOffset="3996">2620 264 0,'0'-24'15,"25"24"-15,-25-25 16,0 1-1,0-1 1,0 1-16,-25 24 16,1-25-16,-1 25 15,1 0 1,0 0-16,24 25 16,-25-1-16,1-24 0,24 25 15,-25-1-15,25 1 16,0-1-16,0 0 0,0 1 15,0-1-15,25 1 16,-1-1-16,1 0 16,-1-24-16,-24 25 0,24-25 15,1 0-15,-1 0 16,-24-25-16,25 1 0,-1 24 16,-24-24-16,24 24 15,-24-25-15,0 1 0,25-1 16,-25 1-16,0 0 15,0-1 1,0 1-16,0 48 31,0 1-15,0-1-16,0 0 16,24 1-16,-24-1 15,25-24-15,-25 25 0,0-1 16,24-24-16,1 24 15,-1-24 1,0-24-16,-24 0 16,25 24-1,-25-25-15,24 1 0,-24-1 16,0 1-16,0 0 16,0-25-16,0 24 0,0 1 15,0-25-15,0 25 0,0-1 16,-24 1-16,24-1 15,0 50 17,0-1-32,0 1 15,24 23-15,-24-23 0,0 24 16,25-25-16,-25 25 16,0-25-16,24 25 0,-24-24 15,0-1-15,0 0 0,25 1 16,-25-1-1</inkml:trace>
+  <inkml:trace contextRef="#ctx0" brushRef="#br0" timeOffset="4225">2889 191 0,'-25'0'16,"50"0"15,-1 0-15,1-25-16,-1 25 15,1 0-15,-1 0 16,25-24-16,-25 24 0,1 0 16,-1 0-16,1 0 0</inkml:trace>
+  <inkml:trace contextRef="#ctx0" brushRef="#br0" timeOffset="4764">3231 239 0,'-25'0'16,"25"25"-16,25-25 31,-1 0-31,1 0 16,-1-25-1,0 25-15,1 0 16,-1 0-1,1-24-15,-1 24 0,1-24 16,-1 24-16,-24-25 16,24 25-16,-24-24 15,0-1-15,-24 1 32,0 24-32,24-24 15,-25 24-15,1 0 0,-1 0 16,1 0-1,-1 0-15,1 24 0,24 0 16,-24 1 0,24-1-16,0 1 0,0-1 15,0 0-15,24 25 0,-24-24 16,24-1-16,1 1 16,-1-1-16,1-24 0,-1 24 15,1-24-15,-1 0 16,25 0-16,-25 0 0,1 0 15,24-24-15,-25 24 0,-24-24 16,24-1-16</inkml:trace>
+</inkml:ink>
+</file>
+
+<file path=ppt/ink/ink18.xml><?xml version="1.0" encoding="utf-8"?>
+<inkml:ink xmlns:inkml="http://www.w3.org/2003/InkML">
+  <inkml:definitions>
+    <inkml:context xml:id="ctx0">
+      <inkml:inkSource xml:id="inkSrc0">
+        <inkml:traceFormat>
+          <inkml:channel name="X" type="integer" max="1920" units="cm"/>
+          <inkml:channel name="Y" type="integer" max="1080" units="cm"/>
+          <inkml:channel name="T" type="integer" max="2.14748E9" units="dev"/>
+        </inkml:traceFormat>
+        <inkml:channelProperties>
+          <inkml:channelProperty channel="X" name="resolution" value="55.81395" units="1/cm"/>
+          <inkml:channelProperty channel="Y" name="resolution" value="55.6701" units="1/cm"/>
+          <inkml:channelProperty channel="T" name="resolution" value="1" units="1/dev"/>
+        </inkml:channelProperties>
+      </inkml:inkSource>
+      <inkml:timestamp xml:id="ts0" timeString="2020-11-08T01:56:53.272"/>
+    </inkml:context>
+    <inkml:brush xml:id="br0">
+      <inkml:brushProperty name="width" value="0.05" units="cm"/>
+      <inkml:brushProperty name="height" value="0.05" units="cm"/>
+      <inkml:brushProperty name="color" value="#ED1C24"/>
+      <inkml:brushProperty name="fitToCurve" value="1"/>
+    </inkml:brush>
+  </inkml:definitions>
+  <inkml:trace contextRef="#ctx0" brushRef="#br0">49 73 0,'-24'0'0,"-1"0"15,50 0 16,-1 25-15,-24-1 0,25-24-1,-25 25 1,0-1-16,0 0 16,0 1-1,0-1 16</inkml:trace>
+  <inkml:trace contextRef="#ctx0" brushRef="#br0" timeOffset="295">171 24 0,'0'-24'16,"-24"24"-16,24 24 47,0 1-32,0-1 1,0 1-16,0-1 16,0 1-1,0-1-15</inkml:trace>
+  <inkml:trace contextRef="#ctx0" brushRef="#br0" timeOffset="727">465 318 0,'24'0'47,"0"0"-31,1 0-16,-1 0 15,1 0-15,-1 0 16,0 0-16,1 0 16,-25 24-16,24-24 15</inkml:trace>
+  <inkml:trace contextRef="#ctx0" brushRef="#br0" timeOffset="1416">929 98 0,'0'-25'15,"0"1"17,0 48-1,0 1-31,0-1 16,0 1-16,0-1 15,0 0-15,0 1 0,0-1 16,0 1-16,0-1 15,24-24-15,-24 25 0,24-25 16,-24 24-16,25-24 0,-1 24 16,1-24-16,-1 0 15,0 0-15,1 0 16,-1 0-16,-24-24 16,25 24-16,-25-24 0,0-1 15,24 1-15,-24-1 0,0 1 16,0-1-16,0 1 15,0 0-15,0 48 32,-24-24-32,24 24 15,0 1-15,-25-1 0,1 25 16,24-24-16,-25-1 16,25 25-16,0-25 0,-24 1 15,24 24-15,0-25 0,0 0 16,-24 1-16,24-1 15,0 1-15,0-1 16,0 0 0</inkml:trace>
+  <inkml:trace contextRef="#ctx0" brushRef="#br0" timeOffset="1915">1393 391 0,'-25'24'93,"25"1"-77,-24-1-16,24 1 16,0-1-16,0 0 15,0 1-15,24-25 16,-24 24-16,25-24 15,-1 0-15,0 0 16,1 0-16,-1-24 16,1-1-1,-1 1-15,-24 0 16,0-1-16,25 1 16,-25-1-1,-25 1-15,1 24 16,24-25-16,-25 25 15,1 0-15,-1 0 16,25 25-16,-24-25 0,24 24 16,0 1-1</inkml:trace>
+  <inkml:trace contextRef="#ctx0" brushRef="#br0" timeOffset="2390">1710 464 0,'24'0'62,"1"0"-46,-1 0 0,1 0-16,-1 0 15,1 0 1,-25-24-16,24 24 16,-24-25-16,0 1 15,0-1 1,-24 25-1,24-24-15,-25 24 0,1 0 16,-1 0 0,1 0-1,24 24-15,-25 1 16,25-1-16,0 1 16,0-1-16,0 1 15,25-1-15,-25 0 16,24 1-16,-24-1 15,25-24-15,-1 0 16,1 0-16</inkml:trace>
+  <inkml:trace contextRef="#ctx0" brushRef="#br0" timeOffset="3072">2028 391 0,'0'-25'0,"-25"1"16,25 0 0,0 48 15,25-24-31,-25 24 16,24 1-16,-24-1 15,24 1-15,-24-1 16,0 1-16,25-1 15,-25 0-15,0 1 16,0-50 47,0 1-63,0 0 15,0-1 1,0 1-16,0-1 0,0 1 15,0-1-15,24 1 16,-24 0-16,25 24 16,-25-25-16,24 25 0,1 0 15,-25 25-15,24-1 16,-24 0 0,0 1-16,0-1 15,0 1-15,0-1 16,0 1-16,0-1 15,0-48 17,0-1-17,0 1-15,24-1 16,-24 1 0,25-1-1,-1 1-15,1 0 0,-1-1 16,1 25-16,-1 0 15,0 25 1,-24-1-16,0 0 16,25 1-16,-25-1 0,0 1 15,0-1-15,0 1 16,0-1-16,0 0 16</inkml:trace>
+  <inkml:trace contextRef="#ctx0" brushRef="#br0" timeOffset="3646">2760 440 0,'0'-25'0,"25"1"16,-25-1-1,0 1 1,0 0 0,0-1-1,-25 25-15,25-24 16,-24 24-16,-1 24 16,1-24-1,24 25-15,-24-25 0,24 24 16,-25 0-16,25 1 15,-24-1-15,24 1 0,-25-1 16,25 1-16,0-1 16,25-24-1,-25 24-15,24-24 0,1 0 16,-1 0 0,0 0-16,-24-24 15,25 24-15,-25-24 0,24 24 16,-24-25-16,0 1 15,25 24-15,-25-25 0,0 1 16,0-1-16,24 1 16,-24 0-16,0-1 0,25 25 15,-25 25 17,0-1-32,0 25 15,24-25-15,-24 1 0,0-1 16,0 1-16,0-1 15,0 0-15,24-24 16,-24 25-16</inkml:trace>
+  <inkml:trace contextRef="#ctx0" brushRef="#br0" timeOffset="4087">3004 318 0,'0'-25'0,"-24"1"16,24 48 31,0 1-47,0-1 16,0 0-16,24-24 15,-24 25-15,0-1 16,25 1-16,-25-1 15,0 1 1,24-25-16,-24 24 16,0-48 15,0-1-15,0 1-1,25-1-15,-25 1 16,24 24-16,-24-25 0,25 1 15,-1 24-15,-24-24 16,24-1-16,1 25 0,-1 0 16,1 0-1,-25 25-15,24-1 16,-24 0-16,0 1 0,0-1 16,0 1-16,0-1 15,-24 1-15</inkml:trace>
+</inkml:ink>
+</file>
+
+<file path=ppt/ink/ink19.xml><?xml version="1.0" encoding="utf-8"?>
+<inkml:ink xmlns:inkml="http://www.w3.org/2003/InkML">
+  <inkml:definitions>
+    <inkml:context xml:id="ctx0">
+      <inkml:inkSource xml:id="inkSrc0">
+        <inkml:traceFormat>
+          <inkml:channel name="X" type="integer" max="1920" units="cm"/>
+          <inkml:channel name="Y" type="integer" max="1080" units="cm"/>
+          <inkml:channel name="T" type="integer" max="2.14748E9" units="dev"/>
+        </inkml:traceFormat>
+        <inkml:channelProperties>
+          <inkml:channelProperty channel="X" name="resolution" value="55.81395" units="1/cm"/>
+          <inkml:channelProperty channel="Y" name="resolution" value="55.6701" units="1/cm"/>
+          <inkml:channelProperty channel="T" name="resolution" value="1" units="1/dev"/>
+        </inkml:channelProperties>
+      </inkml:inkSource>
+      <inkml:timestamp xml:id="ts0" timeString="2020-11-08T01:55:42.092"/>
+    </inkml:context>
+    <inkml:brush xml:id="br0">
+      <inkml:brushProperty name="width" value="0.05" units="cm"/>
+      <inkml:brushProperty name="height" value="0.05" units="cm"/>
+      <inkml:brushProperty name="color" value="#ED1C24"/>
+      <inkml:brushProperty name="fitToCurve" value="1"/>
+    </inkml:brush>
+  </inkml:definitions>
+  <inkml:trace contextRef="#ctx0" brushRef="#br0">49 516 0,'-25'0'15,"25"-24"1,0 48 0,0 1-1,0-1 1,0 1-16,0-1 0,0 0 15,25 1-15,-25-1 16,0 1-16,0-1 0,0 1 16,0-1-16,0 0 15,0 1 1,0-50 15,0 1-15,0 0-16,0-1 0,-25 1 15,25-25-15,0 24 16,0-23-16,-24 23 0,24-24 16,0 25-16,0-1 15,0 1-15,24 0 0,-24-1 16,25 1-16,-1 24 0,1-25 16,-1 25-16,0 0 15,1 0-15,-1 0 0,25 0 16,-24 0-16,-1 25 15,0-1-15,1-24 0,-25 25 16,24-1-16,-24 0 0,0 25 16,-24-24-1,24-1-15,-25 1 0,1-1 16,24 0-16,-24 1 0,-1-1 16,1-24-16,24 25 15,-25-25-15,1 0 16,48-25-1,1 1 1,-1 24 0,1-25-16,-1 25 15,0 0-15,1 0 0,-1 0 16,-24 25-16,25-25 16,-1 24-16,-24 1 0,0-1 15,25-24-15,-25 25 0,0-1 16,0 0-16,-25-24 15,1 25-15,24-1 0,-25-24 16,1 0-16,-1 0 16,-23 25-16,23-25 0,1 0 15,-1 0-15,1-25 0,-1 25 16,1-24-16,24-1 16</inkml:trace>
+  <inkml:trace contextRef="#ctx0" brushRef="#br0" timeOffset="486">635 590 0,'0'-25'31,"-24"25"-15,24 25 15,0-1-15,0 0-16,0 1 0,0-1 15,0 1-15,0-1 16,0 1-16,24-1 0,-24 0 15,24 1-15,-24-1 16,25-24-16,-1 25 0,1-25 16,-1 0-16,0-25 15,1 1 1,-25-1-16,24 1 16,-24 0-16,0-1 15,0 1-15,0-1 0,0-24 16,0 25-16,0 0 15,0-1-15,-24 25 16,24 25 15,0-1-31</inkml:trace>
+  <inkml:trace contextRef="#ctx0" brushRef="#br0" timeOffset="785">977 541 0,'0'-25'16,"24"25"30,-24 25-46,0-1 16,0 1 0,25-1-16,-25 0 15,0 1-15,0-1 0,0 1 16,0-1 0,0 1-16,0-1 15</inkml:trace>
+  <inkml:trace contextRef="#ctx0" brushRef="#br0" timeOffset="972">1001 345 0,'0'-24'16,"-24"24"-16,-1 0 31,25 24 0</inkml:trace>
+  <inkml:trace contextRef="#ctx0" brushRef="#br0" timeOffset="1267">1172 394 0,'-24'0'16,"24"25"15,24-25-16,-24 24-15,0 0 16,0 1-16,25-1 0,-25 25 16,0-24-16,0-1 15,0 25-15,0-25 0,0 1 16,0 24-16,0-25 0,0 0 16,0 1-1,0-1-15</inkml:trace>
+  <inkml:trace contextRef="#ctx0" brushRef="#br0" timeOffset="1866">1636 663 0,'-24'0'0,"-1"0"16,25-25-16,0 1 16,-24 0-1,24-1 1,-24 25 0,-1 0-16,1 0 15,-1 25 1,1-25-16,24 24 0,-25-24 15,25 24-15,-24 1 0,24-1 16,0 1-16,0-1 16,24 1-16,1-1 15,-1 0 1,1-24-16,-1 0 16,1 0-16,23 0 15,-23-24-15,-1 0 16,1 24-16,-25-25 0,24 1 15,1-1-15,-25 1 0,0-1 16,24-23-16,-24 23 16,0 1-16,0-25 0,-24 24 15,24 1-15,-25 0 16,25-1-16,0 1 0,-24-1 16,24 50 15,0-1-31,0 1 0,0-1 15,24 25-15,-24-25 16,0 25-16,25-24 0,-25 23 16,0-23-16,24 24 0,-24-25 15,0 1-15,0-1 16,0 0-16</inkml:trace>
+  <inkml:trace contextRef="#ctx0" brushRef="#br0" timeOffset="2432">2149 516 0,'0'-24'0,"0"48"47,0 1-32,0-1-15,0 1 16,0-1-16,0 0 16,-24 1-16,24-1 0,-25 1 15,25-1-15,0 1 0,-24-1 16,24 0-1,0-48 17,0 0-17,0-1-15,0 1 0,24-1 16,-24 1-16,0-25 16,25 25-16,-25-25 0,0 0 15,0 24-15,24-23 0,-24 23 16,25 1-16,-25-1 15,24 1-15,0 24 0,1 24 16,-1 1 0,1-1-16,-25 25 15,24-25-15,1 1 16,-25 24-16,24-25 0,-24 25 16,24-25-16,-24 1 0,25 24 15,-25-25-15,0 1 16,0-1-16,0 0 15</inkml:trace>
+  <inkml:trace contextRef="#ctx0" brushRef="#br0" timeOffset="2617">2174 614 0,'-25'-24'0,"1"24"16,48 0 15,1 0-31,-25-25 16,48 25-16,-23 0 0,-1-24 15,1 24-15,24-25 16,-25 25-16,0 0 0</inkml:trace>
+  <inkml:trace contextRef="#ctx0" brushRef="#br0" timeOffset="3234">2833 565 0,'24'0'15,"-24"-24"1,-24-1-1,0 25 1,-1-24 0,1 24-16,-1 0 15,1 0-15,-1 0 0,1 0 16,0 0-16,-1 0 16,25 24-16,-24 1 0,-1-1 15,25 1-15,0-1 16,0 0-16,0 1 15,0-1-15,25-24 0,-1 25 16,-24-1-16,25-24 16,-1 0-16,-24 25 0,24-25 15,1 0-15,-1 0 0,1-25 16,-1 25-16,1-24 16,-1-1-16,0 1 15,1 24-15,-25-25 0,0 1 16,24 0-16,-24-1 15,0 1-15,0-25 16,0 24-16,0 1 0,0-25 16,0 25-16,0-25 0,0 24 15,-24 1-15,24 0 16,0 48 15,0 0-31,0 1 16,24-1-16,-24 1 0,0 24 15,25-25-15,-25 25 16,0-25-16,0 25 0,0-24 16,0-1-16,24 25 0,-24-25 15,0 1-15,0-1 16</inkml:trace>
+  <inkml:trace contextRef="#ctx0" brushRef="#br0" timeOffset="4340">3297 614 0,'24'0'0,"-24"-24"15,0-1-15,25 1 16,-25-1-1,0 1 1,0-1 0,-25 25-1,1-24-15,0 24 0,-1 0 16,1 0-16,-1 24 0,1-24 16,-1 25-16,1-25 15,24 24-15,-24 1 0,24-1 16,0 1-16,0-1 15,0 0-15,24 1 16,-24-1-16,24 1 0,1-25 16,-1 24-1,1-24-15,-1 0 16,1-24-16,-1-1 16,0 25-16,-24-24 15,25 24-15,-25-25 0,24 1 16,-24 0-1,0-1-15,0 1 16,0-1 0,0 50-1,25-1 1,-25 1 0,24-1-16,1 0 15,-1-24 1,-24 25-16,24-25 15,1 0 1,-1-25 0,-24 1-16,25 24 0,-25-24 15,0-1-15,24 25 0,-24-24 16,0-1-16,0 1 16,0-1-16,-24 1 0,24-25 15,0 25-15,-25-1 16,25 1-16,-24 24 15,24-24-15,0 48 16,0 0 0,24 1-16,-24-1 15,0 1-15,0 23 0,25 1 16,-25-24-16,24 24 0,-24-1 16,0 1-16,25 0 15,-25-24-15,0 23 0,0-23 16,0 24-16,24-25 0,-24 0 15,0 1-15,0-1 16,0 1-16,0-1 16,0-48-1,0-1 1,0 1-16,0-1 16,0 1-16,-24-25 15,24 25-15,0-25 0,0 25 16,-25-25-16,25 24 0,0-24 15,0 25-15,25 0 16,-25-1-16,24 1 0,0 24 16,-24-25-1,25 25-15,-1 0 0,-24 25 16,25-25-16,-1 24 0,1 1 16,-25-1-1,0 0 1,-25 1-1,1-25-15,-1 0 16,1 0-16,-1 0 16,1-25-1</inkml:trace>
+  <inkml:trace contextRef="#ctx0" brushRef="#br0" timeOffset="4626">4005 345 0,'0'-24'0,"-24"0"16,24 48 15,0 0-15,0 1-16,0 24 15,24-25-15,-24 0 0,0 1 16,25 24-16,-25-25 16,0 1-16,24 23 0,-24-23 15,0-1-15,0 1 16,0-1-16,0 1 16</inkml:trace>
+  <inkml:trace contextRef="#ctx0" brushRef="#br0" timeOffset="5208">4030 614 0,'-25'-24'15,"25"-1"1,-24 25-16,24-24 16,24 24-1,1 0 1,-1 0-16,1 0 0,-25-25 15,48 25-15,-23 0 16,-1 0-16,1-24 0,-1 24 16,1 0-16,-1 0 0,0-25 15,1 25 1,-50 0 31,1 0-16,24 25-31,0-1 16,0 1-16,0-1 15,0 1-15,24-1 0,-24 0 16,25-24-16,-1 25 0,-24-1 16,25 1-16,-1-25 15,1 0-15,23 24 0,-23-24 16,-1 0-16,1-24 15,-1 24-15,0-25 0,1 1 16,-25-1-16,0 1 16,-25 0-1,1-1-15,24 1 0,-24-1 16,-1 25-16,1-24 16,-1 24-16,1 0 0,0-25 15,-1 25-15,1 0 0,24 25 31,0-1-15</inkml:trace>
+  <inkml:trace contextRef="#ctx0" brushRef="#br0" timeOffset="5598">4616 492 0,'24'0'47,"-24"-25"-31,25 25-16,-1 0 16,1 25-16,-1-25 15,0 24-15,1 1 16,-1-1-16,1-24 0,-1 25 15,-24-1-15,25 0 16,-25 1-16,0-1 16,-25-24-16,1 0 15,-1 0 1,1 0-16,24-24 16,-25 24-16,25-25 0,0 1 15,25 0 1,-25-1-16,24 1 0,1-1 15,-1 1-15,1-1 16,-1 1-16,0 24 16,1 0-16,-25-24 15</inkml:trace>
+  <inkml:trace contextRef="#ctx0" brushRef="#br0" timeOffset="5874">5300 492 0,'-25'24'16,"50"-24"15,-1 0-16,1 0-15,-1 0 16,0 0-16,1 0 0,-1 0 16,1 0-1,-1 0-15,-24-24 32</inkml:trace>
+  <inkml:trace contextRef="#ctx0" brushRef="#br0" timeOffset="6389">5788 297 0,'-24'-25'15,"-1"25"1,50 0 15,-1 0-15,1 0-16,23-24 15,-23 24-15,24 0 16,0 0-16,-1-25 0,1 25 16,0 0-16,0 0 0,-25-24 15,25 24-15,-24 0 16,-1 0-16</inkml:trace>
+  <inkml:trace contextRef="#ctx0" brushRef="#br0" timeOffset="6624">6057 199 0,'-25'0'15,"1"0"-15,24 24 16,0 1 15,0-1-31,24-24 16,-24 49-16,25-25 15,-25 1-15,0 24 0,24-25 16,-24 25-16,25-25 0,-25 25 16,0-24-16,0-1 15,24 0-15,-24 1 0,0-1 16,0 1 0</inkml:trace>
+  <inkml:trace contextRef="#ctx0" brushRef="#br0" timeOffset="7038">6252 516 0,'0'-24'16,"0"-1"-1,25 25 16,-1 0-31,1 25 16,-1-25-16,-24 24 16,24-24-16,1 25 0,-1-1 15,1 1-15,-25-1 16,24 0-16,-24 1 0,0-1 16,0 1-16,-24-25 15,-1 0 1,1 0-1,-1-25 1,25 1-16,0-1 16,0 1-16,0 0 0,25-1 15,-1 1-15,1-1 16,-25 1-16,24-1 0,0 1 16,1 24-16,-1-24 15,1 24 1,-25 24-16</inkml:trace>
+  <inkml:trace contextRef="#ctx0" brushRef="#br0" timeOffset="7476">6594 492 0,'0'-25'15,"25"25"1,-25 25 15,24-25-31,-24 24 16,0 1-16,0-1 0,24 1 16,-24-1-16,0 0 15,25 1-15,-25-1 16,0 1-16,24-25 15,-24 24-15,25-24 0,-1 25 16,1-25 0,-1-25-16,-24 1 15,24 24-15,-24-25 0,25 1 16,-25-1-16,24 1 16,-24 0-16,0-1 15,0 1-15,-24-1 0,24 1 16,0-1-1,-25 25-15,25-24 16</inkml:trace>
+  <inkml:trace contextRef="#ctx0" brushRef="#br0" timeOffset="7968">7302 541 0,'0'-25'15,"-24"25"1,24-24-16,-24-1 31,-1 25-31,25-24 16,-24 24-16,-1 0 0,1 0 15,-1 24 1,1-24-16,0 25 16,24-1-16,0 1 15,0-1 1,0 1-16,24-25 15,-24 24-15,24-24 16,1 0-16,-1 24 0,1-24 16,-1 25-16,1-25 0,-1 0 15,0 0-15,-24 24 16,25-24-16,-25 25 16,-25-25-1,1 24 1,0-24-16,-25 0 0,24 0 15,1 0-15,-25 0 16,25 25-16,-1-25 0,1 0 16,-1 0-1,25-25-15</inkml:trace>
+  <inkml:trace contextRef="#ctx0" brushRef="#br0" timeOffset="8269">7522 321 0,'0'-24'16,"-24"24"0,24 24-1,0 0 1,0 1-1,24-1-15,-24 1 0,0-1 16,25 25-16,-25-25 0,0 1 16,0 24-16,0-25 15,0 0-15,24 1 0,-24 24 16,0-25 0,0 1-16</inkml:trace>
+  <inkml:trace contextRef="#ctx0" brushRef="#br0" timeOffset="8461">7473 614 0,'0'-24'0,"-24"24"16,24-25-16,24 25 15,1-24 1,-1 24-16,1 0 15,-1 0-15,0-25 0,25 25 16,-24 0-16,-1 0 16,1-24-16,-1 24 0</inkml:trace>
+  <inkml:trace contextRef="#ctx0" brushRef="#br0" timeOffset="9241">8157 443 0,'-24'0'0,"24"24"16,-25-24-16,25 25 31,25-1-31,-25 1 16,0-1-16,0 25 15,24-25-15,-24 1 0,0 24 16,0-25-16,0 1 0,0-1 16,0 0-16,0 1 15,0-1-15,0-48 31,0-1-31,0 1 16,0 0-16,0-1 0,0-24 16,0 25-16,0-25 15,0 0-15,0 0 0,0 0 16,0-24-16,25 24 16,-25 0-16,24-24 0,-24 24 15,24 1-15,1-1 0,-1 24 16,1 1-16,24-1 15,-25 25-15,0 0 0,1 25 16,24-1-16,-25 1 16,1-1-16,-25 25 0,24 0 15,-24 0-15,24-1 0,-24 1 16,0-24-16,-24 24 16,0-1-16,-1-23 0,1-1 15,-25 25-15,0-24 16,0-25-16,25 24 0,-25 0 15,24-24-15,-23 0 0,23 0 16,25-24 0,0 0-1,0-1 1,25 25-16,-1 0 16,0 0-16,1 0 15,-1 25-15,1-25 16,-1 24-16,1 0 0,-1 1 15,0-1-15,1 1 0,-25-1 16,24 1-16,1-1 16,-1-24-16,1 24 0,-1 1 15,0-25 1</inkml:trace>
+  <inkml:trace contextRef="#ctx0" brushRef="#br0" timeOffset="9691">8670 614 0,'0'-24'0,"25"24"93,-1 0-93,0-25 16,1 25-16,-1 0 16,-24-24-1,25 24-15,-25-25 16,0 1 0,0-1-1,-25 25-15,1-24 16,-1 24-1,1 0-15,0 0 16,24 24-16,-25-24 0,25 25 16,0-1-16,-24 1 15,24-1-15,0 1 0,0-1 16,24 0-16,-24 1 16,25-1-16,-25 1 0,24-1 15,0 1-15,1-25 0,-1 24 16,1-24-1,-1 0-15,1-24 0,-1-1 16,-24 1-16</inkml:trace>
+  <inkml:trace contextRef="#ctx0" brushRef="#br0" timeOffset="9889">8939 443 0,'-25'-49'0,"25"25"15,0-1-15,0 1 0,-24-1 16,24 1-1,-25 48 1,25 1 0,0-1-16,0 1 0,0-1 15,0 25-15,25-25 0,-25 25 16,0 0-16,0-24 16,24 23-16,-24-23 0,0-1 15</inkml:trace>
+  <inkml:trace contextRef="#ctx0" brushRef="#br0" timeOffset="10682">9232 687 0,'0'-24'15,"0"-1"1,24 1-16,-24 0 16,-24-1-1,-1 25-15,25-24 16,-24 24-16,0-25 0,-1 25 16,1 0-1,24 25-15,-25-25 16,25 24-16,-24 1 0,24-1 15,0 0 1,0 1-16,0-1 0,24 1 16,-24-1-1,25-24-15,-25 25 0,24-25 16,1 0-16,-1 0 16,0 0-16,1 0 15,-1 0-15,1-25 16,-1 1-1,-24-1-15,25 1 16,-25-1-16,0 1 0,0 0 16,0-1-1,-25 25-15,25 25 32,25-1-17,-25 0 1,24-24-16,-24 25 15,24-1-15,1-24 16,-1 25 0,1-25-16,-1-25 15,0 1 1,-24-1 0,0 1-16,0 0 0,0-1 15,0 1-15,0-1 0,-24-24 16,24 25-16,0 0 15,-24-1-15,24 1 0,0-1 16,0 50 15,0-1-31,0 1 16,0-1-16,0 0 0,0 25 16,0-24-16,24 24 0,-24-25 15,24 25-15,-24-25 16,0 1-16,25-1 0,-25 1 15,0-1 1</inkml:trace>
+  <inkml:trace contextRef="#ctx0" brushRef="#br0" timeOffset="11047">9427 638 0,'0'-24'0,"0"0"31,25 24-15,-1 0-16,1 0 16,-1-25-16,0 25 15,1 0 1,-1 0-16,1-24 0,-1 24 16,-24-25-1,24 25-15,-24-24 16,0 48 46,25-24-62,-25 25 0,0-1 16,0 1-16,24-1 0,-24 0 16,25 1-1,-25-1-15,0 1 0,24-1 16</inkml:trace>
+  <inkml:trace contextRef="#ctx0" brushRef="#br0" timeOffset="11239">9769 297 0,'0'24'31,"0"0"-15</inkml:trace>
+  <inkml:trace contextRef="#ctx0" brushRef="#br0" timeOffset="12493">9989 467 0,'-24'0'16,"-1"0"-1,1 0 1,24 25-1,0-1 1,0 1-16,0-1 16,0 1-16,0-1 0,0 0 15,24 1-15,1-1 16,-1 1-16,0-1 16,1-24-16,-1 0 15,1 0 1,-25-24-16,24 24 0,-24-25 15,25 25-15,-25-24 16,0-1-16,0 1 0,0 0 16,0-1-16,-25-24 15,1 25-15,24-1 0,-25 25 16,1-24-16,-1 0 0,1 24 16,0 0-1,-1 24-15,25 0 16,0 1-16,0-1 15,0 1 1,25-25-16,-25 24 0,24 1 16,0-25-1,1 0 1,-1 0-16,1-25 16,-1 25-1,-24-24-15,25-1 31,-1 1-31,-24-1 16,24 25-16,-24-24 0,25 24 16,-1 0-1,-24 24 1,0 1 0,0-1-16,25 1 0,-25-1 15,24 1-15,-24-1 16,0 0-1,24-24 1,1-24 15,-25 0-15,24 24-16,-24-25 16,0 1-16,25 24 0,-25-25 15,24 1-15,1 24 16,-1 0-1,-24 24 1,0 1-16,24-1 16,-24 1-16,0-1 15,0 0-15,25 1 16,-25-1 0,24-24-16,1 0 31,-25-24-31,24 24 0,-24-25 15,25 25-15,-1-24 0,-24 0 16,24-1-16,1 1 16,-25-1-16,24 1 0,-24-1 15,25 1-15,-25 0 16,0-1-16,-25 1 16,1 24-16,-1 0 15,1 24 1,0 1-16,-1-1 15,25 0 1,25-24-16,-1 25 16,0-1-16,1-24 15,-1 25-15,1-25 16,-1 24-16,0 1 16,1-1-1,-25 0-15,0 1 16,0-1-16,-25-24 15,25 25-15,-24-25 16,0 24-16,-1-24 16,1 0-16,-1 0 15,1 0-15,24-24 16,-24 24-16,24-25 16</inkml:trace>
+  <inkml:trace contextRef="#ctx0" brushRef="#br0" timeOffset="13201">10746 296 0,'0'-24'0,"0"0"15,0-1 1,0 50 0,0-1-16,0 0 15,0 1-15,0-1 16,0 25-16,0-24 15,24-1-15,-24 25 0,25-25 16,-25 1-16,24 24 16,-24-25-16,0 0 0,25 1 15,-25-1-15,0 1 0,0-1 16,0 1 0,-25-25-1,25-25 1,0 1-1,0-1 1,25 1-16,-25-1 16,24 1-16,1 24 0,-25-24 15,24-1-15,0 25 16,1-24-16,-1 24 16,1 0-16,-25 24 0,24-24 15,-24 25-15,0-1 16,25 0-16,-25 1 15,24-1 1,-24 1-16,24-1 16,1-24-1,-1 0 1,1 0 0,-25-24-16,24-25 15,-24 24 1,0 1-16,0 0 15,0-1 1,0 1-16,0-1 0,0 1 16,0 48 15,25 1-31,-25-1 16,0 1-16,0-1 15,24 0-15,0 1 16,-24-1-16,0 1 0,25-25 15,-25 24 1,24-24 0</inkml:trace>
+  <inkml:trace contextRef="#ctx0" brushRef="#br0" timeOffset="13380">11283 370 0,'0'-25'0,"-24"25"0,24 25 47</inkml:trace>
+  <inkml:trace contextRef="#ctx0" brushRef="#br0" timeOffset="14053">11405 321 0,'-24'0'0,"0"-24"15,24-1 1,0 50 0,0-1-1,0 0-15,0 1 16,24-1-16,-24 25 0,0-25 16,0 25-16,24 0 0,-24-24 15,0 23-15,0 1 16,0-24-16,0 24 0,0-25 15,0 25-15,0-25 16,0 1-16,0-1 0,0 25 16,0-25-16,0 1 15,0-1-15,0 1 16,0-1 0,25-24-16,-25-24 15,0-1 1,24 1-16,-24-1 15,0 1-15,0-1 16,0 1-16,0 0 0,0-25 16,0 24-16,0-23 0,-24-1 15,24 24-15,0-24 16,0 25-16,0-25 0,0 25 16,0-1-16,0 1 15,24 24-15,1-25 16,-1 25-1,1 25-15,23-1 0,-23-24 16,-1 25-16,1-1 0,-1 1 16,1-1-16,-1 0 15,-24 1-15,0-1 16,-24-24-16,24 25 0,-25-25 16,1 0-16,-1 0 15,-24 0-15,25 0 0,0 0 16,-1 0-16,1 0 15,-1-25-15,1 25 0</inkml:trace>
+  <inkml:trace contextRef="#ctx0" brushRef="#br0" timeOffset="23978">562 1322 0,'-25'0'16,"25"25"93,0-1-109,0 1 16,0-1 0,0 0-16,25 1 0,-25-1 15,0 1-15,0-1 0,0 0 16,0 1-16,0-1 15,0 1-15,0-1 16,0 1 0,24-25-16,-24 24 15</inkml:trace>
+  <inkml:trace contextRef="#ctx0" brushRef="#br0" timeOffset="24513">586 1518 0,'24'0'47,"1"0"-31,-1 0-16,1 0 15,-1 0-15,1-25 16,-1 25-16,0 0 0,1 0 16,-25-24-16,24 24 0,1 0 15,-1 0 1,-24-25-16,0 1 31,0 0-15,-24 24-16,-1-25 31,25 50 47,0-1-78,0 0 16,0 1-16,0-1 15,0 1-15,25-1 0,-25 1 16,0-1-16,0 0 16,0 1-16,0-1 15,24-24-15,-24 25 0,0-1 16,25-24 0</inkml:trace>
+  <inkml:trace contextRef="#ctx0" brushRef="#br0" timeOffset="24829">1075 1420 0,'0'-24'16,"0"-1"15,0 50-15,0-1-1,0 0-15,0 1 0,0-1 16,0 1-16,0-1 16,0 1-16,0-1 15,0 0-15,0 1 16,0-1-16,0 1 15</inkml:trace>
+  <inkml:trace contextRef="#ctx0" brushRef="#br0" timeOffset="25194">1001 1420 0,'0'-24'16,"0"-1"-16,0 1 15,0-1 1,25 25-16,-1 0 16,1 0-16,-1 0 15,0 0-15,1 0 16,24 0-16,-25 25 0,0-25 15,1 24-15,-1 1 16,1-1-16,-25 0 0,24 1 16,-24-1-16,0 1 0,0-1 15,0 0-15,-24 1 16,24-1-16,-25 1 0,1-25 16,-1 24-16,1-24 15,0 0-15,-1 25 0,1-25 16,-25 0-16,25 0 0,-1 0 15,1 0 1</inkml:trace>
+  <inkml:trace contextRef="#ctx0" brushRef="#br0" timeOffset="25561">1539 1298 0,'0'24'31,"0"1"-15,-25-25-16,25 24 16,0 1-16,-24-1 15,24 0-15,0 1 0,0-1 16,0 25-16,0-25 16,0 1-16,0-1 0,0 1 15,24-1-15,-24 1 16,25-1-1</inkml:trace>
+  <inkml:trace contextRef="#ctx0" brushRef="#br0" timeOffset="26017">2051 1322 0,'0'-24'31,"-24"24"-15,0 0-16,-1 0 16,1 24-1,-1-24-15,1 25 0,-1-1 16,1-24-16,0 25 0,24-1 15,-25 25-15,25-25 16,-24 1-16,24-1 0,0 1 16,24-1-16,1 0 15,-25 1-15,24-25 0,0 24 16,1-24-16,24 0 0,-25 0 16,1 0-16,-1 0 15,25-24-15</inkml:trace>
+  <inkml:trace contextRef="#ctx0" brushRef="#br0" timeOffset="26453">2271 1469 0,'0'-25'16,"-24"25"-1,24-24 1,-25 24 0,25 24-1,-24 1 1,24-1 0,0 1-16,-24-1 15,24 0-15,0 1 16,24-1-16,0 1 15,1-25 1,-1 0-16,1 0 16,-1-25-16,1 25 15,-25-24-15,24-1 16,-24 1 0,0 0-16,-24-1 15,-1 1 1,1-1-16,-1 25 15</inkml:trace>
+  <inkml:trace contextRef="#ctx0" brushRef="#br0" timeOffset="26952">2442 1396 0,'-24'0'31,"24"-25"-15,24 1 15,1 24-31,-1 0 16,-24 24-16,25-24 15,-1 25 1,-24-1-16,0 0 0,24-24 16,-24 25-16,0-1 15,0 1-15,25-1 16,-25 0-16,-25-24 31,1 0 0,24-24-31,0 0 16,24-1-16,-24 1 16,25 24-16,-1-25 15,-24 1-15,25 24 0,-1-24 16,0 24-16,-24-25 0,25 25 16,-1 0-16,-24 25 15,25-1-15,-25 0 16,0 1-1,24-1-15,-24 1 16,0-1-16,0 0 16</inkml:trace>
+  <inkml:trace contextRef="#ctx0" brushRef="#br0" timeOffset="27475">3175 1322 0,'0'-24'16,"-24"-1"0,-1 25 15,25 25 0,-24-25-31,24 24 0,-25-24 16,25 25-16,-24-1 0,-1-24 15,1 25-15,0-1 16,-1 0-16,1 1 16,48-25 31,1 0-32,-1 0-15,0 24 16,1 1-16,-1-25 15,1 0-15,-1 24 16,1 1-16,-1-25 16,-24 24-16,24-24 15</inkml:trace>
+  <inkml:trace contextRef="#ctx0" brushRef="#br0" timeOffset="27877">3077 1444 0,'-24'0'16,"24"-24"15,24 24-16,1 0 1,-1 0-16,0 0 16,1 0-16,24 0 15,-25 0-15,25 0 0,0 0 16,0 0-16,0 0 16,-1 0-16,1 0 0,0 0 15,0 0-15,0 0 16,0 0-16,0 0 0,-25 0 15,0-24-15,1 24 0,-1 0 16,-48 0 31,-1 0-31</inkml:trace>
+  <inkml:trace contextRef="#ctx0" brushRef="#br0" timeOffset="28234">3737 1249 0,'-25'0'16,"50"0"15,-1 0-31,1 0 16,-1 0-16,0 0 0,1 24 15,-1-24-15,1 25 16,-1-25-16,0 24 0,1-24 16,-1 25-16,1-1 15,-25 1-15,0-1 16,0 0-16,-25 1 15,1-1 1,-1-24-16,1 25 0,0-25 16,-1 24-16,1-24 15,24 25-15,-25-25 16</inkml:trace>
+  <inkml:trace contextRef="#ctx0" brushRef="#br0" timeOffset="28865">4567 1176 0,'0'-25'16,"24"25"-16,-48 0 31,0-24-16,-1 24 1,1 0-16,-1 0 16,1 0-16,-1 24 0,1-24 15,0 0-15,-1 25 0,1-1 16,-1 1 0,25-1-16,0 0 15,0 1 1,0-1-16,25 1 15,-1-1 1,1-24-16,-1 25 0,0-25 16,1 24-16,-1-24 0,1 24 15,-1-24-15,1 25 16,-1-1-16,-24 1 16,24-25-1,-24 24-15,0 1 0,-24-25 16,24 24-16,-24-24 0,-1 0 15,1 24-15,-1-24 16,1 0-16,-1 25 0,1-25 16,-25 0-16,25 0 0,-1-25 15,25 1 1</inkml:trace>
+  <inkml:trace contextRef="#ctx0" brushRef="#br0" timeOffset="29446">4714 1298 0,'0'24'47,"24"-24"-47,-24 25 15,0-1-15,24 1 0,-24-1 16,0 0 0,0 1-16,0-1 0,0 1 15,0-1-15,-24-24 16,24 25-16,-24-25 15,24 24 1,0-48 0,0-1-1,0 1-15,0-1 16,0 1 0,0-1-16,0-23 0,24 23 15,-24 1-15,0-1 0,24 25 16,-24-24-16,0-1 15,25 1-15,-1 24 16,1 0 0,-1 0-16,-24 24 15,25-24-15,-25 25 16,24-1-16,-24 1 16,0-1-16,0 1 0,24-1 15,-24 0-15,25 1 16,-25-1-16,24 1 0,-24-1 15,25 1 1,-25-1-16</inkml:trace>
+  <inkml:trace contextRef="#ctx0" brushRef="#br0" timeOffset="29667">4762 1469 0,'-24'0'16,"48"0"-1,1 0 1,-1 0-16,1 0 0,-1 0 16,1 0-16,-1 0 15,0 0-15,1-25 0,-1 25 16,1 0-1</inkml:trace>
+  <inkml:trace contextRef="#ctx0" brushRef="#br0" timeOffset="30097">5324 1273 0,'25'0'0,"-25"-24"16,-25 24-1,1 0 1,-1 24 0,1 1-16,-1-1 15,1 1-15,24-1 0,-24 1 16,24-1-16,0 0 16,0 1-16,24 24 0,0-25 15,1 1 1,-1-1-16,25-24 0,-24 0 15,23 24-15,-23-24 0,24 0 16,-25 0-16,25-24 16,-25 24-16,1 0 0,-25-24 15</inkml:trace>
+  <inkml:trace contextRef="#ctx0" brushRef="#br0" timeOffset="55468">4225 1884 0,'0'-24'0,"0"-1"62,0 50-30,0-1-17,25 0 1,-25 1-16,24-25 0,-24 24 15,24 1 1,-24-1-16,25-24 16,-25 25-16</inkml:trace>
+  <inkml:trace contextRef="#ctx0" brushRef="#br0" timeOffset="55721">4445 1908 0,'0'-24'15,"0"48"32,24-24-31,-24 25-1,0-1-15,0 1 16,25-25 0,-25 24-16</inkml:trace>
+  <inkml:trace contextRef="#ctx0" brushRef="#br0" timeOffset="56513">4860 2031 0,'0'-25'15,"0"1"1,0-1 0,-24 25-1,-1 0 1,1 0-16,-1 0 15,1 0 1,0 25-16,-1-1 16,25 1-16,-24-1 0,24 0 15,0 1 1,24-1-16,1 1 16,-1-25-1,0 0 1,1 0-16,-1 0 15,-24-25 1,25 25-16,-25-24 0,0-1 16,0 1-1,0 0 1,0-1-16,0 50 31,24-1-31,-24 0 16,0 1-16,0-1 15,25 1-15,-25-1 0,0 0 16,0 25-16,24-24 0,-24 24 16,0-25-16,0 0 15,0 1-15,0-1 0,0 1 16,0-1-16,-24-24 16,24 25-16,-25-25 0,1 0 15,-1 0-15,1-25 0,-25 1 16,25 24-1,-1-25-15,1 1 0,24-1 16,0 1-16,0 0 16,0-1-16,0 1 15,24 24-15,1 0 16,-1-25-16,0 25 16,1 0-16,-1 0 0,1-24 15</inkml:trace>
+  <inkml:trace contextRef="#ctx0" brushRef="#br0" timeOffset="56998">4982 2104 0,'-24'0'15,"48"0"17,1 0-17,-1 0 1,0 0 0,1 0-1,-1 0-15,1-25 16,-25 1 15,0 0-15,-25 24-1,1 0-15,24-25 16,-25 25-16,1 0 16,0 0-1,24 25-15,-25-25 16,25 24-16,0 0 15,0 1 1,0-1-16,25 1 16,-1-1-1,0-24-15,1 24 16,-1-24-16</inkml:trace>
+  <inkml:trace contextRef="#ctx0" brushRef="#br0" timeOffset="57472">5226 2031 0,'0'-25'16,"25"25"-16,-25-24 16,0 48 30,0 1-46,0-1 16,24 0 0,-24 1-16,0-1 15,0 1-15,0-1 16,25-24 0,-25-24 30,-25 24-46,25-25 16,0 1-16,0-1 16,0 1-16,25 0 15,-1-1-15,1 1 16,-1 24 0,0 0-16,1 0 15,-25 24 1,24-24-16,-24 25 0,25-25 15,-25 24-15,24 0 0,-24 1 16,0-1 0,0 1-16</inkml:trace>
+  <inkml:trace contextRef="#ctx0" brushRef="#br0" timeOffset="57960">5642 2006 0,'-25'0'15,"25"25"-15,0-1 47,25-24-31,-1 0-1,0 0 1,1 0-16,-1 0 16,1-24-1,-1 24 1,-24-25-1,-24 1 1,-1 24-16,1-25 16,-1 25-1,1 0 1,24 25 0,0-1-16,0 1 15,0-1-15,0 0 16,24-24-16,-24 25 15,25-1-15,-1 1 16,1-25 0,-1 0-16</inkml:trace>
+  <inkml:trace contextRef="#ctx0" brushRef="#br0" timeOffset="58349">5886 1957 0,'0'-24'16,"0"-1"-1,24 25 17,1 25-32,-1-25 15,-24 24-15,25 1 16,-1-1-16,0 1 15,-24-1-15,25 0 0,-25 1 16,0-1-16,24 1 16,-24-1-1,-24-24 1,24-24 0,-25-1-1,25 1-15,0-1 16,0 1-16,0 0 0,25-1 15,-25 1 1,24-1-16,1 1 16,-1 24-1</inkml:trace>
+  <inkml:trace contextRef="#ctx0" brushRef="#br0" timeOffset="59164">6374 1933 0,'0'-25'78,"-24"25"-62,0 0-1,-1 0-15,1 0 16,-1 0-16,1 25 16,24-1-1,-25-24-15,25 25 0,0-1 16,0 1-1,0-1-15,0 0 16,25-24 0,-25 25-16,24-25 15,1 24-15,-1-24 32,1-24-32,-25-1 15,24 25 1,-24-24-16,24 24 0,-24-24 15,0-1-15,0 1 32,0 48-1,25 1-31,-25-1 16,24 0-1,-24 1 1,25-25-16,-25 24 0,24-24 15,0 0-15,1 0 16,24-24 15,-49-1-31,24 1 16,-24 0-16,0-1 16,0 1-16,0-25 0,-24 24 15,24 1-15,-25 0 16,25-1-16,-24 1 0,24-1 15,-25 1-15,25-1 16,0 50 0,0-1-1,0 1-15,25-1 16,-25 1-16,24 23 0,-24-23 16,25-1-16,-25 1 15,24 24-15,-24-25 0,25-24 16,-25 24-16,0 1 0</inkml:trace>
+  <inkml:trace contextRef="#ctx0" brushRef="#br0" timeOffset="59752">6545 1957 0,'25'0'62,"-1"0"-46,1 0-16,-1 0 16,0 0-16,1 0 0,-1-24 15,1 24-15,-1 0 0,1 0 16,-1 0-16,0 0 15,-24-25 1,-24 25 47,0 25-48,24-1 1,-25 1-16,25-1 0,0 1 15,0-1-15,25 0 16,-25 1-16,24-1 16,0 1-1,1-25 1,-1 0 0,-24-25-16,25 1 15,-25-1-15,0 1 16,0 0-16,0-1 15,0 1-15,0-1 0,-25 25 16,25-24-16,-24 24 16,24-25-16,-25 25 15,25 25 1,-24-25-16,24 24 16</inkml:trace>
+  <inkml:trace contextRef="#ctx0" brushRef="#br0" timeOffset="60226">6986 1957 0,'-25'0'15,"25"-24"1,25 24 0,-1 0-1,1 0 1,-1 24-16,1-24 16,-25 25-16,24-1 0,0 1 15,1-25-15,-25 24 0,24 0 16,-24 1-16,0-1 15,0 1-15,-24-25 16,-1 0 15,25-25-31,-24 25 16,24-24-16,0-1 16,24 1-16,-24 0 15,25 24-15,-25-25 0,24 1 16,1-1-16,-1 1 15,1-1-15,-1 1 0,0 0 16,1 24 0,-25 24-1,0 0-15</inkml:trace>
+  <inkml:trace contextRef="#ctx0" brushRef="#br0" timeOffset="60700">7571 2031 0,'-24'0'0,"48"0"63,0 0-48,1 0-15,-1 0 16,1 0-16,-1 0 15,1 0 1,-1 0-16,0 0 16,1 0 15,-50 0 63</inkml:trace>
+  <inkml:trace contextRef="#ctx0" brushRef="#br0" timeOffset="62350">8670 1786 0,'0'25'63,"0"-1"-63,0 1 15,0-1-15,0 0 16,0 1-16,0-1 15,0 1-15,-24-1 16,24 1 0,0-1-1,24-24 17,-24-24-17,25 24-15,-25-25 16,24 25-1,-24-24-15,0-1 16,0 1 0,0-1-1,0 1 1,0 0 0,0-1-16,0 1 15,0-1 1,-24 1-1,-1 24 1,1 0-16,-1 0 16,1 0-16,24 24 15,-25-24-15,1 25 16,24-1 0,-24-24-16,24 25 0,0-1 15,0 0-15,-25 1 16,25-1-16,0 1 0,0-1 15,0 1-15,0-1 16,0 0-16,25-24 16,-25 25-16,24-25 0,-24 24 15,24-24-15,1 0 16,-1 0 0,1 0-16,-1-24 15,1 24-15,-25-25 16,24 25-16,-24-24 15,0 0 1,0-1-16,0 1 16,0-1-1,24 1-15,-24-1 16,25 25-16,-1 25 31,-24-1-15,0 1-1,0-1-15,25 1 0,-25-1 16,0 0-16,0 1 16,24-25-16,-24 24 15</inkml:trace>
+  <inkml:trace contextRef="#ctx0" brushRef="#br0" timeOffset="62848">8890 1860 0,'0'-25'0,"-25"25"16,50 0 15,-1 25-16,-24-1-15,25 0 16,-1 1-16,-24-1 16,25 1-16,-25-1 0,24 1 15,-24-1-15,24 0 16,-24 1-16,25-1 16,-50-24 15,1 0-31,24-24 15,-24 24-15,24-25 0,-25 1 16,25 0 0,0-1-16,0 1 15,25-1-15,-25 1 16,24-1-16,0 25 0,1-24 16,-1 24-16,1 0 15,-1 0-15,1 0 16,-25 24-16,24 1 0,-24-1 15,0 1-15,0-1 16,0 1-16,0-1 16,0 0-16,0 1 15</inkml:trace>
+  <inkml:trace contextRef="#ctx0" brushRef="#br0" timeOffset="63294">9378 1835 0,'-24'25'15,"24"-1"1,0 0-1,0 1 1,0-1-16,0 1 16,0-1-16,24-24 15,-24 25-15,25-25 0,-25 24 16,24-24-16,1 24 16,-1-24-16,0 25 15,1-25-15,-25-25 16,24 25-1,-24-24-15,0 0 16,0-1-16,25 1 16,-25-1-16,0 1 15,0-1-15,0 1 0,0 0 16,-25-1 0</inkml:trace>
+  <inkml:trace contextRef="#ctx0" brushRef="#br0" timeOffset="63839">9671 1737 0,'0'-24'16,"0"0"-16,25 24 31,-25 24-15,0 0 0,24 1-16,-24-1 0,0 25 15,0-24-15,0-1 16,0 25-16,25-25 0,-25 1 15,0-1-15,0 1 16,0-1-16,0 0 0,0 1 16,0-1-1,0 1 1,0-50 15,0 1-31,0-1 16,24 25-1,-24-24-15,25 0 0,-1-1 16,0 25-16,-24-24 16,25 24-16,-1 0 15,1 24 1,-25 1-16,24-1 16,-24 0-1,0 1 1,-24-25-16,-1 0 15,1 0-15,-1 0 16,-23 0-16,23 0 0,1-25 16,-1 25-16,1-24 15</inkml:trace>
+  <inkml:trace contextRef="#ctx0" brushRef="#br0" timeOffset="64349">10013 1664 0,'0'25'32,"0"-1"-32,0 0 15,0 1-15,0-1 16,0 1-16,0 24 15,0-25-15,0 0 0,0 1 16,25-1-16,-25 25 16,0-24-16,0-1 0,0 0 15,24 1-15,-24-1 0,0 1 16,0-1 0,-24-48 30,24-1-30,0 1-16,24-1 16,-24 1-16,25 24 0,-25-24 15,24-1-15,-24 1 16,24 24-16,1-25 0,-1 25 16,1 0-1,-1 0-15,1 0 16,-25 25-16,24-25 0,-24 24 15,24 1 1,-24-1-16,0 0 16</inkml:trace>
+  <inkml:trace contextRef="#ctx0" brushRef="#br0" timeOffset="64924">10624 1884 0,'-24'0'31,"24"-24"-15,-25 24-16,1 0 16,-1 0-1,1 0 17,24 24-32,0 0 0,-25-24 15,25 25-15,0-1 0,-24 1 16,24-1-16,0 1 15,0-1-15,0 0 16,24-24-16,1 25 16,-1-25-1,1 0 1,-25-25 0,0 1-16,24 24 15,-24-24-15,0-1 16,25 1-16,-25-1 15,0 1-15,24 24 0,-24-25 16,0 1 0,24 24-16,-24 24 15,0 1 1,0-1-16,0 1 0,0-1 16,25 1-16,-25-1 0,0 0 15,24 1 1,-24-1-16,25-24 15</inkml:trace>
+  <inkml:trace contextRef="#ctx0" brushRef="#br0" timeOffset="65464">10771 1884 0,'0'-24'31,"24"24"0,-24 24-31,24 0 16,-24 1-1,25-25-15,-25 24 0,24 1 16,-24-1-16,25 1 16,-25-1-16,0 0 0,24-24 15,-24 25-15,24-1 16,1-24-1,-25-24 17,0-1-17,24 1-15,-24 0 0,25-1 16,-25 1 0,0-1-16,24 1 0,-24-1 15,0 1-15,25 0 0,-25-1 16,24 1-1,0 24 17</inkml:trace>
+  <inkml:trace contextRef="#ctx0" brushRef="#br0" timeOffset="65795">11405 1957 0,'-24'0'16,"48"0"0,1 0-1,-25-24 1,24 24-16,1 0 0,-1 0 16,1 0-16,-1 0 15</inkml:trace>
+  <inkml:trace contextRef="#ctx0" brushRef="#br0" timeOffset="66725">11845 1860 0,'0'-25'16,"25"25"-16,-25-24 15,24 24 1,-24-25-1,0 1 32,-24 24-31,-1 0-16,1 0 16,-1 24-1,25 1 1,-24-25-16,24 24 0,0 1 15,-25-25 1,25 24-16,0 0 16,25-24-16,-25 25 0,24-25 15,1 24-15,-1-24 16,1 0-16,-25 25 0,24-25 16,0 0-16,1 24 15,-1-24-15,-24 25 0,0-1 16,0 0-1,-24 1 1,-1-25-16,1 0 16,0 0-16,-25 0 15,24 0-15,1 0 0</inkml:trace>
+  <inkml:trace contextRef="#ctx0" brushRef="#br0" timeOffset="67468">12260 1908 0,'25'0'0,"-1"0"16,1 0 0,-1 0-16,-24-24 15,0 0 16,0-1-15,-24 25-16,24-24 16,-25-1-16,1 1 15,-1 24 1,25-25-16,-24 25 16,-1 0-16,1 0 0,24 25 15,-24-25-15,-1 24 16,1 1-16,24-1 0,-25 1 15,25-1-15,0 0 16,0 1-16,0-1 0,0 1 16,0-1-16,25 1 0,-25-1 15,24-24-15,-24 24 16,25-24-16,-1 0 16,0 0-1,1-24 1,-25 0-1,24 24-15,-24-25 16,25 1-16,-25-1 16,24 1-16,-24-1 15,25 25 1,-25-24-16,24 24 16,0 24-1,-24 1 1,25-1-16,-25 1 15,24-1-15,-24 1 16,25-1-16,-25 0 0,24 1 16,1-1-1</inkml:trace>
+  <inkml:trace contextRef="#ctx0" brushRef="#br0" timeOffset="67895">12798 1860 0,'-25'0'16,"25"-25"-16,0 1 15,-24 24-15,-1-25 16,1 25 0,24 25-1,-24-25-15,-1 24 16,25 1-16,-24-1 0,24 0 15,-25 1-15,25-1 0,0 1 16,0-1-16,0 1 16,0-1-16,25 0 0,-1-24 15,1 25-15,23-25 16,-23 0-16,24 0 0,-25 0 16,25 0-16,0-25 0,-25 25 15,1-24-15</inkml:trace>
+  <inkml:trace contextRef="#ctx0" brushRef="#br0" timeOffset="76976">24 2763 0,'25'0'47,"-1"0"63,1 0-95,-1 0 1,0 0-16,1 0 16,-1 0-16,1 0 15,-1-24-15,1 24 16,-50 0 15,1 24-15,-1-24-16,1 0 15</inkml:trace>
+  <inkml:trace contextRef="#ctx0" brushRef="#br0" timeOffset="79118">781 2788 0,'0'24'31,"0"0"-15,0 1 0,0-1-1,0 1-15,25-1 0,-25 1 16,0-1-16,0 0 15,24 1-15,-24-1 0,0 1 16,0-1-16,0 1 16,0-1-16,0 0 15,0 1-15,0-1 16</inkml:trace>
+  <inkml:trace contextRef="#ctx0" brushRef="#br0" timeOffset="79442">830 2934 0,'0'-24'0,"-24"-1"16,24 1-16,-25-25 16,25 25-16,0-1 0,0 1 15,0-1 1,25 1-16,-1 24 15,1 0-15,-1 0 0,1 0 16,-1 0-16,0 0 16,1 24-16,-1 1 15,1-25-15,-25 24 0,0 1 16,24-1-16,-24 0 16,-24 1-16,-1-1 15,1-24 1,-1 25-16,1-25 15,0 0-15,-1 0 16</inkml:trace>
+  <inkml:trace contextRef="#ctx0" brushRef="#br0" timeOffset="79858">1246 2763 0,'-25'-24'15,"1"24"-15,-1 0 16,25-25-16,25 25 31,-1 0-31,1 0 0,-25 25 16,24-25-16,25 24 0,-25 1 15,1-25-15,-25 24 16,24 0-16,0 1 0,-24-1 16,0 1-1,0-1-15,-24-24 16,0 0 0,-1-24-1,25-1-15,0 1 16,0-1-1,0 1-15,25 0 0,-25-1 16,24 1-16,0-1 16,1 25-1,-1-24-15,1 24 16</inkml:trace>
+  <inkml:trace contextRef="#ctx0" brushRef="#br0" timeOffset="80276">1807 2788 0,'-24'0'16,"-1"0"-16,1 0 15,0 0 1,-1 24-1,1 1-15,24-1 16,0 0 0,0 1-16,0-1 0,0 1 15,24-1-15,1-24 0,-25 24 16,24-24-16,0 25 16,1-25-16,-1 0 0,1 0 15,-1-25-15,0 25 16,1-24-16,-1 0 0,-24-1 15,25 1-15,-1-1 0,-24 1 16,0-25-16,0 25 16,0-1-16,0 1 0,-24-1 15,-1 1 1,1 24-16,-1 0 0,1 0 16,24 24-16,-24-24 15,24 25-15</inkml:trace>
+  <inkml:trace contextRef="#ctx0" brushRef="#br0" timeOffset="80704">2174 2739 0,'0'24'62,"0"1"-62,24-1 16,-24 1-16,24-1 16,-24 0-16,25 1 15,-1-1-15,-24 1 0,25-25 16,-1 24-16,-24 0 15,25-24-15,-1 0 16,0-24 0,-24 0-1,0-1-15,25 1 16,-25-1-16,0 1 16,0 0-16,0-1 0,0 1 15,24-1-15,-24 1 16,0-1-1,25 25 1,-25 25 0</inkml:trace>
+  <inkml:trace contextRef="#ctx0" brushRef="#br0" timeOffset="80955">2613 2739 0,'0'24'0,"-24"-24"15,24 25 1,0-1 0,0 1-1,24-1-15,-24 0 0,0 1 16,0-1-16,25 1 0,-25-1 15,0 0 1</inkml:trace>
+  <inkml:trace contextRef="#ctx0" brushRef="#br0" timeOffset="81117">2662 2592 0,'0'-24'16,"0"48"-1,0 1 1</inkml:trace>
+  <inkml:trace contextRef="#ctx0" brushRef="#br0" timeOffset="81674">2955 2788 0,'0'-25'31,"-24"25"1,-1 0-17,1 25 1,-1-25-16,25 24 16,-24-24-16,24 24 0,0 1 15,0-1-15,0 1 0,0-1 16,0 1-1,24-1-15,-24 0 0,25-24 16,-1 25-16,1-25 16,-1 0-1,-24-25-15,25 1 16,-1 24-16,-24-24 16,24-1-16,-24-24 0,0 25 15,25-1-15,-25-23 16,0 23-16,0 1 0,0-25 15,0 25-15,-25-1 0,25 1 16,0-1-16,-24 1 16,24 48 15,24 1-31,-24 24 0,25-25 16,-25 0-16,0 25 0,24-24 15,-24 23-15,0-23 16,25-1-16,-25 1 0,0-1 15,0 1-15</inkml:trace>
+  <inkml:trace contextRef="#ctx0" brushRef="#br0" timeOffset="82094">3297 2885 0,'24'0'63,"1"-24"-48,-1 24 1,-24-25-16,25 25 0,-25-24 15,24 0 1,-24-1-16,0 1 16,-24 24-1,24-25-15,-25 25 0,1 0 16,-1 0-16,1 0 0,0 25 16,-1-1-1,25 25-15,0-25 0,0 1 16,0-1-16,25 25 15,-1-24-15,0-1 0,1 0 16,-1 1-16,25-1 0,-24 1 16,-1-25-16,0 0 15,1-25-15</inkml:trace>
+  <inkml:trace contextRef="#ctx0" brushRef="#br0" timeOffset="82653">3981 2666 0,'0'-25'0,"0"1"15,-25 24 1,25-25-16,0 50 47,0-1-47,0 1 0,25 23 16,-25-23-16,0 24 0,0-25 15,0 25-15,0-25 16,24 25-16,-24-24 0,0 23 15,0-23-15,0-1 16,0 1-16,0-50 47,0 1-31,25-1-16,-25 1 15,0 0-15,24-1 16,-24 1-16,25-1 0,-1 1 15,0 0-15,1 24 16,-1 0-16,1 24 16,-1 0-1,1 1-15,-25-1 0,0 1 16,0-1-16,0 0 0,0 1 16,0-1-16,0 1 15,0-1 1</inkml:trace>
+  <inkml:trace contextRef="#ctx0" brushRef="#br0" timeOffset="83115">4518 2911 0,'0'-25'16,"-24"25"-16,-1-24 16,1 24-1,24 24 17,0 1-32,0-1 15,0 1-15,24-1 16,-24 0-1,25-24-15,-25 25 16,24-25-16,1 0 16,-1 0-1,0 0-15,-24-25 16,25 1 0,-1 0-16,-24-1 15,0 1-15,0-1 16,0 1-16,-24-1 15,-1 25 1,1 0 0,0 0-16,-1 0 15,25 25 1</inkml:trace>
+  <inkml:trace contextRef="#ctx0" brushRef="#br0" timeOffset="83595">5007 2885 0,'0'-24'0,"0"-1"16,-25 25-1,1-24 1,-1 24 0,25-24-16,-24 24 0,24 24 31,-24-24-31,24 24 16,0 1-1,0-1 1,24 1-16,0-1 15,-24 1 1,25-25-16,-25 24 0,24-24 16,1 0-16,-25 24 15,24-24-15,0 25 0,1-25 16,-25 24-16,24-24 16,-24 25-1,-24-25-15,24 24 16,-25-24-16,1 0 15,0 25-15,-1-25 0,1 0 16,-1 0-16,1-25 16,24 1-1</inkml:trace>
+  <inkml:trace contextRef="#ctx0" brushRef="#br0" timeOffset="83872">5226 2641 0,'0'25'32,"0"-1"-17,0 0-15,0 1 16,0-1-16,0 1 0,0-1 15,25 1-15,-25-1 0,24 0 16,-24 1-16,25 24 16,-25-25-16,24 0 0,1 1 15,-25-1-15,24-24 16,-24 25 0</inkml:trace>
+  <inkml:trace contextRef="#ctx0" brushRef="#br0" timeOffset="84058">5275 2861 0,'0'-24'16,"25"24"15,-1 0-31,1 0 15,-1 0 1</inkml:trace>
+  <inkml:trace contextRef="#ctx0" brushRef="#br0" timeOffset="85262">6106 2983 0,'-25'0'31,"1"0"-31,24 24 15,-25-24-15,1 0 16,0 0 0,-1 0-1,25-24 1,-24 24-16,24-24 16,-25 24-1,25-25-15,0 1 0,0-1 16,25 25-16,-25-24 15,24 0-15,-24-1 16,25 25-16,-1-24 0,0-1 16,1 1-16,24-1 0,-25 1 15,1 0-15,-1-1 16,-24 1-16,24 24 0,-24-25 16,25 1-16,-25-1 15,-25 25-15,1 0 16,-25 0-16,25 0 15,-1 0-15,1 0 16,-1 25-16,1-1 0,0 1 16,-1-1-16,25 1 15,-24-1-15,24 0 0,0 25 16,24-24-16,-24-1 16,25 1-16,-1-1 0,0-24 15,1 24-15,-1 1 0,1-25 16,-1 0-16,25 0 15,-25 0-15,1 0 16,-1 0-16,-24-25 0,25 25 16,-25-24-16,0 0 15,0-1 1,0 1 0,-25 24-1,25 24 1,0 1-1,0-1-15,0 0 0,25 25 16,-25-24-16,0 23 16,24-23-16,-24 24 0,24-25 15,-24 25-15,25-25 0,-25 1 16,24-1-16,-24 1 16,0-1-16</inkml:trace>
+  <inkml:trace contextRef="#ctx0" brushRef="#br0" timeOffset="87037">6716 2568 0,'0'-25'31,"25"25"0,-25 25 1,24-1-17,-24 1-15,0 24 16,25-25-16,-25 0 0,24 25 16,-24-24-16,0-1 15,24 25-15,-24-25 0,0 1 16,0-1-1,0 1-15,0-1 16,0-48 31,0-1-31,0 1-16,0-1 15,0 1-15,0 0 0,0-1 16,0 1-16,25-1 15,-25 1-15,24 24 16,1 0-16,-1 0 16,0 24-16,1 1 15,-25 24-15,24-25 16,-24 0-16,25 1 16,-25-1-16,0 1 0,0-1 15,0 0-15,0 1 16,-25-25-16</inkml:trace>
+  <inkml:trace contextRef="#ctx0" brushRef="#br0" timeOffset="87660">7376 2910 0,'24'0'0,"1"0"31,-25-25-15,0 1-16,0 0 16,-25-1-1,25 1-15,-24 24 0,-1-25 16,1 1-16,-1 24 15,1 0-15,0 0 16,-1 0-16,25 24 0,-24-24 16,24 25-16,0-1 15,0 1-15,0-1 0,0 0 16,0 1-16,24-1 0,1 1 16,-25-1-16,24 0 15,0 1-15,1-25 0,-1 0 16,1 0-16,-1 0 0,1 0 15,-1-25 1,0 25-16,-24-24 0,25 0 16,-25-1-16,0 1 15,0-25-15,0 25 0,0-1 16,0-24-16,0 0 0,0 25 16,-25 0-16,25-25 15,0 24-15,0 1 0,-24 24 16,24-25-16,24 50 31,-24-1-31,25-24 0,-25 49 16,24-24-16,-24-1 15,25 25-15,-25-25 0,24 25 16,-24-24-16,0-1 16,25 0-16,-25 1 0,0-1 15,0 1-15,24-25 0,-24 24 16</inkml:trace>
+  <inkml:trace contextRef="#ctx0" brushRef="#br0" timeOffset="87930">7742 2788 0,'0'-25'0,"0"50"47,24-1-31,-24 1-16,0-1 0,25 0 16,-25 1-16,0-1 0,0 1 15,24-25-15,-24 24 16,0 0-16,25 1 0</inkml:trace>
+  <inkml:trace contextRef="#ctx0" brushRef="#br0" timeOffset="88086">7815 2592 0,'-24'-24'0,"24"-1"15,-25 25-15,1 0 32</inkml:trace>
+</inkml:ink>
+</file>
+
+<file path=ppt/ink/ink2.xml><?xml version="1.0" encoding="utf-8"?>
 <inkml:ink xmlns:inkml="http://www.w3.org/2003/InkML">
   <inkml:definitions>
     <inkml:context xml:id="ctx0">
@@ -350,404 +913,7 @@
 </inkml:ink>
 </file>
 
-<file path=ppt/ink/ink10.xml><?xml version="1.0" encoding="utf-8"?>
-<inkml:ink xmlns:inkml="http://www.w3.org/2003/InkML">
-  <inkml:definitions>
-    <inkml:context xml:id="ctx0">
-      <inkml:inkSource xml:id="inkSrc0">
-        <inkml:traceFormat>
-          <inkml:channel name="X" type="integer" max="1920" units="cm"/>
-          <inkml:channel name="Y" type="integer" max="1080" units="cm"/>
-          <inkml:channel name="T" type="integer" max="2.14748E9" units="dev"/>
-        </inkml:traceFormat>
-        <inkml:channelProperties>
-          <inkml:channelProperty channel="X" name="resolution" value="55.81395" units="1/cm"/>
-          <inkml:channelProperty channel="Y" name="resolution" value="55.6701" units="1/cm"/>
-          <inkml:channelProperty channel="T" name="resolution" value="1" units="1/dev"/>
-        </inkml:channelProperties>
-      </inkml:inkSource>
-      <inkml:timestamp xml:id="ts0" timeString="2020-11-08T01:53:01.582"/>
-    </inkml:context>
-    <inkml:brush xml:id="br0">
-      <inkml:brushProperty name="width" value="0.05" units="cm"/>
-      <inkml:brushProperty name="height" value="0.05" units="cm"/>
-      <inkml:brushProperty name="color" value="#ED1C24"/>
-      <inkml:brushProperty name="fitToCurve" value="1"/>
-    </inkml:brush>
-  </inkml:definitions>
-  <inkml:trace contextRef="#ctx0" brushRef="#br0">27 51 0,'-24'0'32,"24"-24"46,24 24-63,1 0 17,-1 0-17,1 0 1,-1 0 0,1 0-16,-25-25 0,24 25 15,0 0-15,1 0 0,-1 0 16,1 0-16,-1 0 15,0 25-15,1-25 0,-1 0 16,1 0-16,-1 0 16,1 24-16,-1-24 15,0 0-15,1 0 16,-25 25-16,24-25 0,-24 24 16,25-24-16,-25 25 15,24-1 1,-24 0-16,0 1 15,0-1-15,25-24 16,-25 25-16,0-1 16,24-24-1,-24 25 1,0-1 0,0 0-16,0 1 15,0-1-15,0 1 16,0-1-16,0 0 15,0 1-15,0-1 16,0 1-16,0-1 16,0 1-16,0-1 15,-24 0 1,24 1-16,-25-1 16,25 1-1,-24-1-15,-1 1 16,25-1-16,-24-24 15,24 24-15,-25-24 16,25 25-16,-24-1 0,0 1 16,-1-1-1,25 1 1,-24-25-16,24 24 0,-25-24 16,25 24-16,-24-24 15,24 25-15,-25-1 16,25 1-1,0-1 1,0 1 0,0-1-1,0 0 1,0 1 15,25-1-31,-1 1 31,1-25-15,-1 0 0,1 24-16,-1-24 15,0 0-15,25 0 16,-24 0 0,-1 0-16,1 0 15,-1 0-15,0 0 16,1 0-1,-1 0 1,1 0 0,-25-24-1,24 24 1,-48 0 62,-1 0-62,1 0-1,-1 24 1,1-24 0,0 0-16,-1 24 31,1-24-16,24 25 1,-25-1 0,25 1-1,0-1 1,0 1 15,0-1 0,25-24-15,-25 24 0,0 1-1,24-25-15,-24 24 16,25-24 0,-25 25-16,24-25 15,-24 24-15,24-24 16,-24 25-16,25-25 0,-25 24 15,24-24-15,-24 24 16,25-24-16,-25 25 0,24-25 16,0 24-16,-24 1 15,25-1-15,-1 0 16,1 1-16,-25-1 0,24 1 16,1-1-16,-1 1 15,-24-1-15,0 0 16,24 1-1,-24-1 1,0 1-16,0-1 16,0 1-1,0-1-15,0 0 16,0 1 0,0-1-16,0 1 15,0-1-15,0 1 16,0-1-16,0 0 15,0 1-15,0-1 16,0 1 0,0-1-16,0 1 15,0-1 1,-24-24-16,24 24 16,-24-24-16,24 25 15,-25-25 1,25 24-16,-24-24 0,-1 0 15,25 25-15,-24-25 0,-1 0 16,25 24-16,-24-24 16,0 0-16,-1 24 15,1-24 1,-1 0-16,1 0 16,24 25-1,-24-25-15,-1 0 16,25 24-1,-24-24 1,48 0 15,1-24-15</inkml:trace>
-  <inkml:trace contextRef="#ctx0" brushRef="#br0" timeOffset="1434">736 1224 0,'-25'0'15,"50"0"48,-1 0-63,0 0 15,1 0-15,-1 0 0,25 0 16,0-25-16,0 25 16,0 0-16,24 0 0,-24 0 15,24 0-15,0 0 16,-24 0-16,25 0 0,-26 0 15,26 0-15,-26 0 0,1-24 16,-24 24-16,24 0 16,-25 0-16,0 0 0,1 0 15,-25-25-15,24 25 16,-24-24 0,-24 24 15,-1 0-16</inkml:trace>
-  <inkml:trace contextRef="#ctx0" brushRef="#br0" timeOffset="1891">1615 931 0,'24'0'46,"1"24"-46,-1-24 16,1 0-16,-1 0 0,25 24 16,0-24-16,-25 0 15,25 25-15,0-25 0,-25 24 16,1-24-16,-1 0 0,1 25 16,-1-25-16,-24 24 15,24-24-15,-24 24 16,-24 1-1,24-1-15,-24-24 0,-1 25 16,1-1-16,-1-24 0,1 25 16,-25-1-16,25-24 15,-25 24-15,24 1 0,1-25 16,-1 24-16,1-24 16,0 0-16</inkml:trace>
-  <inkml:trace contextRef="#ctx0" brushRef="#br0" timeOffset="2876">1078 467 0,'0'24'31,"-25"0"-15,25 1-16,0-1 0,0 1 15,0-1-15,0 0 16,-24 1-16,24-1 0,0 1 16,0-1-16,0 1 15,0-1-15,0 0 0,0 1 16,0-1-16,0 1 16,0-1 15,0-48-16,0-1 1,0 1 0,24-1-1,-24 1-15,0 0 16,25-1 0,-25 1-16,24 24 0,-24-25 15,24 1-15,1 24 0,-1-25 16,1 25-16,-1 0 15,1-24-15,-1 24 0,0 0 16,1 24 0,-1-24-16,1 25 15,-25-1-15,24-24 16,-24 25-16,0-1 0,0 1 16,-24-1-16,24 0 15,-25-24-15,1 25 16,-1-25-16,1 24 0,0-24 15,-25 25-15,24-25 0,1 0 16,-1 0-16,1 0 16,0 0-16,-1 0 0,1 0 15,24-25 1</inkml:trace>
-</inkml:ink>
-</file>
-
-<file path=ppt/ink/ink11.xml><?xml version="1.0" encoding="utf-8"?>
-<inkml:ink xmlns:inkml="http://www.w3.org/2003/InkML">
-  <inkml:definitions>
-    <inkml:context xml:id="ctx0">
-      <inkml:inkSource xml:id="inkSrc0">
-        <inkml:traceFormat>
-          <inkml:channel name="X" type="integer" max="1920" units="cm"/>
-          <inkml:channel name="Y" type="integer" max="1080" units="cm"/>
-          <inkml:channel name="T" type="integer" max="2.14748E9" units="dev"/>
-        </inkml:traceFormat>
-        <inkml:channelProperties>
-          <inkml:channelProperty channel="X" name="resolution" value="55.81395" units="1/cm"/>
-          <inkml:channelProperty channel="Y" name="resolution" value="55.6701" units="1/cm"/>
-          <inkml:channelProperty channel="T" name="resolution" value="1" units="1/dev"/>
-        </inkml:channelProperties>
-      </inkml:inkSource>
-      <inkml:timestamp xml:id="ts0" timeString="2020-11-08T01:53:09.755"/>
-    </inkml:context>
-    <inkml:brush xml:id="br0">
-      <inkml:brushProperty name="width" value="0.05" units="cm"/>
-      <inkml:brushProperty name="height" value="0.05" units="cm"/>
-      <inkml:brushProperty name="color" value="#ED1C24"/>
-      <inkml:brushProperty name="fitToCurve" value="1"/>
-    </inkml:brush>
-  </inkml:definitions>
-  <inkml:trace contextRef="#ctx0" brushRef="#br0">346 82 0,'0'-25'0,"0"1"15,-24 24 1,24-25-16,-25 25 16,1 0-16,-1 0 15,1 0-15,-25 0 16,25 25-16,-1-25 0,-23 24 15,23 1-15,1-1 0,24 0 16,-25 1-16,25 24 16,0-25-16,25 25 0,-25-25 15,24 25-15,25-24 16,-25-1-16,25 1 0,-24-25 16,23 24-16,1-24 0,0 0 15,-24-24-15,23-1 16,-23 25-16,-1-24 0</inkml:trace>
-  <inkml:trace contextRef="#ctx0" brushRef="#br0" timeOffset="449">590 130 0,'-24'0'47,"24"25"-31,-24-25-16,-1 0 15,25 24-15,0 1 16,0-1-16,0 1 16,0-1-16,0 0 15,25 1-15,-1-1 0,0 1 16,1-1-1,-1-24-15,1 0 0,-1 0 16,1 0-16,-1 0 16,-24-24-16,24 24 15,-24-25-15,0 1 0,0-1 16,0 1-16,-24 0 0,24-1 16,-24 1-16,24-1 15,-25 1-15,1-1 16,-1 25-16,1 0 15,-1 0 1,1 0-16,24 25 16,24-25-1,1 24 1</inkml:trace>
-  <inkml:trace contextRef="#ctx0" brushRef="#br0" timeOffset="906">859 155 0,'0'-25'16,"24"25"15,1 0-31,-1 0 15,1 0-15,-25 25 16,24-25-16,-24 24 16,25-24-16,-25 25 0,0-1 15,24 1-15,-24-1 0,0 0 16,0 1 0,-24-1-1,-1-24 1,25-24-16,-24 24 0,24-25 15,0 1-15,-25 0 16,25-1-16,0 1 16,25-1-16,-25 1 0,24-1 15,1 1-15,23 24 16,-23-24-16,24 24 0,-25 0 16,25 0-16,-25 24 15,25 0-15,-24 1 0,-1-1 16,1 1-16,-25 24 0,24-25 15,-24 0-15,0 1 16,0-1-16,-24 1 0</inkml:trace>
-</inkml:ink>
-</file>
-
-<file path=ppt/ink/ink12.xml><?xml version="1.0" encoding="utf-8"?>
-<inkml:ink xmlns:inkml="http://www.w3.org/2003/InkML">
-  <inkml:definitions>
-    <inkml:context xml:id="ctx0">
-      <inkml:inkSource xml:id="inkSrc0">
-        <inkml:traceFormat>
-          <inkml:channel name="X" type="integer" max="1920" units="cm"/>
-          <inkml:channel name="Y" type="integer" max="1080" units="cm"/>
-          <inkml:channel name="T" type="integer" max="2.14748E9" units="dev"/>
-        </inkml:traceFormat>
-        <inkml:channelProperties>
-          <inkml:channelProperty channel="X" name="resolution" value="55.81395" units="1/cm"/>
-          <inkml:channelProperty channel="Y" name="resolution" value="55.6701" units="1/cm"/>
-          <inkml:channelProperty channel="T" name="resolution" value="1" units="1/dev"/>
-        </inkml:channelProperties>
-      </inkml:inkSource>
-      <inkml:timestamp xml:id="ts0" timeString="2020-11-08T01:53:07.366"/>
-    </inkml:context>
-    <inkml:brush xml:id="br0">
-      <inkml:brushProperty name="width" value="0.05" units="cm"/>
-      <inkml:brushProperty name="height" value="0.05" units="cm"/>
-      <inkml:brushProperty name="color" value="#ED1C24"/>
-      <inkml:brushProperty name="fitToCurve" value="1"/>
-    </inkml:brush>
-  </inkml:definitions>
-  <inkml:trace contextRef="#ctx0" brushRef="#br0">0 0 0,'0'25'63,"0"-1"-47,0 0-1,0 1-15,0-1 16,0 1-16,25 24 15,-25-25-15,0 25 0,0 0 16,24-1-16,-24-23 16,0 24-16,0 0 0,0-25 15,25 25-15,-25-25 0,0 1 16,0-1-16,0 1 16,0-1-16,24-24 15</inkml:trace>
-  <inkml:trace contextRef="#ctx0" brushRef="#br0" timeOffset="606">171 391 0,'-24'0'15,"24"-24"-15,-25 24 16,50-25 31,-1 25-31,1 0-16,-1 0 15,1 0-15,23 0 16,-23-24-16,-1 24 0,1 0 15,-1 0-15,1 0 16,-1 0-16,0 0 0,1 0 16,-25-25 15,0 1-15,0-1-1,0 1-15,0 0 16,0-1-16,-25 1 15,25-1-15,0 1 16,0-1-16,0 1 31,-24 48-15,24 1 0,0-1-16,0 1 15,0 24-15,0-25 0,0 0 16,0 25-16,0-24 15,24 24-15,-24-25 0,0 25 16,0-25-16,0 1 0,0-1 16,0 0-16,0 1 15,0-1-15,25-24 32</inkml:trace>
-  <inkml:trace contextRef="#ctx0" brushRef="#br0" timeOffset="937">782 98 0,'0'24'47,"0"1"-32,-25-1 1,25 1-16,0-1 0,0 0 16,0 25-16,0-24 0,0 23 15,0-23-15,0-1 16,0 1-16,0-1 0,25 1 15,-25-1-15,0 0 16,0 1-16,24-25 0,-24 24 16,25-24-16</inkml:trace>
-  <inkml:trace contextRef="#ctx0" brushRef="#br0" timeOffset="1388">660 220 0,'0'-24'16,"-25"24"-16,25-25 16,0 1-1,25 24 1,-25-25-16,24 25 15,1 0-15,-1-24 0,25 24 16,-25 0-16,1 0 0,24-25 16,-25 25-16,25 0 15,-25 0-15,25 0 0,-24 0 16,-1 25-16,0-25 0,-24 24 16,25 1-16,-1-1 15,-24 25-15,0-25 0,0 25 16,0-24-16,0 24 15,-24-25-15,24 25 0,-25-25 16,1 1-16,0-1 0,-1 0 16,-24 1-16,25-25 15,-1 24-15,-23-24 0,23 0 16,1 25-16,-1-25 16,1 0-16,-1 0 15,50-25 1</inkml:trace>
-  <inkml:trace contextRef="#ctx0" brushRef="#br0" timeOffset="1728">1417 147 0,'0'-25'15,"0"50"48,0-1-63,0 1 15,0-1-15,0 0 0,0 25 16,0 0-16,0-24 16,0 23-16,0 1 0,0 0 15,0-25-15,0 25 16,0-24-16,0 24 0,0-25 16,0 0-16</inkml:trace>
-</inkml:ink>
-</file>
-
-<file path=ppt/ink/ink13.xml><?xml version="1.0" encoding="utf-8"?>
-<inkml:ink xmlns:inkml="http://www.w3.org/2003/InkML">
-  <inkml:definitions>
-    <inkml:context xml:id="ctx0">
-      <inkml:inkSource xml:id="inkSrc0">
-        <inkml:traceFormat>
-          <inkml:channel name="X" type="integer" max="1920" units="cm"/>
-          <inkml:channel name="Y" type="integer" max="1080" units="cm"/>
-          <inkml:channel name="T" type="integer" max="2.14748E9" units="dev"/>
-        </inkml:traceFormat>
-        <inkml:channelProperties>
-          <inkml:channelProperty channel="X" name="resolution" value="55.81395" units="1/cm"/>
-          <inkml:channelProperty channel="Y" name="resolution" value="55.6701" units="1/cm"/>
-          <inkml:channelProperty channel="T" name="resolution" value="1" units="1/dev"/>
-        </inkml:channelProperties>
-      </inkml:inkSource>
-      <inkml:timestamp xml:id="ts0" timeString="2020-11-08T01:53:12.797"/>
-    </inkml:context>
-    <inkml:brush xml:id="br0">
-      <inkml:brushProperty name="width" value="0.05" units="cm"/>
-      <inkml:brushProperty name="height" value="0.05" units="cm"/>
-      <inkml:brushProperty name="color" value="#ED1C24"/>
-      <inkml:brushProperty name="fitToCurve" value="1"/>
-    </inkml:brush>
-  </inkml:definitions>
-  <inkml:trace contextRef="#ctx0" brushRef="#br0">2345 198 0,'-24'0'31,"24"-25"-15,-24 25 0,-1-24-1,1 24-15,-1-25 16,1 25-16,-1 0 16,1-24-16,-25 24 0,-24 0 15,24-24-15,-24 24 16,-25-25-16,0 25 0,1-24 15,-1 24-15,0 0 0,1 0 16,23-25-16,1 25 16,24 0-16,0 0 0,1 25 15,23-25-15,-24 0 16,25 24-16,-1-24 0,-23 0 16,23 25-16,-24-25 0,25 0 15,-25 24-15,0-24 16,0 0-16,25 0 0,-25 0 15,25 0-15,-25 0 16,24 0-16,1 0 0,0 0 16,-1 0-16,1 0 15,-1 0 1,1 24 0,0-24-1,24 25 1,-25-25-16,1 0 15,24 24 1,-25-24-16,25 25 16,-24-25-16,24 24 0,-25 1 15,25-1-15,0 0 16,0 1-16,-24 24 16,24-25-16,0 1 15,0 23-15,0 1 0,0-24 16,0 23-16,0 1 0,0 0 15,0 0-15,0 0 16,0 0-16,0 0 0,-24-1 16,24 1-16,-25 0 15,25 0-15,0 0 0,-24 0 16,24 0-16,0-25 16,-25 25-16,25 0 0,0-1 15,0-23-15,0-1 0,0 25 16,0-24-16,0 23 15,0-23-15,0-1 0,-24 25 16,24-24-16,0-1 0,0 0 16,0 25-16,0-24 15,0-1-15,24 0 0,-24 1 16,0-1 0,0 1-16,0-1 15,0 1-15,0-1 16,25-24-1,-1 0 1,1 0-16,-1 0 16,0 0-16,1 24 15,-1-24-15,1 0 0,24 0 16,-25 0-16,0 0 16,25 0-16,-24 0 0,23 25 15,1-25-15,0 0 0,0 0 16,24 0-16,1 0 15,-1 0-15,0 0 0,0 0 16,1 0-16,-1 0 16,0 0-16,-24 0 0,24 0 15,1 0-15,-26 0 16,26-25-16,-25 25 0,24 0 16,-24 0-16,-1 0 0,26 0 15,-25 0-15,-1 0 16,26 0-16,-25 0 0,-1 0 15,1 0-15,0 0 16,0 0-16,0 0 0,-25 0 16,1 0-16,-1 0 0,0 0 15,1 0-15,-1 0 16,1 0-16,-1 0 0,1 0 16,-1 0-16,0 0 0,1 0 15,-1 0-15,1-24 16,-1 24-1,1 0 1,-25-24-16,0-1 16,0 1-1,0-1 1,0 1-16,0-1 16,0 1-16,0 0 15,0-1-15,0 1 0,0-25 16,0 25-16,0-25 0,0 24 15,0-24-15,0 25 16,0-25-16,24 0 0,-24 25 16,0-25-16,0 0 15,24 25-15,-24-25 0,0 0 16,0 0-16,0 0 0,0 25 16,0-25-16,0 0 15,0 0-15,25 25 0,-25-25 16,0 0-16,0 25 15,0-25-15,24 25 0,-24-25 16,0 24-16,0-24 0,0 25 16,25 0-16,-25-1 15,0 1-15,0-1 0,0 1 16,-25 24-16,25-24 16,-24-1-16,24 1 15,-25 24-15,25-25 0,0 1 16,-24 24-1,24-25-15,0 1 16,0 0 0,-24 24-16,24-25 15,-25 25 1,25-24 0,-24 24-16,24-25 15,-25 25 1,25-24-16,-24 24 15,24-25-15,-25 25 16,25-24-16,-24 24 16,0 0-16,-1-24 0,1 24 15,-1 0-15,-24-25 0,25 25 16,-25 0-16,0 0 16,-24 0-16,24 0 0,0 0 15,1 0-15,-1 0 16,0 0-16,24 0 0,-23 0 15,23 25 1</inkml:trace>
-</inkml:ink>
-</file>
-
-<file path=ppt/ink/ink14.xml><?xml version="1.0" encoding="utf-8"?>
-<inkml:ink xmlns:inkml="http://www.w3.org/2003/InkML">
-  <inkml:definitions>
-    <inkml:context xml:id="ctx0">
-      <inkml:inkSource xml:id="inkSrc0">
-        <inkml:traceFormat>
-          <inkml:channel name="X" type="integer" max="1920" units="cm"/>
-          <inkml:channel name="Y" type="integer" max="1080" units="cm"/>
-          <inkml:channel name="T" type="integer" max="2.14748E9" units="dev"/>
-        </inkml:traceFormat>
-        <inkml:channelProperties>
-          <inkml:channelProperty channel="X" name="resolution" value="55.81395" units="1/cm"/>
-          <inkml:channelProperty channel="Y" name="resolution" value="55.6701" units="1/cm"/>
-          <inkml:channelProperty channel="T" name="resolution" value="1" units="1/dev"/>
-        </inkml:channelProperties>
-      </inkml:inkSource>
-      <inkml:timestamp xml:id="ts0" timeString="2020-11-08T01:53:39.593"/>
-    </inkml:context>
-    <inkml:brush xml:id="br0">
-      <inkml:brushProperty name="width" value="0.05" units="cm"/>
-      <inkml:brushProperty name="height" value="0.05" units="cm"/>
-      <inkml:brushProperty name="color" value="#3165BB"/>
-      <inkml:brushProperty name="fitToCurve" value="1"/>
-    </inkml:brush>
-  </inkml:definitions>
-  <inkml:trace contextRef="#ctx0" brushRef="#br0">6162 48 0,'24'0'0,"-24"-24"15,25 24 1,-25-24-16,-25 24 78,1 0-62,0 0-16,-1 0 0,1 0 15,-1 0-15,1 0 0,-25 0 16,25 24-16,-25-24 16,24 0-16,1 0 0,-25 24 15,25-24-15,-1 0 0,-24 0 16,25 25-16,0-25 16,-1 24-1,25 1 1,0-1-1,0 1 1,0-1-16,25 0 16,-25 25-16,0-24 0,0 24 15,0-1-15,0 1 16,0 0-16,0 0 0,0 0 16,0 24-16,0-24 15,0 0-15,0 24 0,0-24 16,0 0-16,0 24 0,-25-24 15,25 0-15,0 24 16,0-24-16,0 24 0,0-24 16,0 0-16,0 24 0,0-24 15,0 24-15,0 0 16,25-24-16,-25 24 0,0 1 16,0-1-16,0 0 15,24-24-15,-24 24 0,0-24 16,0 25-16,0-26 0,0 1 15,0 25-15,0 23 16,0-48 0,0 0-16,0 0 0,0 24 15,0-49-15,0 25 0,0 0 16,0 0-16,0 0 16,0 0-16,0-1 0,0-23 15,0 24-15,0 0 0,0-1 16,0-23-16,0 24 15,24-25-15,-24 1 0,0-1 16,0 0-16,25-24 0,-25 25 16,24-50-1,1 25-15,-25-24 16,24 24-16,1-24 16,-1-1-16,0 25 0,1-24 15,-1 24-15,1-25 0,-1 25 16,25-24-16,-25 24 15,25 0-15,0-25 0,0 25 16,0 0-16,0 0 16,-1-24-16,1 24 0,0 0 15,-24 0-15,-1 0 0,0 0 16,1 0-16</inkml:trace>
-  <inkml:trace contextRef="#ctx0" brushRef="#br0" timeOffset="689">4868 1831 0,'0'-24'0,"0"-1"47,24 25-47,0 0 31,1 0-15,-1 0-16,1 0 0,24-24 16,-1 24-16,1 0 15,0 0-15,0-24 0,24 24 16,-24-25-16,0 25 16,0-24-16,-25 24 0,25 0 15,-25-25-15,1 25 16,-1 0-16</inkml:trace>
-  <inkml:trace contextRef="#ctx0" brushRef="#br0" timeOffset="1902">325 1416 0,'0'-24'15,"24"24"1,-24-25 0,0 1-16,25-1 15,-25 1 1,0 0-16,-25-1 16,1 25-1,-1 0 1,1 25-16,-25-25 0,25 24 15,-25-24-15,25 24 16,-25 1-16,24-25 0,1 24 16,24 1-16,-25-25 0,25 24 15,0 1-15,25-1 16,-1-24-16,25 24 0,-24 1 16,23-25-16,1 24 15,0 1-15,0-25 0,0 24 16,0 1-16,-25-1 0,0-24 15,1 24-15,-25 1 16,-25 24-16,1-25 0,0 1 16,-1-1-16,-24 0 0,-24 1 15,24-1-15,0-24 16,1 0-16,23 0 0,-24 0 16,25 0-16,-1-24 15,25-25-15,25 25 16</inkml:trace>
-  <inkml:trace contextRef="#ctx0" brushRef="#br0" timeOffset="2376">594 1392 0,'0'-25'16,"0"50"15,0-1-15,24-24-16,-24 25 15,0-1-15,0 25 0,0-25 16,0 1-16,0-1 16,0 1-16,0-1 0,0 0 15,0 1-15,0-50 47,0 1-31,0 0-16,0-1 0,0-24 15,0 0-15,0 25 0,0-25 16,0 0-16,24 0 16,-24 1-16,0 23 0,25 1 15,-25-1-15,24 25 16,1 0-16,-1 25 15,1-1-15,-1 1 0,0 23 16,1 1-16,-1 0 16,1 0-16,-1 0 0,1-25 15,-1 25-15,0 0 16,1-25-16,-1 1 0,-24-1 16,0 1-16</inkml:trace>
-  <inkml:trace contextRef="#ctx0" brushRef="#br0" timeOffset="2561">642 1489 0,'-24'0'16,"24"-24"-16,24 24 31,1-24-15,-1 24-16,1 0 0,-1-25 15,25 25-15,0-24 16,-25 24-16</inkml:trace>
-  <inkml:trace contextRef="#ctx0" brushRef="#br0" timeOffset="3014">1033 1318 0,'25'0'0,"-25"-24"16,0 0-1,0-1 1,0 50 15,24-1-15,-24 0-16,24 1 15,1-1-15,-25 25 0,24-24 16,1 23-16,-25-23 0,24-1 16,1 1-16,-25-1 15,0 1-15,24-1 0,-24 0 16,-24-24-1,-1 0-15,1-24 16,-1 24-16,1-24 0,-1-1 16,1 1-16,24-25 15,-24 24-15,-1-23 0,25-1 16,0 0-16,0 24 16,0-23-16,25 23 0,-1 1 15,0-1-15,1 25 0,-1 0 16,25 0-16,-24 0 15,-1 0-15,0 25 0,1-25 16,-1 24-16,-24 1 16,0-1-16,0 0 0,0 1 15,-24-1-15,-1-24 0,-23 25 16,23-1-16,1-24 16,-25 25-16,24-25 0,1 0 15</inkml:trace>
-  <inkml:trace contextRef="#ctx0" brushRef="#br0" timeOffset="3653">1741 1270 0,'-24'0'0,"24"-25"15,-24 25-15,-1-24 16,1-1-16,24 1 16,0 48 15,24-24-31,-24 25 16,25-1-16,-25 1 15,24 23-15,0-23 0,-24-1 16,25 25-16,-25-24 0,24-1 15,-24 0-15,25 1 16,-25-1-16,24 1 0,1-25 16,-25-25-1,0 1 1,0-25-16,0 25 16,0-25-16,0 24 15,0-24-15,0 1 0,0 23 16,0 1-16,0-1 0,24 1 15,0 24-15,1 24 16,-1 1-16,1-1 16,-1 25-16,1-25 15,-1 25-15,0-24 0,25 24 16,-24-25-16,-1 0 0,1 1 16,23-25-16,-23 0 15,-1 0-15,1-25 16,-25 1-16,24-25 15,-24 25-15,0-25 0,0 0 16,-24 0-16,-1 0 0,25 25 16,-24-25-16,24 25 15,-25-1-15,25 1 0,0-1 16,-24 25-16,24 25 16,0-1-1,24 1-15,-24-1 16</inkml:trace>
-  <inkml:trace contextRef="#ctx0" brushRef="#br0" timeOffset="4057">2645 1270 0,'-24'0'16,"-1"0"-1,50 0 48,-1 0-63,25 0 15,-25-25-15,1 25 16,-1 0-16,25-24 0,-24 24 16,-1-25-16,0 1 15,-24 0 1,-24-1-16,0 25 15,-1 0-15,1-24 0,-1 24 16,1 0-16,-25 0 16,25 0-16,-1 24 0,1-24 15,24 25-15,-25-1 16,25 0-16,0 1 0,0-1 16,25 1-16,-1-1 15,1 0-15,-1-24 0,25 25 16,0-25-16,0 0 0,-1 0 15,1-25-15,0 25 16</inkml:trace>
-  <inkml:trace contextRef="#ctx0" brushRef="#br0" timeOffset="4464">3036 1099 0,'-25'-49'0,"1"24"16,0 1-16,-1-25 15,1 25-15,-1-1 0,25 1 16,25 48 15,-1 1-31,1-1 0,-1 25 16,0 0-16,1-25 15,-1 25-15,1-25 0,-1 25 16,1-24-16,-1-1 0,0 1 16,-24-1-16,0 0 15,-24-48 16,24 0-31,0-1 16,-24 1-16,24-1 0,0-24 16,0 25-16,24 0 15,0-1-15,1 1 0,-1 24 16,25 0-16,-24 0 16,23 0-16,1 0 0,-24 24 15,23 1-15,-23-25 0,-1 24 16,-24 0-16,0 1 15,0-1-15,0 1 0,-24-25 16,-1 24-16,1-24 16,-25 0-16,25 0 0,-25 0 15</inkml:trace>
-  <inkml:trace contextRef="#ctx0" brushRef="#br0" timeOffset="4710">3476 854 0,'24'-24'16,"0"24"-1,1 0 17,-25 24-32,24 1 15,-24-1-15,25 25 16,-25-24-16,24 23 0,0-23 15,1 24-15,-25-25 0,24 25 16,-24-25-16,25 1 16,-25-1-16</inkml:trace>
-  <inkml:trace contextRef="#ctx0" brushRef="#br0" timeOffset="4950">3817 928 0,'0'-25'16,"-24"1"-16,24 48 47,24 1-47,-24-1 16,25 1-16,-1-1 15,-24 0-15,25 1 0,-1 24 16,1-25-16,-25 0 15,24 1-15,-24-1 0,24 1 16</inkml:trace>
-  <inkml:trace contextRef="#ctx0" brushRef="#br0" timeOffset="5166">3866 1099 0,'-24'-49'0,"-1"0"0,25 25 15,-24-25-15,24 0 0,0 0 16,0 25-16,24-25 15,1 24-15,-1 25 0,1 0 16,24 0-16,-1 0 0,1 0 16,-24 25-16,23 24 15,1-25-15,-24 25 0,-1-25 16,1 25-16,-1 0 16,-24-25-16,0 25 0,0-24 15,-24-1-15,-1 0 0,1 1 16,-1-1-16,1-24 15</inkml:trace>
-  <inkml:trace contextRef="#ctx0" brushRef="#br0" timeOffset="5459">4501 708 0,'0'-25'0,"25"25"0,-25-24 16,-25 24 0,1 0-1,-1 24 1,1 1-16,0-1 0,24 25 16,-25-24-16,25-1 0,0 25 15,0-25-15,0 25 16,25-24-16,-1-1 0,0 25 15,1-49-15,24 24 0,0 1 16,-25-25-16,25 0 16,0 0-16,0 0 0</inkml:trace>
-  <inkml:trace contextRef="#ctx0" brushRef="#br0" timeOffset="5603">4575 903 0,'-25'0'0,"1"-24"15,24-1 1,24 25 0,1-24-16,23 24 0,-23 0 15,24-24-15,-1 24 16</inkml:trace>
-  <inkml:trace contextRef="#ctx0" brushRef="#br0" timeOffset="6996">936 2320 0,'-25'0'0,"25"-25"15,0 1 1,25 0 0,-25-1-16,24 1 15,-24-1-15,24 1 16,1-1-16,-25 1 0,0-25 16,24 25-16,-24-1 0,0 1 15,0-1-15,-24 1 16,-1 24-16,1 24 0,0 1 15,-1-1-15,1 25 0,-1 24 16,1 1-16,-1 23 16,25 1-16,-24 0 0,24-1 15,24 1-15,-24 0 16,25-25-16,24 0 0,-25 1 16,25-1-16,-25-24 0,25-25 15,-24 1-15,-1-1 16,0 0-16,-48-48 15,0 24 1,-25-24-16,24-1 0,-48-24 16,24 25-16,0-25 0,1 25 15,-1-25-15,24 24 16,1-48-16,24 49 16,0-1-16,49 1 15,-25-1-15,25 1 0,24 0 16,-24-1-16,24 1 0,1-1 15,-1 1-15,0-1 16,0 25-16,-24-24 0,0 0 16,0 24-16,-25-25 15,1 25-15,-1-24 0,-24-1 32,-24 25-32,-1 0 15,1 0-15,0 0 0,-1 0 16,1 25-16,-1-25 15,1 24-15,24 1 0,-25-1 16,25 0-16,-24 25 0,24-24 16,0-1-16,24 1 15,-24-1-15,25-24 0,-1 24 16,1-24-16,-1 0 16,1 0-16,-1 0 0,0 0 15,1-24-15,-1 0 16,-24-1-16,0 1 15,-24-1 1,-1 25-16,25-24 16,-24 24-16,0-25 0,24 1 15,0 0 1,24-1 0,0 25-16,1-24 0,-1-1 15,25 25-15,-25-24 16,25 24-16,-24 0 0,24 0 15,-25 24-15,0-24 0,1 25 16,-1-25-16,-24 24 16,25 1-16,-25-1 0,0 0 15,0 1-15,-25-1 16,1 1 0,-1-25-16,1-25 15,0 1 1,24-1-16,0 1 0,0 0 15,24-25-15,-24 0 16,24 24-16,1-23 0,-1 23 16,1 1-16,-1-1 0,1 1 15,-1 24-15,0 0 16,1 0-16,-1 0 0</inkml:trace>
-  <inkml:trace contextRef="#ctx0" brushRef="#br0" timeOffset="7307">2181 2076 0,'0'-25'0,"-24"25"16,-1 0 0,25 25-1,0-1-15,25 0 16,-25 25-16,24 0 0,-24 0 16,24 0-16,1 0 15,-1 0-15,-24-1 0,25-23 16,-1 24-16,-24-25 15,0 0-15,25 1 0</inkml:trace>
-  <inkml:trace contextRef="#ctx0" brushRef="#br0" timeOffset="7675">2181 2491 0,'-24'-49'15,"24"25"-15,0-1 0,24 1 16,0-1-16,1 1 15,-1-1-15,1 1 0,-1 24 16,1-24-16,23 24 16,-23 0-16,-1 0 0,1-25 15,-1 25-15,1 0 0,-1 0 16,-24-24 0,0-1-1,-24 1 1,24-1-16,0 1 0,0 0 15,-25-1-15,25 1 16,0-1 0,25 50-1,-25-1-15,24 1 16,-24-1-16,24 0 16,-24 25-16,0-24 0,25-1 15,-25 25-15,24-25 16,-24 1-16,0-1 0,25 1 15,-25-1-15</inkml:trace>
-  <inkml:trace contextRef="#ctx0" brushRef="#br0" timeOffset="8119">2743 2051 0,'0'-49'16,"0"25"-16,0-1 0,0 50 31,24-1-15,-24 1-16,0 24 0,25-1 15,-25-23-15,24 24 16,-24 0-16,0-25 0,24 0 16,-24 25-16,0-24 15,0-1-15,25-24 16,-25 24-16,0-48 15,-25 0 1,25-1-16,0-24 16,0 25-16,-24-25 15,24 0-15,0 0 0,0 1 16,0-1-16,24 0 16,-24 24-16,25 1 0,-25 0 15,24 24-15,1 0 0,-25 24 16,24-24-16,1 49 15,-1-25-15,0 25 0,1-24 16,-1 23-16,25 1 0,-24 0 16,-1-24-16,0 23 15,1-23-15,-25-1 0,24 1 16,1-1-16,-25 0 16</inkml:trace>
-  <inkml:trace contextRef="#ctx0" brushRef="#br0" timeOffset="8315">2841 2173 0,'-25'0'0,"1"-24"15,-1 24-15,25-25 0,25 25 32,-1 0-32,25-24 15,0 24-15,0 0 16,-1-24-16,26 24 0,-25 0 15,-1 0-15,1-25 0,0 25 16,-24-24-16</inkml:trace>
-  <inkml:trace contextRef="#ctx0" brushRef="#br0" timeOffset="8549">3329 1856 0,'-24'-25'0,"24"1"0,0 0 31,0 48-15,24 0-16,0 1 0,-24-1 15,25 25-15,-1-25 16,1 25-16,-25 0 0,24-24 16,-24 23-16,24-23 15,-24 24-15,25-25 0,-25 1 16,0-1-16</inkml:trace>
-  <inkml:trace contextRef="#ctx0" brushRef="#br0" timeOffset="8976">3305 1782 0,'0'-48'0,"0"23"16,24 25-16,-24 25 15,24-1-15,1 0 16,-1 1-16,25-1 0,-24 1 16,23 24-16,1-1 15,0-23-15,0-1 0,-25 1 16,25-1-16,-24 1 16,23-1-16,-23-24 0,-1 24 15,1-24-15,-1-24 16,-24 0-1,0-1-15,0 1 0,0-25 16,-24 24-16,24-23 0,-25-1 16,1 24-16,-1-24 15,1 25-15,0-25 0,-1 25 16,1-1-16,-1 1 16,25 48-1,0 1-15,0-1 16,0 1-16,25-1 15,-25 25-15,24 0 0,1-25 16,-1 25-16,0 0 16,1-25-16,-1 1 0,1-1 15,-1 1-15,-24-1 0</inkml:trace>
-  <inkml:trace contextRef="#ctx0" brushRef="#br0" timeOffset="9450">4086 1807 0,'-24'0'0,"24"-25"0,-25 25 15,25 25 17,0-1-32,25-24 15,-25 25-15,0 24 16,24-25-16,-24 25 0,0-25 15,0 25-15,25-24 0,-25 23 16,0-23-16,0-1 16,0 1-16,0-1 15,0-48 17,0-1-32,-25 1 15,25-1-15,0-23 0,0-1 16,0 0-16,0 0 15,0 0-15,0-24 0,0 24 16,0 0-16,25 0 0,-25 25 16,0 0-16,24 24 0,0 0 15,-24 24 1,25 0-16,-1 25 0,-24 0 16,25 0-16,-1 0 15,25 0-15,-25-1 0,1 1 16,-1-24-16,1 24 0,-1-25 15,-24 0-15,24-24 16</inkml:trace>
-  <inkml:trace contextRef="#ctx0" brushRef="#br0" timeOffset="9611">4135 1978 0,'-25'0'0,"25"-25"16,25 25-1,-1-24 1,25 24-16,-24 0 0,23-24 16,-23 24-16,24 0 15,0-25-15,-25 25 0,25 0 16,-25-24-16</inkml:trace>
-</inkml:ink>
-</file>
-
-<file path=ppt/ink/ink15.xml><?xml version="1.0" encoding="utf-8"?>
-<inkml:ink xmlns:inkml="http://www.w3.org/2003/InkML">
-  <inkml:definitions>
-    <inkml:context xml:id="ctx0">
-      <inkml:inkSource xml:id="inkSrc0">
-        <inkml:traceFormat>
-          <inkml:channel name="X" type="integer" max="1920" units="cm"/>
-          <inkml:channel name="Y" type="integer" max="1080" units="cm"/>
-          <inkml:channel name="T" type="integer" max="2.14748E9" units="dev"/>
-        </inkml:traceFormat>
-        <inkml:channelProperties>
-          <inkml:channelProperty channel="X" name="resolution" value="55.81395" units="1/cm"/>
-          <inkml:channelProperty channel="Y" name="resolution" value="55.6701" units="1/cm"/>
-          <inkml:channelProperty channel="T" name="resolution" value="1" units="1/dev"/>
-        </inkml:channelProperties>
-      </inkml:inkSource>
-      <inkml:timestamp xml:id="ts0" timeString="2020-11-08T01:55:40.850"/>
-    </inkml:context>
-    <inkml:brush xml:id="br0">
-      <inkml:brushProperty name="width" value="0.05" units="cm"/>
-      <inkml:brushProperty name="height" value="0.05" units="cm"/>
-      <inkml:brushProperty name="color" value="#ED1C24"/>
-      <inkml:brushProperty name="fitToCurve" value="1"/>
-    </inkml:brush>
-  </inkml:definitions>
-  <inkml:trace contextRef="#ctx0" brushRef="#br0">320 131 0,'0'25'156,"0"-1"-140,-25-24-1,25 25-15,-24-25 0,-1 24 16,1-24-1,-1 0 1,1 0 0,24-24-16,-24-1 15,24 1 1,0-1 0,0 1-16,0-1 15,24 1-15,0 0 16,1-1-1,-1 25-15,1 0 16,-25 25-16,24-25 16,-24 24-16,25-24 0,-25 24 15,24 1-15,-24-1 0,0 1 16,0-1-16,0 25 16,0-25-16,0 1 0,-24-1 15,24 1-15,-25-1 16,1 25-16,-1-25 0,1-24 15,-1 25-15,-23-1 0,23-24 16,1 25-16,-1-25 16,1 0-16,-1 0 15,1 0-15,24-25 16,0 1 0,0-1-1,24 1 1,1 24-16,-1 0 0,1 0 15,-1 0-15,25 24 16,-25 1 0,1-1-16,-1-24 0,1 25 15,-1-1 1,1-24-16,-1 0 16,-24 24-16</inkml:trace>
-  <inkml:trace contextRef="#ctx0" brushRef="#br0" timeOffset="350">466 34 0,'-24'-25'0,"24"50"31,24-25-31,-24 24 16,24-24-16,1 24 0,-1 1 16,1-1-1,-25 25-15,24-24 0,-24-1 16,25 25-16,-25 0 15,0-25-15,0 25 0,0-25 16,0 25-16,0-24 0,-25-1 16,25 1-16,-24 23 15,-1-48-15,1 25 0,-1-1 16</inkml:trace>
-</inkml:ink>
-</file>
-
-<file path=ppt/ink/ink16.xml><?xml version="1.0" encoding="utf-8"?>
-<inkml:ink xmlns:inkml="http://www.w3.org/2003/InkML">
-  <inkml:definitions>
-    <inkml:context xml:id="ctx0">
-      <inkml:inkSource xml:id="inkSrc0">
-        <inkml:traceFormat>
-          <inkml:channel name="X" type="integer" max="1920" units="cm"/>
-          <inkml:channel name="Y" type="integer" max="1080" units="cm"/>
-          <inkml:channel name="T" type="integer" max="2.14748E9" units="dev"/>
-        </inkml:traceFormat>
-        <inkml:channelProperties>
-          <inkml:channelProperty channel="X" name="resolution" value="55.81395" units="1/cm"/>
-          <inkml:channelProperty channel="Y" name="resolution" value="55.6701" units="1/cm"/>
-          <inkml:channelProperty channel="T" name="resolution" value="1" units="1/dev"/>
-        </inkml:channelProperties>
-      </inkml:inkSource>
-      <inkml:timestamp xml:id="ts0" timeString="2020-11-08T01:56:28.644"/>
-    </inkml:context>
-    <inkml:brush xml:id="br0">
-      <inkml:brushProperty name="width" value="0.05" units="cm"/>
-      <inkml:brushProperty name="height" value="0.05" units="cm"/>
-      <inkml:brushProperty name="color" value="#ED1C24"/>
-      <inkml:brushProperty name="fitToCurve" value="1"/>
-    </inkml:brush>
-  </inkml:definitions>
-  <inkml:trace contextRef="#ctx0" brushRef="#br0">80 264 0,'-24'0'109,"-1"0"-47,25 24-62,-24-24 32,48 0 30,1 0-62,-1 0 16,1 0-16,-1 0 0,0 0 15,1-24 1,-1 24-16,1 0 16,-1 0-1,-48 0 48,-1 0-48</inkml:trace>
-  <inkml:trace contextRef="#ctx0" brushRef="#br0" timeOffset="852">495 117 0,'-24'0'16,"48"0"46,1 0-46,-1 0-16,1-24 15,-1 24-15,0 0 0,25 0 16,-24 0-16,-1-24 0,25 24 16,-25 0-16,1 0 15,-1 0-15,1 0 16,-1 0 0</inkml:trace>
-  <inkml:trace contextRef="#ctx0" brushRef="#br0" timeOffset="1134">691 117 0,'0'25'63,"24"-1"-48,-24 1 1,25-1-16,-25 0 16,0 1-16,0-1 0,0 1 15,0-1 1,0 1-16,0-1 15,0 0 1</inkml:trace>
-  <inkml:trace contextRef="#ctx0" brushRef="#br0" timeOffset="1662">984 264 0,'24'0'78,"1"0"-62,-1 0-1,-24-24 1,25 24-16,-1-25 31,-24 1-15,0-1-1,-24 25 1,24-24-16,-25 24 16,1 0-1,24 24-15,-25-24 16,25 25-16,0-1 16,0 1-16,0-1 15,0 0-15,0 1 16,25-25-1,-25 24-15,24 1 16,1-25 0,-1 0-16</inkml:trace>
-  <inkml:trace contextRef="#ctx0" brushRef="#br0" timeOffset="2329">1252 215 0,'0'-24'32,"0"48"30,25-24-62,-25 25 16,24-1-16,-24 0 15,0 1-15,25-1 16,-25 1 0,0-1-1,0-48 17,-25 24-17,25-25-15,0 1 16,0-1-16,0 1 15,25 0 1,-25-1-16,24 25 16,-24-24-16,25 24 0,-1 0 15,0 24 1,1 1 0,-1-1-1,1 0-15,-25 1 16,24-25-16,-24 24 15,-24-48 17,24-1-17,0 1 1,0 0-16,24-1 16,-24 1-1,25 24-15,-1-25 16,0 25-1,1 25-15,-25-1 16,0 1-16,24-1 16,-24 0-1,0 1-15,0-1 0,0 1 16,0-1 0</inkml:trace>
-  <inkml:trace contextRef="#ctx0" brushRef="#br0" timeOffset="2892">1741 117 0,'0'-24'15,"0"48"32,0 1-31,0-1-16,0 1 0,24-1 15,-24 1-15,0-1 0,25 0 16,-25 25-16,24-24 16,-24-1-16,25 25 0,-25-25 15,0 1-15,24-1 16,-24 1-16,0-1 0,0 0 15,0 1-15,0-1 16,-24-24 15,24-24-31,0-1 16,0 1-16,-25 0 16,25-1-16,0 1 0,0-25 15,0 24-15,0-23 16,25 23-16,-25 1 0,0-1 15,24-23-15,0 48 16,-24-25-16,25 25 0,-1-24 16,1 24-16,-1 0 15,-24 24-15,25 1 16,-25-1-16,0 0 16,0 1-1,0-1-15,0 1 0,-25-25 16,25 24-16,-24-24 0,-1 0 15,1 0 1</inkml:trace>
-  <inkml:trace contextRef="#ctx0" brushRef="#br0" timeOffset="3151">2107 93 0,'25'0'0,"-25"-24"32,0 48-1,24-24-31,-24 24 16,25-24-16,-25 25 0,24-1 15,-24 25-15,0-25 0,24 1 16,-24-1-16,0 1 15,0-1-15,0 1 0,0-1 16,0 0-16,0 1 16</inkml:trace>
-  <inkml:trace contextRef="#ctx0" brushRef="#br0" timeOffset="3996">2620 264 0,'0'-24'15,"25"24"-15,-25-25 16,0 1-1,0-1 1,0 1-16,-25 24 16,1-25-16,-1 25 15,1 0 1,0 0-16,24 25 16,-25-1-16,1-24 0,24 25 15,-25-1-15,25 1 16,0-1-16,0 0 0,0 1 15,0-1-15,25 1 16,-1-1-16,1 0 16,-1-24-16,-24 25 0,24-25 15,1 0-15,-1 0 16,-24-25-16,25 1 0,-1 24 16,-24-24-16,24 24 15,-24-25-15,0 1 0,25-1 16,-25 1-16,0 0 15,0-1 1,0 1-16,0 48 31,0 1-15,0-1-16,0 0 16,24 1-16,-24-1 15,25-24-15,-25 25 0,0-1 16,24-24-16,1 24 15,-1-24 1,0-24-16,-24 0 16,25 24-1,-25-25-15,24 1 0,-24-1 16,0 1-16,0 0 16,0-25-16,0 24 0,0 1 15,0-25-15,0 25 0,0-1 16,-24 1-16,24-1 15,0 50 17,0-1-32,0 1 15,24 23-15,-24-23 0,0 24 16,25-25-16,-25 25 16,0-25-16,24 25 0,-24-24 15,0-1-15,0 0 0,25 1 16,-25-1-1</inkml:trace>
-  <inkml:trace contextRef="#ctx0" brushRef="#br0" timeOffset="4225">2889 191 0,'-25'0'16,"50"0"15,-1 0-15,1-25-16,-1 25 15,1 0-15,-1 0 16,25-24-16,-25 24 0,1 0 16,-1 0-16,1 0 0</inkml:trace>
-  <inkml:trace contextRef="#ctx0" brushRef="#br0" timeOffset="4764">3231 239 0,'-25'0'16,"25"25"-16,25-25 31,-1 0-31,1 0 16,-1-25-1,0 25-15,1 0 16,-1 0-1,1-24-15,-1 24 0,1-24 16,-1 24-16,-24-25 16,24 25-16,-24-24 15,0-1-15,-24 1 32,0 24-32,24-24 15,-25 24-15,1 0 0,-1 0 16,1 0-1,-1 0-15,1 24 0,24 0 16,-24 1 0,24-1-16,0 1 0,0-1 15,0 0-15,24 25 0,-24-24 16,24-1-16,1 1 16,-1-1-16,1-24 0,-1 24 15,1-24-15,-1 0 16,25 0-16,-25 0 0,1 0 15,24-24-15,-25 24 0,-24-24 16,24-1-16</inkml:trace>
-</inkml:ink>
-</file>
-
-<file path=ppt/ink/ink17.xml><?xml version="1.0" encoding="utf-8"?>
-<inkml:ink xmlns:inkml="http://www.w3.org/2003/InkML">
-  <inkml:definitions>
-    <inkml:context xml:id="ctx0">
-      <inkml:inkSource xml:id="inkSrc0">
-        <inkml:traceFormat>
-          <inkml:channel name="X" type="integer" max="1920" units="cm"/>
-          <inkml:channel name="Y" type="integer" max="1080" units="cm"/>
-          <inkml:channel name="T" type="integer" max="2.14748E9" units="dev"/>
-        </inkml:traceFormat>
-        <inkml:channelProperties>
-          <inkml:channelProperty channel="X" name="resolution" value="55.81395" units="1/cm"/>
-          <inkml:channelProperty channel="Y" name="resolution" value="55.6701" units="1/cm"/>
-          <inkml:channelProperty channel="T" name="resolution" value="1" units="1/dev"/>
-        </inkml:channelProperties>
-      </inkml:inkSource>
-      <inkml:timestamp xml:id="ts0" timeString="2020-11-08T01:56:53.272"/>
-    </inkml:context>
-    <inkml:brush xml:id="br0">
-      <inkml:brushProperty name="width" value="0.05" units="cm"/>
-      <inkml:brushProperty name="height" value="0.05" units="cm"/>
-      <inkml:brushProperty name="color" value="#ED1C24"/>
-      <inkml:brushProperty name="fitToCurve" value="1"/>
-    </inkml:brush>
-  </inkml:definitions>
-  <inkml:trace contextRef="#ctx0" brushRef="#br0">49 73 0,'-24'0'0,"-1"0"15,50 0 16,-1 25-15,-24-1 0,25-24-1,-25 25 1,0-1-16,0 0 16,0 1-1,0-1 16</inkml:trace>
-  <inkml:trace contextRef="#ctx0" brushRef="#br0" timeOffset="295">171 24 0,'0'-24'16,"-24"24"-16,24 24 47,0 1-32,0-1 1,0 1-16,0-1 16,0 1-1,0-1-15</inkml:trace>
-  <inkml:trace contextRef="#ctx0" brushRef="#br0" timeOffset="727">465 318 0,'24'0'47,"0"0"-31,1 0-16,-1 0 15,1 0-15,-1 0 16,0 0-16,1 0 16,-25 24-16,24-24 15</inkml:trace>
-  <inkml:trace contextRef="#ctx0" brushRef="#br0" timeOffset="1416">929 98 0,'0'-25'15,"0"1"17,0 48-1,0 1-31,0-1 16,0 1-16,0-1 15,0 0-15,0 1 0,0-1 16,0 1-16,0-1 15,24-24-15,-24 25 0,24-25 16,-24 24-16,25-24 0,-1 24 16,1-24-16,-1 0 15,0 0-15,1 0 16,-1 0-16,-24-24 16,25 24-16,-25-24 0,0-1 15,24 1-15,-24-1 0,0 1 16,0-1-16,0 1 15,0 0-15,0 48 32,-24-24-32,24 24 15,0 1-15,-25-1 0,1 25 16,24-24-16,-25-1 16,25 25-16,0-25 0,-24 1 15,24 24-15,0-25 0,0 0 16,-24 1-16,24-1 15,0 1-15,0-1 16,0 0 0</inkml:trace>
-  <inkml:trace contextRef="#ctx0" brushRef="#br0" timeOffset="1915">1393 391 0,'-25'24'93,"25"1"-77,-24-1-16,24 1 16,0-1-16,0 0 15,0 1-15,24-25 16,-24 24-16,25-24 15,-1 0-15,0 0 16,1 0-16,-1-24 16,1-1-1,-1 1-15,-24 0 16,0-1-16,25 1 16,-25-1-1,-25 1-15,1 24 16,24-25-16,-25 25 15,1 0-15,-1 0 16,25 25-16,-24-25 0,24 24 16,0 1-1</inkml:trace>
-  <inkml:trace contextRef="#ctx0" brushRef="#br0" timeOffset="2390">1710 464 0,'24'0'62,"1"0"-46,-1 0 0,1 0-16,-1 0 15,1 0 1,-25-24-16,24 24 16,-24-25-16,0 1 15,0-1 1,-24 25-1,24-24-15,-25 24 0,1 0 16,-1 0 0,1 0-1,24 24-15,-25 1 16,25-1-16,0 1 16,0-1-16,0 1 15,25-1-15,-25 0 16,24 1-16,-24-1 15,25-24-15,-1 0 16,1 0-16</inkml:trace>
-  <inkml:trace contextRef="#ctx0" brushRef="#br0" timeOffset="3072">2028 391 0,'0'-25'0,"-25"1"16,25 0 0,0 48 15,25-24-31,-25 24 16,24 1-16,-24-1 15,24 1-15,-24-1 16,0 1-16,25-1 15,-25 0-15,0 1 16,0-50 47,0 1-63,0 0 15,0-1 1,0 1-16,0-1 0,0 1 15,0-1-15,24 1 16,-24 0-16,25 24 16,-25-25-16,24 25 0,1 0 15,-25 25-15,24-1 16,-24 0 0,0 1-16,0-1 15,0 1-15,0-1 16,0 1-16,0-1 15,0-48 17,0-1-17,0 1-15,24-1 16,-24 1 0,25-1-1,-1 1-15,1 0 0,-1-1 16,1 25-16,-1 0 15,0 25 1,-24-1-16,0 0 16,25 1-16,-25-1 0,0 1 15,0-1-15,0 1 16,0-1-16,0 0 16</inkml:trace>
-  <inkml:trace contextRef="#ctx0" brushRef="#br0" timeOffset="3646">2760 440 0,'0'-25'0,"25"1"16,-25-1-1,0 1 1,0 0 0,0-1-1,-25 25-15,25-24 16,-24 24-16,-1 24 16,1-24-1,24 25-15,-24-25 0,24 24 16,-25 0-16,25 1 15,-24-1-15,24 1 0,-25-1 16,25 1-16,0-1 16,25-24-1,-25 24-15,24-24 0,1 0 16,-1 0 0,0 0-16,-24-24 15,25 24-15,-25-24 0,24 24 16,-24-25-16,0 1 15,25 24-15,-25-25 0,0 1 16,0-1-16,24 1 16,-24 0-16,0-1 0,25 25 15,-25 25 17,0-1-32,0 25 15,24-25-15,-24 1 0,0-1 16,0 1-16,0-1 15,0 0-15,24-24 16,-24 25-16</inkml:trace>
-  <inkml:trace contextRef="#ctx0" brushRef="#br0" timeOffset="4087">3004 318 0,'0'-25'0,"-24"1"16,24 48 31,0 1-47,0-1 16,0 0-16,24-24 15,-24 25-15,0-1 16,25 1-16,-25-1 15,0 1 1,24-25-16,-24 24 16,0-48 15,0-1-15,0 1-1,25-1-15,-25 1 16,24 24-16,-24-25 0,25 1 15,-1 24-15,-24-24 16,24-1-16,1 25 0,-1 0 16,1 0-1,-25 25-15,24-1 16,-24 0-16,0 1 0,0-1 16,0 1-16,0-1 15,-24 1-15</inkml:trace>
-</inkml:ink>
-</file>
-
-<file path=ppt/ink/ink18.xml><?xml version="1.0" encoding="utf-8"?>
-<inkml:ink xmlns:inkml="http://www.w3.org/2003/InkML">
-  <inkml:definitions>
-    <inkml:context xml:id="ctx0">
-      <inkml:inkSource xml:id="inkSrc0">
-        <inkml:traceFormat>
-          <inkml:channel name="X" type="integer" max="1920" units="cm"/>
-          <inkml:channel name="Y" type="integer" max="1080" units="cm"/>
-          <inkml:channel name="T" type="integer" max="2.14748E9" units="dev"/>
-        </inkml:traceFormat>
-        <inkml:channelProperties>
-          <inkml:channelProperty channel="X" name="resolution" value="55.81395" units="1/cm"/>
-          <inkml:channelProperty channel="Y" name="resolution" value="55.6701" units="1/cm"/>
-          <inkml:channelProperty channel="T" name="resolution" value="1" units="1/dev"/>
-        </inkml:channelProperties>
-      </inkml:inkSource>
-      <inkml:timestamp xml:id="ts0" timeString="2020-11-08T01:55:42.092"/>
-    </inkml:context>
-    <inkml:brush xml:id="br0">
-      <inkml:brushProperty name="width" value="0.05" units="cm"/>
-      <inkml:brushProperty name="height" value="0.05" units="cm"/>
-      <inkml:brushProperty name="color" value="#ED1C24"/>
-      <inkml:brushProperty name="fitToCurve" value="1"/>
-    </inkml:brush>
-  </inkml:definitions>
-  <inkml:trace contextRef="#ctx0" brushRef="#br0">49 516 0,'-25'0'15,"25"-24"1,0 48 0,0 1-1,0-1 1,0 1-16,0-1 0,0 0 15,25 1-15,-25-1 16,0 1-16,0-1 0,0 1 16,0-1-16,0 0 15,0 1 1,0-50 15,0 1-15,0 0-16,0-1 0,-25 1 15,25-25-15,0 24 16,0-23-16,-24 23 0,24-24 16,0 25-16,0-1 15,0 1-15,24 0 0,-24-1 16,25 1-16,-1 24 0,1-25 16,-1 25-16,0 0 15,1 0-15,-1 0 0,25 0 16,-24 0-16,-1 25 15,0-1-15,1-24 0,-25 25 16,24-1-16,-24 0 0,0 25 16,-24-24-1,24-1-15,-25 1 0,1-1 16,24 0-16,-24 1 0,-1-1 16,1-24-16,24 25 15,-25-25-15,1 0 16,48-25-1,1 1 1,-1 24 0,1-25-16,-1 25 15,0 0-15,1 0 0,-1 0 16,-24 25-16,25-25 16,-1 24-16,-24 1 0,0-1 15,25-24-15,-25 25 0,0-1 16,0 0-16,-25-24 15,1 25-15,24-1 0,-25-24 16,1 0-16,-1 0 16,-23 25-16,23-25 0,1 0 15,-1 0-15,1-25 0,-1 25 16,1-24-16,24-1 16</inkml:trace>
-  <inkml:trace contextRef="#ctx0" brushRef="#br0" timeOffset="486">635 590 0,'0'-25'31,"-24"25"-15,24 25 15,0-1-15,0 0-16,0 1 0,0-1 15,0 1-15,0-1 16,0 1-16,24-1 0,-24 0 15,24 1-15,-24-1 16,25-24-16,-1 25 0,1-25 16,-1 0-16,0-25 15,1 1 1,-25-1-16,24 1 16,-24 0-16,0-1 15,0 1-15,0-1 0,0-24 16,0 25-16,0 0 15,0-1-15,-24 25 16,24 25 15,0-1-31</inkml:trace>
-  <inkml:trace contextRef="#ctx0" brushRef="#br0" timeOffset="785">977 541 0,'0'-25'16,"24"25"30,-24 25-46,0-1 16,0 1 0,25-1-16,-25 0 15,0 1-15,0-1 0,0 1 16,0-1 0,0 1-16,0-1 15</inkml:trace>
-  <inkml:trace contextRef="#ctx0" brushRef="#br0" timeOffset="972">1001 345 0,'0'-24'16,"-24"24"-16,-1 0 31,25 24 0</inkml:trace>
-  <inkml:trace contextRef="#ctx0" brushRef="#br0" timeOffset="1267">1172 394 0,'-24'0'16,"24"25"15,24-25-16,-24 24-15,0 0 16,0 1-16,25-1 0,-25 25 16,0-24-16,0-1 15,0 25-15,0-25 0,0 1 16,0 24-16,0-25 0,0 0 16,0 1-1,0-1-15</inkml:trace>
-  <inkml:trace contextRef="#ctx0" brushRef="#br0" timeOffset="1866">1636 663 0,'-24'0'0,"-1"0"16,25-25-16,0 1 16,-24 0-1,24-1 1,-24 25 0,-1 0-16,1 0 15,-1 25 1,1-25-16,24 24 0,-25-24 15,25 24-15,-24 1 0,24-1 16,0 1-16,0-1 16,24 1-16,1-1 15,-1 0 1,1-24-16,-1 0 16,1 0-16,23 0 15,-23-24-15,-1 0 16,1 24-16,-25-25 0,24 1 15,1-1-15,-25 1 0,0-1 16,24-23-16,-24 23 16,0 1-16,0-25 0,-24 24 15,24 1-15,-25 0 16,25-1-16,0 1 0,-24-1 16,24 50 15,0-1-31,0 1 0,0-1 15,24 25-15,-24-25 16,0 25-16,25-24 0,-25 23 16,0-23-16,24 24 0,-24-25 15,0 1-15,0-1 16,0 0-16</inkml:trace>
-  <inkml:trace contextRef="#ctx0" brushRef="#br0" timeOffset="2432">2149 516 0,'0'-24'0,"0"48"47,0 1-32,0-1-15,0 1 16,0-1-16,0 0 16,-24 1-16,24-1 0,-25 1 15,25-1-15,0 1 0,-24-1 16,24 0-1,0-48 17,0 0-17,0-1-15,0 1 0,24-1 16,-24 1-16,0-25 16,25 25-16,-25-25 0,0 0 15,0 24-15,24-23 0,-24 23 16,25 1-16,-25-1 15,24 1-15,0 24 0,1 24 16,-1 1 0,1-1-16,-25 25 15,24-25-15,1 1 16,-25 24-16,24-25 0,-24 25 16,24-25-16,-24 1 0,25 24 15,-25-25-15,0 1 16,0-1-16,0 0 15</inkml:trace>
-  <inkml:trace contextRef="#ctx0" brushRef="#br0" timeOffset="2617">2174 614 0,'-25'-24'0,"1"24"16,48 0 15,1 0-31,-25-25 16,48 25-16,-23 0 0,-1-24 15,1 24-15,24-25 16,-25 25-16,0 0 0</inkml:trace>
-  <inkml:trace contextRef="#ctx0" brushRef="#br0" timeOffset="3234">2833 565 0,'24'0'15,"-24"-24"1,-24-1-1,0 25 1,-1-24 0,1 24-16,-1 0 15,1 0-15,-1 0 0,1 0 16,0 0-16,-1 0 16,25 24-16,-24 1 0,-1-1 15,25 1-15,0-1 16,0 0-16,0 1 15,0-1-15,25-24 0,-1 25 16,-24-1-16,25-24 16,-1 0-16,-24 25 0,24-25 15,1 0-15,-1 0 0,1-25 16,-1 25-16,1-24 16,-1-1-16,0 1 15,1 24-15,-25-25 0,0 1 16,24 0-16,-24-1 15,0 1-15,0-25 16,0 24-16,0 1 0,0-25 16,0 25-16,0-25 0,0 24 15,-24 1-15,24 0 16,0 48 15,0 0-31,0 1 16,24-1-16,-24 1 0,0 24 15,25-25-15,-25 25 16,0-25-16,0 25 0,0-24 16,0-1-16,24 25 0,-24-25 15,0 1-15,0-1 16</inkml:trace>
-  <inkml:trace contextRef="#ctx0" brushRef="#br0" timeOffset="4340">3297 614 0,'24'0'0,"-24"-24"15,0-1-15,25 1 16,-25-1-1,0 1 1,0-1 0,-25 25-1,1-24-15,0 24 0,-1 0 16,1 0-16,-1 24 0,1-24 16,-1 25-16,1-25 15,24 24-15,-24 1 0,24-1 16,0 1-16,0-1 15,0 0-15,24 1 16,-24-1-16,24 1 0,1-25 16,-1 24-1,1-24-15,-1 0 16,1-24-16,-1-1 16,0 25-16,-24-24 15,25 24-15,-25-25 0,24 1 16,-24 0-1,0-1-15,0 1 16,0-1 0,0 50-1,25-1 1,-25 1 0,24-1-16,1 0 15,-1-24 1,-24 25-16,24-25 15,1 0 1,-1-25 0,-24 1-16,25 24 0,-25-24 15,0-1-15,24 25 0,-24-24 16,0-1-16,0 1 16,0-1-16,-24 1 0,24-25 15,0 25-15,-25-1 16,25 1-16,-24 24 15,24-24-15,0 48 16,0 0 0,24 1-16,-24-1 15,0 1-15,0 23 0,25 1 16,-25-24-16,24 24 0,-24-1 16,0 1-16,25 0 15,-25-24-15,0 23 0,0-23 16,0 24-16,24-25 0,-24 0 15,0 1-15,0-1 16,0 1-16,0-1 16,0-48-1,0-1 1,0 1-16,0-1 16,0 1-16,-24-25 15,24 25-15,0-25 0,0 25 16,-25-25-16,25 24 0,0-24 15,0 25-15,25 0 16,-25-1-16,24 1 0,0 24 16,-24-25-1,25 25-15,-1 0 0,-24 25 16,25-25-16,-1 24 0,1 1 16,-25-1-1,0 0 1,-25 1-1,1-25-15,-1 0 16,1 0-16,-1 0 16,1-25-1</inkml:trace>
-  <inkml:trace contextRef="#ctx0" brushRef="#br0" timeOffset="4626">4005 345 0,'0'-24'0,"-24"0"16,24 48 15,0 0-15,0 1-16,0 24 15,24-25-15,-24 0 0,0 1 16,25 24-16,-25-25 16,0 1-16,24 23 0,-24-23 15,0-1-15,0 1 16,0-1-16,0 1 16</inkml:trace>
-  <inkml:trace contextRef="#ctx0" brushRef="#br0" timeOffset="5208">4030 614 0,'-25'-24'15,"25"-1"1,-24 25-16,24-24 16,24 24-1,1 0 1,-1 0-16,1 0 0,-25-25 15,48 25-15,-23 0 16,-1 0-16,1-24 0,-1 24 16,1 0-16,-1 0 0,0-25 15,1 25 1,-50 0 31,1 0-16,24 25-31,0-1 16,0 1-16,0-1 15,0 1-15,24-1 0,-24 0 16,25-24-16,-1 25 0,-24-1 16,25 1-16,-1-25 15,1 0-15,23 24 0,-23-24 16,-1 0-16,1-24 15,-1 24-15,0-25 0,1 1 16,-25-1-16,0 1 16,-25 0-1,1-1-15,24 1 0,-24-1 16,-1 25-16,1-24 16,-1 24-16,1 0 0,0-25 15,-1 25-15,1 0 0,24 25 31,0-1-15</inkml:trace>
-  <inkml:trace contextRef="#ctx0" brushRef="#br0" timeOffset="5598">4616 492 0,'24'0'47,"-24"-25"-31,25 25-16,-1 0 16,1 25-16,-1-25 15,0 24-15,1 1 16,-1-1-16,1-24 0,-1 25 15,-24-1-15,25 0 16,-25 1-16,0-1 16,-25-24-16,1 0 15,-1 0 1,1 0-16,24-24 16,-25 24-16,25-25 0,0 1 15,25 0 1,-25-1-16,24 1 0,1-1 15,-1 1-15,1-1 16,-1 1-16,0 24 16,1 0-16,-25-24 15</inkml:trace>
-  <inkml:trace contextRef="#ctx0" brushRef="#br0" timeOffset="5874">5300 492 0,'-25'24'16,"50"-24"15,-1 0-16,1 0-15,-1 0 16,0 0-16,1 0 0,-1 0 16,1 0-1,-1 0-15,-24-24 32</inkml:trace>
-  <inkml:trace contextRef="#ctx0" brushRef="#br0" timeOffset="6389">5788 297 0,'-24'-25'15,"-1"25"1,50 0 15,-1 0-15,1 0-16,23-24 15,-23 24-15,24 0 16,0 0-16,-1-25 0,1 25 16,0 0-16,0 0 0,-25-24 15,25 24-15,-24 0 16,-1 0-16</inkml:trace>
-  <inkml:trace contextRef="#ctx0" brushRef="#br0" timeOffset="6624">6057 199 0,'-25'0'15,"1"0"-15,24 24 16,0 1 15,0-1-31,24-24 16,-24 49-16,25-25 15,-25 1-15,0 24 0,24-25 16,-24 25-16,25-25 0,-25 25 16,0-24-16,0-1 15,24 0-15,-24 1 0,0-1 16,0 1 0</inkml:trace>
-  <inkml:trace contextRef="#ctx0" brushRef="#br0" timeOffset="7038">6252 516 0,'0'-24'16,"0"-1"-1,25 25 16,-1 0-31,1 25 16,-1-25-16,-24 24 16,24-24-16,1 25 0,-1-1 15,1 1-15,-25-1 16,24 0-16,-24 1 0,0-1 16,0 1-16,-24-25 15,-1 0 1,1 0-1,-1-25 1,25 1-16,0-1 16,0 1-16,0 0 0,25-1 15,-1 1-15,1-1 16,-25 1-16,24-1 0,0 1 16,1 24-16,-1-24 15,1 24 1,-25 24-16</inkml:trace>
-  <inkml:trace contextRef="#ctx0" brushRef="#br0" timeOffset="7476">6594 492 0,'0'-25'15,"25"25"1,-25 25 15,24-25-31,-24 24 16,0 1-16,0-1 0,24 1 16,-24-1-16,0 0 15,25 1-15,-25-1 16,0 1-16,24-25 15,-24 24-15,25-24 0,-1 25 16,1-25 0,-1-25-16,-24 1 15,24 24-15,-24-25 0,25 1 16,-25-1-16,24 1 16,-24 0-16,0-1 15,0 1-15,-24-1 0,24 1 16,0-1-1,-25 25-15,25-24 16</inkml:trace>
-  <inkml:trace contextRef="#ctx0" brushRef="#br0" timeOffset="7968">7302 541 0,'0'-25'15,"-24"25"1,24-24-16,-24-1 31,-1 25-31,25-24 16,-24 24-16,-1 0 0,1 0 15,-1 24 1,1-24-16,0 25 16,24-1-16,0 1 15,0-1 1,0 1-16,24-25 15,-24 24-15,24-24 16,1 0-16,-1 24 0,1-24 16,-1 25-16,1-25 0,-1 0 15,0 0-15,-24 24 16,25-24-16,-25 25 16,-25-25-1,1 24 1,0-24-16,-25 0 0,24 0 15,1 0-15,-25 0 16,25 25-16,-1-25 0,1 0 16,-1 0-1,25-25-15</inkml:trace>
-  <inkml:trace contextRef="#ctx0" brushRef="#br0" timeOffset="8269">7522 321 0,'0'-24'16,"-24"24"0,24 24-1,0 0 1,0 1-1,24-1-15,-24 1 0,0-1 16,25 25-16,-25-25 0,0 1 16,0 24-16,0-25 15,0 0-15,24 1 0,-24 24 16,0-25 0,0 1-16</inkml:trace>
-  <inkml:trace contextRef="#ctx0" brushRef="#br0" timeOffset="8461">7473 614 0,'0'-24'0,"-24"24"16,24-25-16,24 25 15,1-24 1,-1 24-16,1 0 15,-1 0-15,0-25 0,25 25 16,-24 0-16,-1 0 16,1-24-16,-1 24 0</inkml:trace>
-  <inkml:trace contextRef="#ctx0" brushRef="#br0" timeOffset="9241">8157 443 0,'-24'0'0,"24"24"16,-25-24-16,25 25 31,25-1-31,-25 1 16,0-1-16,0 25 15,24-25-15,-24 1 0,0 24 16,0-25-16,0 1 0,0-1 16,0 0-16,0 1 15,0-1-15,0-48 31,0-1-31,0 1 16,0 0-16,0-1 0,0-24 16,0 25-16,0-25 15,0 0-15,0 0 0,0 0 16,0-24-16,25 24 16,-25 0-16,24-24 0,-24 24 15,24 1-15,1-1 0,-1 24 16,1 1-16,24-1 15,-25 25-15,0 0 0,1 25 16,24-1-16,-25 1 16,1-1-16,-25 25 0,24 0 15,-24 0-15,24-1 0,-24 1 16,0-24-16,-24 24 16,0-1-16,-1-23 0,1-1 15,-25 25-15,0-24 16,0-25-16,25 24 0,-25 0 15,24-24-15,-23 0 0,23 0 16,25-24 0,0 0-1,0-1 1,25 25-16,-1 0 16,0 0-16,1 0 15,-1 25-15,1-25 16,-1 24-16,1 0 0,-1 1 15,0-1-15,1 1 0,-25-1 16,24 1-16,1-1 16,-1-24-16,1 24 0,-1 1 15,0-25 1</inkml:trace>
-  <inkml:trace contextRef="#ctx0" brushRef="#br0" timeOffset="9691">8670 614 0,'0'-24'0,"25"24"93,-1 0-93,0-25 16,1 25-16,-1 0 16,-24-24-1,25 24-15,-25-25 16,0 1 0,0-1-1,-25 25-15,1-24 16,-1 24-1,1 0-15,0 0 16,24 24-16,-25-24 0,25 25 16,0-1-16,-24 1 15,24-1-15,0 1 0,0-1 16,24 0-16,-24 1 16,25-1-16,-25 1 0,24-1 15,0 1-15,1-25 0,-1 24 16,1-24-1,-1 0-15,1-24 0,-1-1 16,-24 1-16</inkml:trace>
-  <inkml:trace contextRef="#ctx0" brushRef="#br0" timeOffset="9889">8939 443 0,'-25'-49'0,"25"25"15,0-1-15,0 1 0,-24-1 16,24 1-1,-25 48 1,25 1 0,0-1-16,0 1 0,0-1 15,0 25-15,25-25 0,-25 25 16,0 0-16,0-24 16,24 23-16,-24-23 0,0-1 15</inkml:trace>
-  <inkml:trace contextRef="#ctx0" brushRef="#br0" timeOffset="10682">9232 687 0,'0'-24'15,"0"-1"1,24 1-16,-24 0 16,-24-1-1,-1 25-15,25-24 16,-24 24-16,0-25 0,-1 25 16,1 0-1,24 25-15,-25-25 16,25 24-16,-24 1 0,24-1 15,0 0 1,0 1-16,0-1 0,24 1 16,-24-1-1,25-24-15,-25 25 0,24-25 16,1 0-16,-1 0 16,0 0-16,1 0 15,-1 0-15,1-25 16,-1 1-1,-24-1-15,25 1 16,-25-1-16,0 1 0,0 0 16,0-1-1,-25 25-15,25 25 32,25-1-17,-25 0 1,24-24-16,-24 25 15,24-1-15,1-24 16,-1 25 0,1-25-16,-1-25 15,0 1 1,-24-1 0,0 1-16,0 0 0,0-1 15,0 1-15,0-1 0,-24-24 16,24 25-16,0 0 15,-24-1-15,24 1 0,0-1 16,0 50 15,0-1-31,0 1 16,0-1-16,0 0 0,0 25 16,0-24-16,24 24 0,-24-25 15,24 25-15,-24-25 16,0 1-16,25-1 0,-25 1 15,0-1 1</inkml:trace>
-  <inkml:trace contextRef="#ctx0" brushRef="#br0" timeOffset="11047">9427 638 0,'0'-24'0,"0"0"31,25 24-15,-1 0-16,1 0 16,-1-25-16,0 25 15,1 0 1,-1 0-16,1-24 0,-1 24 16,-24-25-1,24 25-15,-24-24 16,0 48 46,25-24-62,-25 25 0,0-1 16,0 1-16,24-1 0,-24 0 16,25 1-1,-25-1-15,0 1 0,24-1 16</inkml:trace>
-  <inkml:trace contextRef="#ctx0" brushRef="#br0" timeOffset="11239">9769 297 0,'0'24'31,"0"0"-15</inkml:trace>
-  <inkml:trace contextRef="#ctx0" brushRef="#br0" timeOffset="12493">9989 467 0,'-24'0'16,"-1"0"-1,1 0 1,24 25-1,0-1 1,0 1-16,0-1 16,0 1-16,0-1 0,0 0 15,24 1-15,1-1 16,-1 1-16,0-1 16,1-24-16,-1 0 15,1 0 1,-25-24-16,24 24 0,-24-25 15,25 25-15,-25-24 16,0-1-16,0 1 0,0 0 16,0-1-16,-25-24 15,1 25-15,24-1 0,-25 25 16,1-24-16,-1 0 0,1 24 16,0 0-1,-1 24-15,25 0 16,0 1-16,0-1 15,0 1 1,25-25-16,-25 24 0,24 1 16,0-25-1,1 0 1,-1 0-16,1-25 16,-1 25-1,-24-24-15,25-1 31,-1 1-31,-24-1 16,24 25-16,-24-24 0,25 24 16,-1 0-1,-24 24 1,0 1 0,0-1-16,25 1 0,-25-1 15,24 1-15,-24-1 16,0 0-1,24-24 1,1-24 15,-25 0-15,24 24-16,-24-25 16,0 1-16,25 24 0,-25-25 15,24 1-15,1 24 16,-1 0-1,-24 24 1,0 1-16,24-1 16,-24 1-16,0-1 15,0 0-15,25 1 16,-25-1 0,24-24-16,1 0 31,-25-24-31,24 24 0,-24-25 15,25 25-15,-1-24 0,-24 0 16,24-1-16,1 1 16,-25-1-16,24 1 0,-24-1 15,25 1-15,-25 0 16,0-1-16,-25 1 16,1 24-16,-1 0 15,1 24 1,0 1-16,-1-1 15,25 0 1,25-24-16,-1 25 16,0-1-16,1-24 15,-1 25-15,1-25 16,-1 24-16,0 1 16,1-1-1,-25 0-15,0 1 16,0-1-16,-25-24 15,25 25-15,-24-25 16,0 24-16,-1-24 16,1 0-16,-1 0 15,1 0-15,24-24 16,-24 24-16,24-25 16</inkml:trace>
-  <inkml:trace contextRef="#ctx0" brushRef="#br0" timeOffset="13201">10746 296 0,'0'-24'0,"0"0"15,0-1 1,0 50 0,0-1-16,0 0 15,0 1-15,0-1 16,0 25-16,0-24 15,24-1-15,-24 25 0,25-25 16,-25 1-16,24 24 16,-24-25-16,0 0 0,25 1 15,-25-1-15,0 1 0,0-1 16,0 1 0,-25-25-1,25-25 1,0 1-1,0-1 1,25 1-16,-25-1 16,24 1-16,1 24 0,-25-24 15,24-1-15,0 25 16,1-24-16,-1 24 16,1 0-16,-25 24 0,24-24 15,-24 25-15,0-1 16,25 0-16,-25 1 15,24-1 1,-24 1-16,24-1 16,1-24-1,-1 0 1,1 0 0,-25-24-16,24-25 15,-24 24 1,0 1-16,0 0 15,0-1 1,0 1-16,0-1 0,0 1 16,0 48 15,25 1-31,-25-1 16,0 1-16,0-1 15,24 0-15,0 1 16,-24-1-16,0 1 0,25-25 15,-25 24 1,24-24 0</inkml:trace>
-  <inkml:trace contextRef="#ctx0" brushRef="#br0" timeOffset="13380">11283 370 0,'0'-25'0,"-24"25"0,24 25 47</inkml:trace>
-  <inkml:trace contextRef="#ctx0" brushRef="#br0" timeOffset="14053">11405 321 0,'-24'0'0,"0"-24"15,24-1 1,0 50 0,0-1-1,0 0-15,0 1 16,24-1-16,-24 25 0,0-25 16,0 25-16,24 0 0,-24-24 15,0 23-15,0 1 16,0-24-16,0 24 0,0-25 15,0 25-15,0-25 16,0 1-16,0-1 0,0 25 16,0-25-16,0 1 15,0-1-15,0 1 16,0-1 0,25-24-16,-25-24 15,0-1 1,24 1-16,-24-1 15,0 1-15,0-1 16,0 1-16,0 0 0,0-25 16,0 24-16,0-23 0,-24-1 15,24 24-15,0-24 16,0 25-16,0-25 0,0 25 16,0-1-16,0 1 15,24 24-15,1-25 16,-1 25-1,1 25-15,23-1 0,-23-24 16,-1 25-16,1-1 0,-1 1 16,1-1-16,-1 0 15,-24 1-15,0-1 16,-24-24-16,24 25 0,-25-25 16,1 0-16,-1 0 15,-24 0-15,25 0 0,0 0 16,-1 0-16,1 0 15,-1-25-15,1 25 0</inkml:trace>
-  <inkml:trace contextRef="#ctx0" brushRef="#br0" timeOffset="23978">562 1322 0,'-25'0'16,"25"25"93,0-1-109,0 1 16,0-1 0,0 0-16,25 1 0,-25-1 15,0 1-15,0-1 0,0 0 16,0 1-16,0-1 15,0 1-15,0-1 16,0 1 0,24-25-16,-24 24 15</inkml:trace>
-  <inkml:trace contextRef="#ctx0" brushRef="#br0" timeOffset="24513">586 1518 0,'24'0'47,"1"0"-31,-1 0-16,1 0 15,-1 0-15,1-25 16,-1 25-16,0 0 0,1 0 16,-25-24-16,24 24 0,1 0 15,-1 0 1,-24-25-16,0 1 31,0 0-15,-24 24-16,-1-25 31,25 50 47,0-1-78,0 0 16,0 1-16,0-1 15,0 1-15,25-1 0,-25 1 16,0-1-16,0 0 16,0 1-16,0-1 15,24-24-15,-24 25 0,0-1 16,25-24 0</inkml:trace>
-  <inkml:trace contextRef="#ctx0" brushRef="#br0" timeOffset="24829">1075 1420 0,'0'-24'16,"0"-1"15,0 50-15,0-1-1,0 0-15,0 1 0,0-1 16,0 1-16,0-1 16,0 1-16,0-1 15,0 0-15,0 1 16,0-1-16,0 1 15</inkml:trace>
-  <inkml:trace contextRef="#ctx0" brushRef="#br0" timeOffset="25194">1001 1420 0,'0'-24'16,"0"-1"-16,0 1 15,0-1 1,25 25-16,-1 0 16,1 0-16,-1 0 15,0 0-15,1 0 16,24 0-16,-25 25 0,0-25 15,1 24-15,-1 1 16,1-1-16,-25 0 0,24 1 16,-24-1-16,0 1 0,0-1 15,0 0-15,-24 1 16,24-1-16,-25 1 0,1-25 16,-1 24-16,1-24 15,0 0-15,-1 25 0,1-25 16,-25 0-16,25 0 0,-1 0 15,1 0 1</inkml:trace>
-  <inkml:trace contextRef="#ctx0" brushRef="#br0" timeOffset="25561">1539 1298 0,'0'24'31,"0"1"-15,-25-25-16,25 24 16,0 1-16,-24-1 15,24 0-15,0 1 0,0-1 16,0 25-16,0-25 16,0 1-16,0-1 0,0 1 15,24-1-15,-24 1 16,25-1-1</inkml:trace>
-  <inkml:trace contextRef="#ctx0" brushRef="#br0" timeOffset="26017">2051 1322 0,'0'-24'31,"-24"24"-15,0 0-16,-1 0 16,1 24-1,-1-24-15,1 25 0,-1-1 16,1-24-16,0 25 0,24-1 15,-25 25-15,25-25 16,-24 1-16,24-1 0,0 1 16,24-1-16,1 0 15,-25 1-15,24-25 0,0 24 16,1-24-16,24 0 0,-25 0 16,1 0-16,-1 0 15,25-24-15</inkml:trace>
-  <inkml:trace contextRef="#ctx0" brushRef="#br0" timeOffset="26453">2271 1469 0,'0'-25'16,"-24"25"-1,24-24 1,-25 24 0,25 24-1,-24 1 1,24-1 0,0 1-16,-24-1 15,24 0-15,0 1 16,24-1-16,0 1 15,1-25 1,-1 0-16,1 0 16,-1-25-16,1 25 15,-25-24-15,24-1 16,-24 1 0,0 0-16,-24-1 15,-1 1 1,1-1-16,-1 25 15</inkml:trace>
-  <inkml:trace contextRef="#ctx0" brushRef="#br0" timeOffset="26952">2442 1396 0,'-24'0'31,"24"-25"-15,24 1 15,1 24-31,-1 0 16,-24 24-16,25-24 15,-1 25 1,-24-1-16,0 0 0,24-24 16,-24 25-16,0-1 15,0 1-15,25-1 16,-25 0-16,-25-24 31,1 0 0,24-24-31,0 0 16,24-1-16,-24 1 16,25 24-16,-1-25 15,-24 1-15,25 24 0,-1-24 16,0 24-16,-24-25 0,25 25 16,-1 0-16,-24 25 15,25-1-15,-25 0 16,0 1-1,24-1-15,-24 1 16,0-1-16,0 0 16</inkml:trace>
-  <inkml:trace contextRef="#ctx0" brushRef="#br0" timeOffset="27475">3175 1322 0,'0'-24'16,"-24"-1"0,-1 25 15,25 25 0,-24-25-31,24 24 0,-25-24 16,25 25-16,-24-1 0,-1-24 15,1 25-15,0-1 16,-1 0-16,1 1 16,48-25 31,1 0-32,-1 0-15,0 24 16,1 1-16,-1-25 15,1 0-15,-1 24 16,1 1-16,-1-25 16,-24 24-16,24-24 15</inkml:trace>
-  <inkml:trace contextRef="#ctx0" brushRef="#br0" timeOffset="27877">3077 1444 0,'-24'0'16,"24"-24"15,24 24-16,1 0 1,-1 0-16,0 0 16,1 0-16,24 0 15,-25 0-15,25 0 0,0 0 16,0 0-16,0 0 16,-1 0-16,1 0 0,0 0 15,0 0-15,0 0 16,0 0-16,0 0 0,-25 0 15,0-24-15,1 24 0,-1 0 16,-48 0 31,-1 0-31</inkml:trace>
-  <inkml:trace contextRef="#ctx0" brushRef="#br0" timeOffset="28234">3737 1249 0,'-25'0'16,"50"0"15,-1 0-31,1 0 16,-1 0-16,0 0 0,1 24 15,-1-24-15,1 25 16,-1-25-16,0 24 0,1-24 16,-1 25-16,1-1 15,-25 1-15,0-1 16,0 0-16,-25 1 15,1-1 1,-1-24-16,1 25 0,0-25 16,-1 24-16,1-24 15,24 25-15,-25-25 16</inkml:trace>
-  <inkml:trace contextRef="#ctx0" brushRef="#br0" timeOffset="28865">4567 1176 0,'0'-25'16,"24"25"-16,-48 0 31,0-24-16,-1 24 1,1 0-16,-1 0 16,1 0-16,-1 24 0,1-24 15,0 0-15,-1 25 0,1-1 16,-1 1 0,25-1-16,0 0 15,0 1 1,0-1-16,25 1 15,-1-1 1,1-24-16,-1 25 0,0-25 16,1 24-16,-1-24 0,1 24 15,-1-24-15,1 25 16,-1-1-16,-24 1 16,24-25-1,-24 24-15,0 1 0,-24-25 16,24 24-16,-24-24 0,-1 0 15,1 24-15,-1-24 16,1 0-16,-1 25 0,1-25 16,-25 0-16,25 0 0,-1-25 15,25 1 1</inkml:trace>
-  <inkml:trace contextRef="#ctx0" brushRef="#br0" timeOffset="29446">4714 1298 0,'0'24'47,"24"-24"-47,-24 25 15,0-1-15,24 1 0,-24-1 16,0 0 0,0 1-16,0-1 0,0 1 15,0-1-15,-24-24 16,24 25-16,-24-25 15,24 24 1,0-48 0,0-1-1,0 1-15,0-1 16,0 1 0,0-1-16,0-23 0,24 23 15,-24 1-15,0-1 0,24 25 16,-24-24-16,0-1 15,25 1-15,-1 24 16,1 0 0,-1 0-16,-24 24 15,25-24-15,-25 25 16,24-1-16,-24 1 16,0-1-16,0 1 0,24-1 15,-24 0-15,25 1 16,-25-1-16,24 1 0,-24-1 15,25 1 1,-25-1-16</inkml:trace>
-  <inkml:trace contextRef="#ctx0" brushRef="#br0" timeOffset="29667">4762 1469 0,'-24'0'16,"48"0"-1,1 0 1,-1 0-16,1 0 0,-1 0 16,1 0-16,-1 0 15,0 0-15,1-25 0,-1 25 16,1 0-1</inkml:trace>
-  <inkml:trace contextRef="#ctx0" brushRef="#br0" timeOffset="30097">5324 1273 0,'25'0'0,"-25"-24"16,-25 24-1,1 0 1,-1 24 0,1 1-16,-1-1 15,1 1-15,24-1 0,-24 1 16,24-1-16,0 0 16,0 1-16,24 24 0,0-25 15,1 1 1,-1-1-16,25-24 0,-24 0 15,23 24-15,-23-24 0,24 0 16,-25 0-16,25-24 16,-25 24-16,1 0 0,-25-24 15</inkml:trace>
-  <inkml:trace contextRef="#ctx0" brushRef="#br0" timeOffset="55468">4225 1884 0,'0'-24'0,"0"-1"62,0 50-30,0-1-17,25 0 1,-25 1-16,24-25 0,-24 24 15,24 1 1,-24-1-16,25-24 16,-25 25-16</inkml:trace>
-  <inkml:trace contextRef="#ctx0" brushRef="#br0" timeOffset="55721">4445 1908 0,'0'-24'15,"0"48"32,24-24-31,-24 25-1,0-1-15,0 1 16,25-25 0,-25 24-16</inkml:trace>
-  <inkml:trace contextRef="#ctx0" brushRef="#br0" timeOffset="56513">4860 2031 0,'0'-25'15,"0"1"1,0-1 0,-24 25-1,-1 0 1,1 0-16,-1 0 15,1 0 1,0 25-16,-1-1 16,25 1-16,-24-1 0,24 0 15,0 1 1,24-1-16,1 1 16,-1-25-1,0 0 1,1 0-16,-1 0 15,-24-25 1,25 25-16,-25-24 0,0-1 16,0 1-1,0 0 1,0-1-16,0 50 31,24-1-31,-24 0 16,0 1-16,0-1 15,25 1-15,-25-1 0,0 0 16,0 25-16,24-24 0,-24 24 16,0-25-16,0 0 15,0 1-15,0-1 0,0 1 16,0-1-16,-24-24 16,24 25-16,-25-25 0,1 0 15,-1 0-15,1-25 0,-25 1 16,25 24-1,-1-25-15,1 1 0,24-1 16,0 1-16,0 0 16,0-1-16,0 1 15,24 24-15,1 0 16,-1-25-16,0 25 16,1 0-16,-1 0 0,1-24 15</inkml:trace>
-  <inkml:trace contextRef="#ctx0" brushRef="#br0" timeOffset="56998">4982 2104 0,'-24'0'15,"48"0"17,1 0-17,-1 0 1,0 0 0,1 0-1,-1 0-15,1-25 16,-25 1 15,0 0-15,-25 24-1,1 0-15,24-25 16,-25 25-16,1 0 16,0 0-1,24 25-15,-25-25 16,25 24-16,0 0 15,0 1 1,0-1-16,25 1 16,-1-1-1,0-24-15,1 24 16,-1-24-16</inkml:trace>
-  <inkml:trace contextRef="#ctx0" brushRef="#br0" timeOffset="57472">5226 2031 0,'0'-25'16,"25"25"-16,-25-24 16,0 48 30,0 1-46,0-1 16,24 0 0,-24 1-16,0-1 15,0 1-15,0-1 16,25-24 0,-25-24 30,-25 24-46,25-25 16,0 1-16,0-1 16,0 1-16,25 0 15,-1-1-15,1 1 16,-1 24 0,0 0-16,1 0 15,-25 24 1,24-24-16,-24 25 0,25-25 15,-25 24-15,24 0 0,-24 1 16,0-1 0,0 1-16</inkml:trace>
-  <inkml:trace contextRef="#ctx0" brushRef="#br0" timeOffset="57960">5642 2006 0,'-25'0'15,"25"25"-15,0-1 47,25-24-31,-1 0-1,0 0 1,1 0-16,-1 0 16,1-24-1,-1 24 1,-24-25-1,-24 1 1,-1 24-16,1-25 16,-1 25-1,1 0 1,24 25 0,0-1-16,0 1 15,0-1-15,0 0 16,24-24-16,-24 25 15,25-1-15,-1 1 16,1-25 0,-1 0-16</inkml:trace>
-  <inkml:trace contextRef="#ctx0" brushRef="#br0" timeOffset="58349">5886 1957 0,'0'-24'16,"0"-1"-1,24 25 17,1 25-32,-1-25 15,-24 24-15,25 1 16,-1-1-16,0 1 15,-24-1-15,25 0 0,-25 1 16,0-1-16,24 1 16,-24-1-1,-24-24 1,24-24 0,-25-1-1,25 1-15,0-1 16,0 1-16,0 0 0,25-1 15,-25 1 1,24-1-16,1 1 16,-1 24-1</inkml:trace>
-  <inkml:trace contextRef="#ctx0" brushRef="#br0" timeOffset="59164">6374 1933 0,'0'-25'78,"-24"25"-62,0 0-1,-1 0-15,1 0 16,-1 0-16,1 25 16,24-1-1,-25-24-15,25 25 0,0-1 16,0 1-1,0-1-15,0 0 16,25-24 0,-25 25-16,24-25 15,1 24-15,-1-24 32,1-24-32,-25-1 15,24 25 1,-24-24-16,24 24 0,-24-24 15,0-1-15,0 1 32,0 48-1,25 1-31,-25-1 16,24 0-1,-24 1 1,25-25-16,-25 24 0,24-24 15,0 0-15,1 0 16,24-24 15,-49-1-31,24 1 16,-24 0-16,0-1 16,0 1-16,0-25 0,-24 24 15,24 1-15,-25 0 16,25-1-16,-24 1 0,24-1 15,-25 1-15,25-1 16,0 50 0,0-1-1,0 1-15,25-1 16,-25 1-16,24 23 0,-24-23 16,25-1-16,-25 1 15,24 24-15,-24-25 0,25-24 16,-25 24-16,0 1 0</inkml:trace>
-  <inkml:trace contextRef="#ctx0" brushRef="#br0" timeOffset="59752">6545 1957 0,'25'0'62,"-1"0"-46,1 0-16,-1 0 16,0 0-16,1 0 0,-1-24 15,1 24-15,-1 0 0,1 0 16,-1 0-16,0 0 15,-24-25 1,-24 25 47,0 25-48,24-1 1,-25 1-16,25-1 0,0 1 15,0-1-15,25 0 16,-25 1-16,24-1 16,0 1-1,1-25 1,-1 0 0,-24-25-16,25 1 15,-25-1-15,0 1 16,0 0-16,0-1 15,0 1-15,0-1 0,-25 25 16,25-24-16,-24 24 16,24-25-16,-25 25 15,25 25 1,-24-25-16,24 24 16</inkml:trace>
-  <inkml:trace contextRef="#ctx0" brushRef="#br0" timeOffset="60226">6986 1957 0,'-25'0'15,"25"-24"1,25 24 0,-1 0-1,1 0 1,-1 24-16,1-24 16,-25 25-16,24-1 0,0 1 15,1-25-15,-25 24 0,24 0 16,-24 1-16,0-1 15,0 1-15,-24-25 16,-1 0 15,25-25-31,-24 25 16,24-24-16,0-1 16,24 1-16,-24 0 15,25 24-15,-25-25 0,24 1 16,1-1-16,-1 1 15,1-1-15,-1 1 0,0 0 16,1 24 0,-25 24-1,0 0-15</inkml:trace>
-  <inkml:trace contextRef="#ctx0" brushRef="#br0" timeOffset="60700">7571 2031 0,'-24'0'0,"48"0"63,0 0-48,1 0-15,-1 0 16,1 0-16,-1 0 15,1 0 1,-1 0-16,0 0 16,1 0 15,-50 0 63</inkml:trace>
-  <inkml:trace contextRef="#ctx0" brushRef="#br0" timeOffset="62350">8670 1786 0,'0'25'63,"0"-1"-63,0 1 15,0-1-15,0 0 16,0 1-16,0-1 15,0 1-15,-24-1 16,24 1 0,0-1-1,24-24 17,-24-24-17,25 24-15,-25-25 16,24 25-1,-24-24-15,0-1 16,0 1 0,0-1-1,0 1 1,0 0 0,0-1-16,0 1 15,0-1 1,-24 1-1,-1 24 1,1 0-16,-1 0 16,1 0-16,24 24 15,-25-24-15,1 25 16,24-1 0,-24-24-16,24 25 0,0-1 15,0 0-15,-25 1 16,25-1-16,0 1 0,0-1 15,0 1-15,0-1 16,0 0-16,25-24 16,-25 25-16,24-25 0,-24 24 15,24-24-15,1 0 16,-1 0 0,1 0-16,-1-24 15,1 24-15,-25-25 16,24 25-16,-24-24 15,0 0 1,0-1-16,0 1 16,0-1-1,24 1-15,-24-1 16,25 25-16,-1 25 31,-24-1-15,0 1-1,0-1-15,25 1 0,-25-1 16,0 0-16,0 1 16,24-25-16,-24 24 15</inkml:trace>
-  <inkml:trace contextRef="#ctx0" brushRef="#br0" timeOffset="62848">8890 1860 0,'0'-25'0,"-25"25"16,50 0 15,-1 25-16,-24-1-15,25 0 16,-1 1-16,-24-1 16,25 1-16,-25-1 0,24 1 15,-24-1-15,24 0 16,-24 1-16,25-1 16,-50-24 15,1 0-31,24-24 15,-24 24-15,24-25 0,-25 1 16,25 0 0,0-1-16,0 1 15,25-1-15,-25 1 16,24-1-16,0 25 0,1-24 16,-1 24-16,1 0 15,-1 0-15,1 0 16,-25 24-16,24 1 0,-24-1 15,0 1-15,0-1 16,0 1-16,0-1 16,0 0-16,0 1 15</inkml:trace>
-  <inkml:trace contextRef="#ctx0" brushRef="#br0" timeOffset="63294">9378 1835 0,'-24'25'15,"24"-1"1,0 0-1,0 1 1,0-1-16,0 1 16,0-1-16,24-24 15,-24 25-15,25-25 0,-25 24 16,24-24-16,1 24 16,-1-24-16,0 25 15,1-25-15,-25-25 16,24 25-1,-24-24-15,0 0 16,0-1-16,25 1 16,-25-1-16,0 1 15,0-1-15,0 1 0,0 0 16,-25-1 0</inkml:trace>
-  <inkml:trace contextRef="#ctx0" brushRef="#br0" timeOffset="63839">9671 1737 0,'0'-24'16,"0"0"-16,25 24 31,-25 24-15,0 0 0,24 1-16,-24-1 0,0 25 15,0-24-15,0-1 16,0 25-16,25-25 0,-25 1 15,0-1-15,0 1 16,0-1-16,0 0 0,0 1 16,0-1-1,0 1 1,0-50 15,0 1-31,0-1 16,24 25-1,-24-24-15,25 0 0,-1-1 16,0 25-16,-24-24 16,25 24-16,-1 0 15,1 24 1,-25 1-16,24-1 16,-24 0-1,0 1 1,-24-25-16,-1 0 15,1 0-15,-1 0 16,-23 0-16,23 0 0,1-25 16,-1 25-16,1-24 15</inkml:trace>
-  <inkml:trace contextRef="#ctx0" brushRef="#br0" timeOffset="64349">10013 1664 0,'0'25'32,"0"-1"-32,0 0 15,0 1-15,0-1 16,0 1-16,0 24 15,0-25-15,0 0 0,0 1 16,25-1-16,-25 25 16,0-24-16,0-1 0,0 0 15,24 1-15,-24-1 0,0 1 16,0-1 0,-24-48 30,24-1-30,0 1-16,24-1 16,-24 1-16,25 24 0,-25-24 15,24-1-15,-24 1 16,24 24-16,1-25 0,-1 25 16,1 0-1,-1 0-15,1 0 16,-25 25-16,24-25 0,-24 24 15,24 1 1,-24-1-16,0 0 16</inkml:trace>
-  <inkml:trace contextRef="#ctx0" brushRef="#br0" timeOffset="64924">10624 1884 0,'-24'0'31,"24"-24"-15,-25 24-16,1 0 16,-1 0-1,1 0 17,24 24-32,0 0 0,-25-24 15,25 25-15,0-1 0,-24 1 16,24-1-16,0 1 15,0-1-15,0 0 16,24-24-16,1 25 16,-1-25-1,1 0 1,-25-25 0,0 1-16,24 24 15,-24-24-15,0-1 16,25 1-16,-25-1 15,0 1-15,24 24 0,-24-25 16,0 1 0,24 24-16,-24 24 15,0 1 1,0-1-16,0 1 0,0-1 16,25 1-16,-25-1 0,0 0 15,24 1 1,-24-1-16,25-24 15</inkml:trace>
-  <inkml:trace contextRef="#ctx0" brushRef="#br0" timeOffset="65464">10771 1884 0,'0'-24'31,"24"24"0,-24 24-31,24 0 16,-24 1-1,25-25-15,-25 24 0,24 1 16,-24-1-16,25 1 16,-25-1-16,0 0 0,24-24 15,-24 25-15,24-1 16,1-24-1,-25-24 17,0-1-17,24 1-15,-24 0 0,25-1 16,-25 1 0,0-1-16,24 1 0,-24-1 15,0 1-15,25 0 0,-25-1 16,24 1-1,0 24 17</inkml:trace>
-  <inkml:trace contextRef="#ctx0" brushRef="#br0" timeOffset="65795">11405 1957 0,'-24'0'16,"48"0"0,1 0-1,-25-24 1,24 24-16,1 0 0,-1 0 16,1 0-16,-1 0 15</inkml:trace>
-  <inkml:trace contextRef="#ctx0" brushRef="#br0" timeOffset="66725">11845 1860 0,'0'-25'16,"25"25"-16,-25-24 15,24 24 1,-24-25-1,0 1 32,-24 24-31,-1 0-16,1 0 16,-1 24-1,25 1 1,-24-25-16,24 24 0,0 1 15,-25-25 1,25 24-16,0 0 16,25-24-16,-25 25 0,24-25 15,1 24-15,-1-24 16,1 0-16,-25 25 0,24-25 16,0 0-16,1 24 15,-1-24-15,-24 25 0,0-1 16,0 0-1,-24 1 1,-1-25-16,1 0 16,0 0-16,-25 0 15,24 0-15,1 0 0</inkml:trace>
-  <inkml:trace contextRef="#ctx0" brushRef="#br0" timeOffset="67468">12260 1908 0,'25'0'0,"-1"0"16,1 0 0,-1 0-16,-24-24 15,0 0 16,0-1-15,-24 25-16,24-24 16,-25-1-16,1 1 15,-1 24 1,25-25-16,-24 25 16,-1 0-16,1 0 0,24 25 15,-24-25-15,-1 24 16,1 1-16,24-1 0,-25 1 15,25-1-15,0 0 16,0 1-16,0-1 0,0 1 16,0-1-16,25 1 0,-25-1 15,24-24-15,-24 24 16,25-24-16,-1 0 16,0 0-1,1-24 1,-25 0-1,24 24-15,-24-25 16,25 1-16,-25-1 16,24 1-16,-24-1 15,25 25 1,-25-24-16,24 24 16,0 24-1,-24 1 1,25-1-16,-25 1 15,24-1-15,-24 1 16,25-1-16,-25 0 0,24 1 16,1-1-1</inkml:trace>
-  <inkml:trace contextRef="#ctx0" brushRef="#br0" timeOffset="67895">12798 1860 0,'-25'0'16,"25"-25"-16,0 1 15,-24 24-15,-1-25 16,1 25 0,24 25-1,-24-25-15,-1 24 16,25 1-16,-24-1 0,24 0 15,-25 1-15,25-1 0,0 1 16,0-1-16,0 1 16,0-1-16,25 0 0,-1-24 15,1 25-15,23-25 16,-23 0-16,24 0 0,-25 0 16,25 0-16,0-25 0,-25 25 15,1-24-15</inkml:trace>
-  <inkml:trace contextRef="#ctx0" brushRef="#br0" timeOffset="76976">24 2763 0,'25'0'47,"-1"0"63,1 0-95,-1 0 1,0 0-16,1 0 16,-1 0-16,1 0 15,-1-24-15,1 24 16,-50 0 15,1 24-15,-1-24-16,1 0 15</inkml:trace>
-  <inkml:trace contextRef="#ctx0" brushRef="#br0" timeOffset="79118">781 2788 0,'0'24'31,"0"0"-15,0 1 0,0-1-1,0 1-15,25-1 0,-25 1 16,0-1-16,0 0 15,24 1-15,-24-1 0,0 1 16,0-1-16,0 1 16,0-1-16,0 0 15,0 1-15,0-1 16</inkml:trace>
-  <inkml:trace contextRef="#ctx0" brushRef="#br0" timeOffset="79442">830 2934 0,'0'-24'0,"-24"-1"16,24 1-16,-25-25 16,25 25-16,0-1 0,0 1 15,0-1 1,25 1-16,-1 24 15,1 0-15,-1 0 0,1 0 16,-1 0-16,0 0 16,1 24-16,-1 1 15,1-25-15,-25 24 0,0 1 16,24-1-16,-24 0 16,-24 1-16,-1-1 15,1-24 1,-1 25-16,1-25 15,0 0-15,-1 0 16</inkml:trace>
-  <inkml:trace contextRef="#ctx0" brushRef="#br0" timeOffset="79858">1246 2763 0,'-25'-24'15,"1"24"-15,-1 0 16,25-25-16,25 25 31,-1 0-31,1 0 0,-25 25 16,24-25-16,25 24 0,-25 1 15,1-25-15,-25 24 16,24 0-16,0 1 0,-24-1 16,0 1-1,0-1-15,-24-24 16,0 0 0,-1-24-1,25-1-15,0 1 16,0-1-1,0 1-15,25 0 0,-25-1 16,24 1-16,0-1 16,1 25-1,-1-24-15,1 24 16</inkml:trace>
-  <inkml:trace contextRef="#ctx0" brushRef="#br0" timeOffset="80276">1807 2788 0,'-24'0'16,"-1"0"-16,1 0 15,0 0 1,-1 24-1,1 1-15,24-1 16,0 0 0,0 1-16,0-1 0,0 1 15,24-1-15,1-24 0,-25 24 16,24-24-16,0 25 16,1-25-16,-1 0 0,1 0 15,-1-25-15,0 25 16,1-24-16,-1 0 0,-24-1 15,25 1-15,-1-1 0,-24 1 16,0-25-16,0 25 16,0-1-16,0 1 0,-24-1 15,-1 1 1,1 24-16,-1 0 0,1 0 16,24 24-16,-24-24 15,24 25-15</inkml:trace>
-  <inkml:trace contextRef="#ctx0" brushRef="#br0" timeOffset="80704">2174 2739 0,'0'24'62,"0"1"-62,24-1 16,-24 1-16,24-1 16,-24 0-16,25 1 15,-1-1-15,-24 1 0,25-25 16,-1 24-16,-24 0 15,25-24-15,-1 0 16,0-24 0,-24 0-1,0-1-15,25 1 16,-25-1-16,0 1 16,0 0-16,0-1 0,0 1 15,24-1-15,-24 1 16,0-1-1,25 25 1,-25 25 0</inkml:trace>
-  <inkml:trace contextRef="#ctx0" brushRef="#br0" timeOffset="80955">2613 2739 0,'0'24'0,"-24"-24"15,24 25 1,0-1 0,0 1-1,24-1-15,-24 0 0,0 1 16,0-1-16,25 1 0,-25-1 15,0 0 1</inkml:trace>
-  <inkml:trace contextRef="#ctx0" brushRef="#br0" timeOffset="81117">2662 2592 0,'0'-24'16,"0"48"-1,0 1 1</inkml:trace>
-  <inkml:trace contextRef="#ctx0" brushRef="#br0" timeOffset="81674">2955 2788 0,'0'-25'31,"-24"25"1,-1 0-17,1 25 1,-1-25-16,25 24 16,-24-24-16,24 24 0,0 1 15,0-1-15,0 1 0,0-1 16,0 1-1,24-1-15,-24 0 0,25-24 16,-1 25-16,1-25 16,-1 0-1,-24-25-15,25 1 16,-1 24-16,-24-24 16,24-1-16,-24-24 0,0 25 15,25-1-15,-25-23 16,0 23-16,0 1 0,0-25 15,0 25-15,-25-1 0,25 1 16,0-1-16,-24 1 16,24 48 15,24 1-31,-24 24 0,25-25 16,-25 0-16,0 25 0,24-24 15,-24 23-15,0-23 16,25-1-16,-25 1 0,0-1 15,0 1-15</inkml:trace>
-  <inkml:trace contextRef="#ctx0" brushRef="#br0" timeOffset="82094">3297 2885 0,'24'0'63,"1"-24"-48,-1 24 1,-24-25-16,25 25 0,-25-24 15,24 0 1,-24-1-16,0 1 16,-24 24-1,24-25-15,-25 25 0,1 0 16,-1 0-16,1 0 0,0 25 16,-1-1-1,25 25-15,0-25 0,0 1 16,0-1-16,25 25 15,-1-24-15,0-1 0,1 0 16,-1 1-16,25-1 0,-24 1 16,-1-25-16,0 0 15,1-25-15</inkml:trace>
-  <inkml:trace contextRef="#ctx0" brushRef="#br0" timeOffset="82653">3981 2666 0,'0'-25'0,"0"1"15,-25 24 1,25-25-16,0 50 47,0-1-47,0 1 0,25 23 16,-25-23-16,0 24 0,0-25 15,0 25-15,0-25 16,24 25-16,-24-24 0,0 23 15,0-23-15,0-1 16,0 1-16,0-50 47,0 1-31,25-1-16,-25 1 15,0 0-15,24-1 16,-24 1-16,25-1 0,-1 1 15,0 0-15,1 24 16,-1 0-16,1 24 16,-1 0-1,1 1-15,-25-1 0,0 1 16,0-1-16,0 0 0,0 1 16,0-1-16,0 1 15,0-1 1</inkml:trace>
-  <inkml:trace contextRef="#ctx0" brushRef="#br0" timeOffset="83115">4518 2911 0,'0'-25'16,"-24"25"-16,-1-24 16,1 24-1,24 24 17,0 1-32,0-1 15,0 1-15,24-1 16,-24 0-1,25-24-15,-25 25 16,24-25-16,1 0 16,-1 0-1,0 0-15,-24-25 16,25 1 0,-1 0-16,-24-1 15,0 1-15,0-1 16,0 1-16,-24-1 15,-1 25 1,1 0 0,0 0-16,-1 0 15,25 25 1</inkml:trace>
-  <inkml:trace contextRef="#ctx0" brushRef="#br0" timeOffset="83595">5007 2885 0,'0'-24'0,"0"-1"16,-25 25-1,1-24 1,-1 24 0,25-24-16,-24 24 0,24 24 31,-24-24-31,24 24 16,0 1-1,0-1 1,24 1-16,0-1 15,-24 1 1,25-25-16,-25 24 0,24-24 16,1 0-16,-25 24 15,24-24-15,0 25 0,1-25 16,-25 24-16,24-24 16,-24 25-1,-24-25-15,24 24 16,-25-24-16,1 0 15,0 25-15,-1-25 0,1 0 16,-1 0-16,1-25 16,24 1-1</inkml:trace>
-  <inkml:trace contextRef="#ctx0" brushRef="#br0" timeOffset="83872">5226 2641 0,'0'25'32,"0"-1"-17,0 0-15,0 1 16,0-1-16,0 1 0,0-1 15,25 1-15,-25-1 0,24 0 16,-24 1-16,25 24 16,-25-25-16,24 0 0,1 1 15,-25-1-15,24-24 16,-24 25 0</inkml:trace>
-  <inkml:trace contextRef="#ctx0" brushRef="#br0" timeOffset="84058">5275 2861 0,'0'-24'16,"25"24"15,-1 0-31,1 0 15,-1 0 1</inkml:trace>
-  <inkml:trace contextRef="#ctx0" brushRef="#br0" timeOffset="85262">6106 2983 0,'-25'0'31,"1"0"-31,24 24 15,-25-24-15,1 0 16,0 0 0,-1 0-1,25-24 1,-24 24-16,24-24 16,-25 24-1,25-25-15,0 1 0,0-1 16,25 25-16,-25-24 15,24 0-15,-24-1 16,25 25-16,-1-24 0,0-1 16,1 1-16,24-1 0,-25 1 15,1 0-15,-1-1 16,-24 1-16,24 24 0,-24-25 16,25 1-16,-25-1 15,-25 25-15,1 0 16,-25 0-16,25 0 15,-1 0-15,1 0 16,-1 25-16,1-1 0,0 1 16,-1-1-16,25 1 15,-24-1-15,24 0 0,0 25 16,24-24-16,-24-1 16,25 1-16,-1-1 0,0-24 15,1 24-15,-1 1 0,1-25 16,-1 0-16,25 0 15,-25 0-15,1 0 16,-1 0-16,-24-25 0,25 25 16,-25-24-16,0 0 15,0-1 1,0 1 0,-25 24-1,25 24 1,0 1-1,0-1-15,0 0 0,25 25 16,-25-24-16,0 23 16,24-23-16,-24 24 0,24-25 15,-24 25-15,25-25 0,-25 1 16,24-1-16,-24 1 16,0-1-16</inkml:trace>
-  <inkml:trace contextRef="#ctx0" brushRef="#br0" timeOffset="87037">6716 2568 0,'0'-25'31,"25"25"0,-25 25 1,24-1-17,-24 1-15,0 24 16,25-25-16,-25 0 0,24 25 16,-24-24-16,0-1 15,24 25-15,-24-25 0,0 1 16,0-1-1,0 1-15,0-1 16,0-48 31,0-1-31,0 1-16,0-1 15,0 1-15,0 0 0,0-1 16,0 1-16,25-1 15,-25 1-15,24 24 16,1 0-16,-1 0 16,0 24-16,1 1 15,-25 24-15,24-25 16,-24 0-16,25 1 16,-25-1-16,0 1 0,0-1 15,0 0-15,0 1 16,-25-25-16</inkml:trace>
-  <inkml:trace contextRef="#ctx0" brushRef="#br0" timeOffset="87660">7376 2910 0,'24'0'0,"1"0"31,-25-25-15,0 1-16,0 0 16,-25-1-1,25 1-15,-24 24 0,-1-25 16,1 1-16,-1 24 15,1 0-15,0 0 16,-1 0-16,25 24 0,-24-24 16,24 25-16,0-1 15,0 1-15,0-1 0,0 0 16,0 1-16,24-1 0,1 1 16,-25-1-16,24 0 15,0 1-15,1-25 0,-1 0 16,1 0-16,-1 0 0,1 0 15,-1-25 1,0 25-16,-24-24 0,25 0 16,-25-1-16,0 1 15,0-25-15,0 25 0,0-1 16,0-24-16,0 0 0,0 25 16,-25 0-16,25-25 15,0 24-15,0 1 0,-24 24 16,24-25-16,24 50 31,-24-1-31,25-24 0,-25 49 16,24-24-16,-24-1 15,25 25-15,-25-25 0,24 25 16,-24-24-16,0-1 16,25 0-16,-25 1 0,0-1 15,0 1-15,24-25 0,-24 24 16</inkml:trace>
-  <inkml:trace contextRef="#ctx0" brushRef="#br0" timeOffset="87930">7742 2788 0,'0'-25'0,"0"50"47,24-1-31,-24 1-16,0-1 0,25 0 16,-25 1-16,0-1 0,0 1 15,24-25-15,-24 24 16,0 0-16,25 1 0</inkml:trace>
-  <inkml:trace contextRef="#ctx0" brushRef="#br0" timeOffset="88086">7815 2592 0,'-24'-24'0,"24"-1"15,-25 25-15,1 0 32</inkml:trace>
-</inkml:ink>
-</file>
-
-<file path=ppt/ink/ink19.xml><?xml version="1.0" encoding="utf-8"?>
+<file path=ppt/ink/ink20.xml><?xml version="1.0" encoding="utf-8"?>
 <inkml:ink xmlns:inkml="http://www.w3.org/2003/InkML">
   <inkml:definitions>
     <inkml:context xml:id="ctx0">
@@ -801,44 +967,7 @@
 </inkml:ink>
 </file>
 
-<file path=ppt/ink/ink2.xml><?xml version="1.0" encoding="utf-8"?>
-<inkml:ink xmlns:inkml="http://www.w3.org/2003/InkML">
-  <inkml:definitions>
-    <inkml:context xml:id="ctx0">
-      <inkml:inkSource xml:id="inkSrc0">
-        <inkml:traceFormat>
-          <inkml:channel name="X" type="integer" max="1920" units="cm"/>
-          <inkml:channel name="Y" type="integer" max="1080" units="cm"/>
-          <inkml:channel name="T" type="integer" max="2.14748E9" units="dev"/>
-        </inkml:traceFormat>
-        <inkml:channelProperties>
-          <inkml:channelProperty channel="X" name="resolution" value="55.81395" units="1/cm"/>
-          <inkml:channelProperty channel="Y" name="resolution" value="55.6701" units="1/cm"/>
-          <inkml:channelProperty channel="T" name="resolution" value="1" units="1/dev"/>
-        </inkml:channelProperties>
-      </inkml:inkSource>
-      <inkml:timestamp xml:id="ts0" timeString="2020-11-08T01:52:07.185"/>
-    </inkml:context>
-    <inkml:brush xml:id="br0">
-      <inkml:brushProperty name="width" value="0.05" units="cm"/>
-      <inkml:brushProperty name="height" value="0.05" units="cm"/>
-      <inkml:brushProperty name="color" value="#ED1C24"/>
-      <inkml:brushProperty name="fitToCurve" value="1"/>
-    </inkml:brush>
-  </inkml:definitions>
-  <inkml:trace contextRef="#ctx0" brushRef="#br0">49 244 0,'-25'0'0,"1"0"15,24 24 17,0 1-32,0-1 15,24 25-15,-24-25 16,0 25-16,25 0 0,-25 0 15,0-25-15,0 25 0,0-24 16,0-1-16,0 0 16,0 1-16</inkml:trace>
-  <inkml:trace contextRef="#ctx0" brushRef="#br0" timeOffset="244">49 268 0,'0'-24'16,"24"24"-1,0 0 1,-24 24-16,25 1 0,-1-1 16,1 0-16,-1 1 15,25 24-15,-25-25 0,25 1 16,-24 23-16,23-23 0,-23-1 15,-1 1-15,1-1 16,-1 1-16,1-25 0,-1 0 16</inkml:trace>
-  <inkml:trace contextRef="#ctx0" brushRef="#br0" timeOffset="477">439 146 0,'0'-24'16,"-24"24"-16,24 24 31,0 0-31,0 1 16,24-1-16,-24 25 0,25-24 16,-1 23-16,1 1 15,-1-24-15,-24 24 0,24-25 16,1 0-16,-25 1 15,24-1-15,-24 1 0,0-1 16</inkml:trace>
-  <inkml:trace contextRef="#ctx0" brushRef="#br0" timeOffset="1035">1001 439 0,'0'-24'32,"0"-1"-32,-24 1 15,-1-1 1,1 25-16,-1-24 0,1 24 15,0 0-15,-1 0 16,1 0-16,-1 0 16,1 0-16,-1 24 0,1 1 15,0-1-15,24 1 16,-25-1-16,25 25 0,0-25 16,0 1-16,25 24 0,-1-25 15,-24 1-15,24-1 16,1-24-16,24 24 0,-25-24 15,1 0-15,-1 0 16,0 0-16,25-24 0,-24 0 16,-1-1-16,0 1 15,-24-1-15,0 1 16,0-25-16,0 25 0,0-1 16,0 1-16,0-1 15,0 50 16,0-1-31,25 1 16,-25-1-16,24 0 0,-24 1 16,25-1-16,-25 1 15,24-1-15,1-24 0,-1 25 16,0-25-16,1 0 16,-1 0-16</inkml:trace>
-  <inkml:trace contextRef="#ctx0" brushRef="#br0" timeOffset="1281">1319 244 0,'-25'-25'15,"25"-24"-15,0 25 0,-24 24 16,24-24-16,24 24 16,1 24-1,-25 0-15,24 1 16,0 24-16,1 0 15,-1-1-15,-24 1 0,25 0 16,-1-24-16,1 23 0,-25 1 16,24-24-16,-24-1 15,0 1-15,24-1 0,-24 0 16</inkml:trace>
-  <inkml:trace contextRef="#ctx0" brushRef="#br0" timeOffset="1673">1343 415 0,'-24'0'15,"48"0"17,0 0-17,1 0-15,-1 0 16,1-25-16,23 25 0,-23 0 15,-1 0-15,1-24 0,24 24 16,-25 0-16,-24-25 16,24 25-16,1 0 0,-1-24 15,1 24 1,-25-24-16,24 24 16,1 0 15,-25 24-31,0 0 15,0 25 1,24-24-16,-24-1 0,0 25 16,24-25-16,-24 25 0,25-24 15,-25-1-15,24 1 16,-24-1-16,25 0 0,-25 1 16,24-25-16,-24-25 15</inkml:trace>
-  <inkml:trace contextRef="#ctx0" brushRef="#br0" timeOffset="1864">1807 0 0,'-24'0'15,"24"24"1,24 0 15,-24 1-15</inkml:trace>
-  <inkml:trace contextRef="#ctx0" brushRef="#br0" timeOffset="2279">2051 244 0,'0'24'31,"-24"-24"-31,24 25 32,0-1-17,24 0-15,-24 1 16,25-1-16,-25 1 0,24-1 15,-24 25-15,25-25 0,-1 1 16,-24 24-16,24-49 16,-24 24-16,25 1 0,-1-25 15,1 0 1,-25-25-16,0 1 16,24-1-16,-24 1 0,0-25 15,24 25-15,-24-25 16,0 0-16,0 24 0,25-23 15,-25 23-15,0 1 0,0-1 16,0 1-16,24 24 16,1 0-1,-25 24 1,24-24-16,-24 25 16</inkml:trace>
-  <inkml:trace contextRef="#ctx0" brushRef="#br0" timeOffset="2740">2637 366 0,'0'24'16,"-24"-24"-16,0 0 15,48 0 32,0 0-47,1 0 16,-1 0-1,1 0-15,-1 0 0,0 0 16,1 0-16,-1 0 0,1-24 16,-1 24-16,1 0 15,-25-25-15,0 1 0,24 24 16,-24-24-16,0-1 0,-24 1 15,-1-1 1,1 25-16,-1 0 0,1-24 16,-1 24-16,1 0 15,0 0-15,-1 24 0,1-24 16,24 25-16,-25-1 0,25 1 16,0-1-16,0 25 15,0-25-15,25 25 0,-25 0 16,24 0-16,1-25 15,-25 25-15,24-24 0,0-1 16,1 0-16,-1-24 0,1 0 16,24 0-16</inkml:trace>
-</inkml:ink>
-</file>
-
-<file path=ppt/ink/ink20.xml><?xml version="1.0" encoding="utf-8"?>
+<file path=ppt/ink/ink21.xml><?xml version="1.0" encoding="utf-8"?>
 <inkml:ink xmlns:inkml="http://www.w3.org/2003/InkML">
   <inkml:definitions>
     <inkml:context xml:id="ctx0">
@@ -878,7 +1007,7 @@
 </inkml:ink>
 </file>
 
-<file path=ppt/ink/ink21.xml><?xml version="1.0" encoding="utf-8"?>
+<file path=ppt/ink/ink22.xml><?xml version="1.0" encoding="utf-8"?>
 <inkml:ink xmlns:inkml="http://www.w3.org/2003/InkML">
   <inkml:definitions>
     <inkml:context xml:id="ctx0">
@@ -931,7 +1060,7 @@
 </inkml:ink>
 </file>
 
-<file path=ppt/ink/ink22.xml><?xml version="1.0" encoding="utf-8"?>
+<file path=ppt/ink/ink23.xml><?xml version="1.0" encoding="utf-8"?>
 <inkml:ink xmlns:inkml="http://www.w3.org/2003/InkML">
   <inkml:definitions>
     <inkml:context xml:id="ctx0">
@@ -960,7 +1089,7 @@
 </inkml:ink>
 </file>
 
-<file path=ppt/ink/ink23.xml><?xml version="1.0" encoding="utf-8"?>
+<file path=ppt/ink/ink24.xml><?xml version="1.0" encoding="utf-8"?>
 <inkml:ink xmlns:inkml="http://www.w3.org/2003/InkML">
   <inkml:definitions>
     <inkml:context xml:id="ctx0">
@@ -993,7 +1122,7 @@
 </inkml:ink>
 </file>
 
-<file path=ppt/ink/ink24.xml><?xml version="1.0" encoding="utf-8"?>
+<file path=ppt/ink/ink25.xml><?xml version="1.0" encoding="utf-8"?>
 <inkml:ink xmlns:inkml="http://www.w3.org/2003/InkML">
   <inkml:definitions>
     <inkml:context xml:id="ctx0">
@@ -1057,7 +1186,7 @@
 </inkml:ink>
 </file>
 
-<file path=ppt/ink/ink25.xml><?xml version="1.0" encoding="utf-8"?>
+<file path=ppt/ink/ink26.xml><?xml version="1.0" encoding="utf-8"?>
 <inkml:ink xmlns:inkml="http://www.w3.org/2003/InkML">
   <inkml:definitions>
     <inkml:context xml:id="ctx0">
@@ -1123,6 +1252,43 @@
           <inkml:channelProperty channel="T" name="resolution" value="1" units="1/dev"/>
         </inkml:channelProperties>
       </inkml:inkSource>
+      <inkml:timestamp xml:id="ts0" timeString="2020-11-08T01:52:07.185"/>
+    </inkml:context>
+    <inkml:brush xml:id="br0">
+      <inkml:brushProperty name="width" value="0.05" units="cm"/>
+      <inkml:brushProperty name="height" value="0.05" units="cm"/>
+      <inkml:brushProperty name="color" value="#ED1C24"/>
+      <inkml:brushProperty name="fitToCurve" value="1"/>
+    </inkml:brush>
+  </inkml:definitions>
+  <inkml:trace contextRef="#ctx0" brushRef="#br0">49 244 0,'-25'0'0,"1"0"15,24 24 17,0 1-32,0-1 15,24 25-15,-24-25 16,0 25-16,25 0 0,-25 0 15,0-25-15,0 25 0,0-24 16,0-1-16,0 0 16,0 1-16</inkml:trace>
+  <inkml:trace contextRef="#ctx0" brushRef="#br0" timeOffset="244">49 268 0,'0'-24'16,"24"24"-1,0 0 1,-24 24-16,25 1 0,-1-1 16,1 0-16,-1 1 15,25 24-15,-25-25 0,25 1 16,-24 23-16,23-23 0,-23-1 15,-1 1-15,1-1 16,-1 1-16,1-25 0,-1 0 16</inkml:trace>
+  <inkml:trace contextRef="#ctx0" brushRef="#br0" timeOffset="477">439 146 0,'0'-24'16,"-24"24"-16,24 24 31,0 0-31,0 1 16,24-1-16,-24 25 0,25-24 16,-1 23-16,1 1 15,-1-24-15,-24 24 0,24-25 16,1 0-16,-25 1 15,24-1-15,-24 1 0,0-1 16</inkml:trace>
+  <inkml:trace contextRef="#ctx0" brushRef="#br0" timeOffset="1035">1001 439 0,'0'-24'32,"0"-1"-32,-24 1 15,-1-1 1,1 25-16,-1-24 0,1 24 15,0 0-15,-1 0 16,1 0-16,-1 0 16,1 0-16,-1 24 0,1 1 15,0-1-15,24 1 16,-25-1-16,25 25 0,0-25 16,0 1-16,25 24 0,-1-25 15,-24 1-15,24-1 16,1-24-16,24 24 0,-25-24 15,1 0-15,-1 0 16,0 0-16,25-24 0,-24 0 16,-1-1-16,0 1 15,-24-1-15,0 1 16,0-25-16,0 25 0,0-1 16,0 1-16,0-1 15,0 50 16,0-1-31,25 1 16,-25-1-16,24 0 0,-24 1 16,25-1-16,-25 1 15,24-1-15,1-24 0,-1 25 16,0-25-16,1 0 16,-1 0-16</inkml:trace>
+  <inkml:trace contextRef="#ctx0" brushRef="#br0" timeOffset="1281">1319 244 0,'-25'-25'15,"25"-24"-15,0 25 0,-24 24 16,24-24-16,24 24 16,1 24-1,-25 0-15,24 1 16,0 24-16,1 0 15,-1-1-15,-24 1 0,25 0 16,-1-24-16,1 23 0,-25 1 16,24-24-16,-24-1 15,0 1-15,24-1 0,-24 0 16</inkml:trace>
+  <inkml:trace contextRef="#ctx0" brushRef="#br0" timeOffset="1673">1343 415 0,'-24'0'15,"48"0"17,0 0-17,1 0-15,-1 0 16,1-25-16,23 25 0,-23 0 15,-1 0-15,1-24 0,24 24 16,-25 0-16,-24-25 16,24 25-16,1 0 0,-1-24 15,1 24 1,-25-24-16,24 24 16,1 0 15,-25 24-31,0 0 15,0 25 1,24-24-16,-24-1 0,0 25 16,24-25-16,-24 25 0,25-24 15,-25-1-15,24 1 16,-24-1-16,25 0 0,-25 1 16,24-25-16,-24-25 15</inkml:trace>
+  <inkml:trace contextRef="#ctx0" brushRef="#br0" timeOffset="1864">1807 0 0,'-24'0'15,"24"24"1,24 0 15,-24 1-15</inkml:trace>
+  <inkml:trace contextRef="#ctx0" brushRef="#br0" timeOffset="2279">2051 244 0,'0'24'31,"-24"-24"-31,24 25 32,0-1-17,24 0-15,-24 1 16,25-1-16,-25 1 0,24-1 15,-24 25-15,25-25 0,-1 1 16,-24 24-16,24-49 16,-24 24-16,25 1 0,-1-25 15,1 0 1,-25-25-16,0 1 16,24-1-16,-24 1 0,0-25 15,24 25-15,-24-25 16,0 0-16,0 24 0,25-23 15,-25 23-15,0 1 0,0-1 16,0 1-16,24 24 16,1 0-1,-25 24 1,24-24-16,-24 25 16</inkml:trace>
+  <inkml:trace contextRef="#ctx0" brushRef="#br0" timeOffset="2740">2637 366 0,'0'24'16,"-24"-24"-16,0 0 15,48 0 32,0 0-47,1 0 16,-1 0-1,1 0-15,-1 0 0,0 0 16,1 0-16,-1 0 0,1-24 16,-1 24-16,1 0 15,-25-25-15,0 1 0,24 24 16,-24-24-16,0-1 0,-24 1 15,-1-1 1,1 25-16,-1 0 0,1-24 16,-1 24-16,1 0 15,0 0-15,-1 24 0,1-24 16,24 25-16,-25-1 0,25 1 16,0-1-16,0 25 15,0-25-15,25 25 0,-25 0 16,24 0-16,1-25 15,-25 25-15,24-24 0,0-1 16,1 0-16,-1-24 0,1 0 16,24 0-16</inkml:trace>
+</inkml:ink>
+</file>
+
+<file path=ppt/ink/ink4.xml><?xml version="1.0" encoding="utf-8"?>
+<inkml:ink xmlns:inkml="http://www.w3.org/2003/InkML">
+  <inkml:definitions>
+    <inkml:context xml:id="ctx0">
+      <inkml:inkSource xml:id="inkSrc0">
+        <inkml:traceFormat>
+          <inkml:channel name="X" type="integer" max="1920" units="cm"/>
+          <inkml:channel name="Y" type="integer" max="1080" units="cm"/>
+          <inkml:channel name="T" type="integer" max="2.14748E9" units="dev"/>
+        </inkml:traceFormat>
+        <inkml:channelProperties>
+          <inkml:channelProperty channel="X" name="resolution" value="55.81395" units="1/cm"/>
+          <inkml:channelProperty channel="Y" name="resolution" value="55.6701" units="1/cm"/>
+          <inkml:channelProperty channel="T" name="resolution" value="1" units="1/dev"/>
+        </inkml:channelProperties>
+      </inkml:inkSource>
       <inkml:timestamp xml:id="ts0" timeString="2020-11-08T01:52:00.734"/>
     </inkml:context>
     <inkml:brush xml:id="br0">
@@ -1143,7 +1309,7 @@
 </inkml:ink>
 </file>
 
-<file path=ppt/ink/ink4.xml><?xml version="1.0" encoding="utf-8"?>
+<file path=ppt/ink/ink5.xml><?xml version="1.0" encoding="utf-8"?>
 <inkml:ink xmlns:inkml="http://www.w3.org/2003/InkML">
   <inkml:definitions>
     <inkml:context xml:id="ctx0">
@@ -1187,7 +1353,7 @@
 </inkml:ink>
 </file>
 
-<file path=ppt/ink/ink5.xml><?xml version="1.0" encoding="utf-8"?>
+<file path=ppt/ink/ink6.xml><?xml version="1.0" encoding="utf-8"?>
 <inkml:ink xmlns:inkml="http://www.w3.org/2003/InkML">
   <inkml:definitions>
     <inkml:context xml:id="ctx0">
@@ -1216,7 +1382,7 @@
 </inkml:ink>
 </file>
 
-<file path=ppt/ink/ink6.xml><?xml version="1.0" encoding="utf-8"?>
+<file path=ppt/ink/ink7.xml><?xml version="1.0" encoding="utf-8"?>
 <inkml:ink xmlns:inkml="http://www.w3.org/2003/InkML">
   <inkml:definitions>
     <inkml:context xml:id="ctx0">
@@ -1245,7 +1411,7 @@
 </inkml:ink>
 </file>
 
-<file path=ppt/ink/ink7.xml><?xml version="1.0" encoding="utf-8"?>
+<file path=ppt/ink/ink8.xml><?xml version="1.0" encoding="utf-8"?>
 <inkml:ink xmlns:inkml="http://www.w3.org/2003/InkML">
   <inkml:definitions>
     <inkml:context xml:id="ctx0">
@@ -1274,7 +1440,7 @@
 </inkml:ink>
 </file>
 
-<file path=ppt/ink/ink8.xml><?xml version="1.0" encoding="utf-8"?>
+<file path=ppt/ink/ink9.xml><?xml version="1.0" encoding="utf-8"?>
 <inkml:ink xmlns:inkml="http://www.w3.org/2003/InkML">
   <inkml:definitions>
     <inkml:context xml:id="ctx0">
@@ -1310,53 +1476,6 @@
 </inkml:ink>
 </file>
 
-<file path=ppt/ink/ink9.xml><?xml version="1.0" encoding="utf-8"?>
-<inkml:ink xmlns:inkml="http://www.w3.org/2003/InkML">
-  <inkml:definitions>
-    <inkml:context xml:id="ctx0">
-      <inkml:inkSource xml:id="inkSrc0">
-        <inkml:traceFormat>
-          <inkml:channel name="X" type="integer" max="1920" units="cm"/>
-          <inkml:channel name="Y" type="integer" max="1080" units="cm"/>
-          <inkml:channel name="T" type="integer" max="2.14748E9" units="dev"/>
-        </inkml:traceFormat>
-        <inkml:channelProperties>
-          <inkml:channelProperty channel="X" name="resolution" value="55.81395" units="1/cm"/>
-          <inkml:channelProperty channel="Y" name="resolution" value="55.6701" units="1/cm"/>
-          <inkml:channelProperty channel="T" name="resolution" value="1" units="1/dev"/>
-        </inkml:channelProperties>
-      </inkml:inkSource>
-      <inkml:timestamp xml:id="ts0" timeString="2020-11-08T01:52:33.731"/>
-    </inkml:context>
-    <inkml:brush xml:id="br0">
-      <inkml:brushProperty name="width" value="0.05" units="cm"/>
-      <inkml:brushProperty name="height" value="0.05" units="cm"/>
-      <inkml:brushProperty name="color" value="#ED1C24"/>
-      <inkml:brushProperty name="fitToCurve" value="1"/>
-    </inkml:brush>
-  </inkml:definitions>
-  <inkml:trace contextRef="#ctx0" brushRef="#br0">223 134 0,'25'-24'16,"-25"-1"-1,-25 25 48,1 25-63,0-25 15,-1 0-15,1 24 0,-1-24 16,1 24-16,-1 1 16,25-1-16,-24 1 0,0-1 15,24 25-15,0-25 16,0 25-16,0-24 0,0 24 15,24-25-15,0 0 0,1 1 16,-1-1-16,25-24 16,-24 25-16,23-25 0,1 0 15,-24 0-15,24 0 16,-25 0-16,25-25 0,-25 25 16,1-24-16,-1 24 0,-24-25 15</inkml:trace>
-  <inkml:trace contextRef="#ctx0" brushRef="#br0" timeOffset="581">956 232 0,'0'-25'15,"0"1"1,-24 24-16,-1-25 16,1 1-1,-1 24-15,1 0 16,0 0-16,-1 0 0,-24 0 15,25 0-15,-1 0 16,1 0-16,0 24 0,-1 1 16,1-1-1,24 1-15,-25-1 0,25 1 16,0-1-16,0 0 16,25 1-16,-1-1 15,1-24-15,-1 25 0,0-25 16,1 0-16,24 0 15,-25 0-15,25 0 0,0 0 16,-25 0-16,25 0 0,-25 24 16,1-24-16,-1 0 15,-24 25-15,25-25 0,-25 24 16,0 0-16,0 1 16,-25-1-16,1 1 15,-1-25-15,1 24 16,0-24-16,-1 0 15,-24 0-15,25 0 0,0 0 16,-1 0-16,1 0 16,-1 0-16,1-24 0,24-1 15</inkml:trace>
-  <inkml:trace contextRef="#ctx0" brushRef="#br0" timeOffset="1093">1225 232 0,'0'-25'31,"24"25"0,1 0-15,-25 25 0,24-1-16,-24 1 15,24-1-15,-24 0 16,25 1-16,-25-1 0,24 1 16,-24-1-16,25 1 15,-1-25-15,-24 24 0,25 0 16,-1-24-16,0 0 15,1 0-15,-1 0 16,-24-24 0,0 0-1,0-1-15,0 1 16,0-1-16,0 1 0,0-1 16,0-23-16,0 23 15,25 1-15,-25-1 0,0 1 16,24-1-16,0 25 47,-24 25-32,0-1 1</inkml:trace>
-  <inkml:trace contextRef="#ctx0" brushRef="#br0" timeOffset="1757">1933 354 0,'0'24'78,"24"1"-47,-24-1-31,0 1 16,0-1-16,0 0 16,-24 1-16,24-1 15,-24 1-15,24-1 0</inkml:trace>
-  <inkml:trace contextRef="#ctx0" brushRef="#br0" timeOffset="2573">2397 158 0,'24'0'63,"-24"-24"-47,-24 24 77,24-24-77,-24 24 0,24-25 15,0 1 0,24 24-15,-24 24 15,0 1-31,0-1 16,24 0-16,-24 1 15,25 24-15,-25-25 0,0 1 16,24-1-16,-24 25 15,25-25-15,-25 1 0,0-1 16,0 1-16,0-1 16</inkml:trace>
-  <inkml:trace contextRef="#ctx0" brushRef="#br0" timeOffset="2947">2299 354 0,'25'0'16,"-1"0"0,1 0-1,-1 0-15,0 24 0,1-24 16,-1 0-16,1 0 16,-1 0-16,1-24 0,23 24 15,-23 0-15,-1 0 16,1 0-16,-1 0 0,1 0 15,-1 0-15,-48 0 32</inkml:trace>
-  <inkml:trace contextRef="#ctx0" brushRef="#br0" timeOffset="3263">2202 134 0,'0'-24'16,"24"24"-16,0 0 15,1-25-15,-1 25 16,1 0-16,-1 0 0,1-24 16,-1 24-16,0 0 15,1 0-15,-1 0 0,1 0 16,-1 0-16,1 0 0,-1 0 16,0 0-16,1 0 15,-1 0-15</inkml:trace>
-  <inkml:trace contextRef="#ctx0" brushRef="#br0" timeOffset="3949">2763 183 0,'25'0'31,"-1"0"-15,1 0-1,-1 0-15,0 0 16,-24 24-16,25 1 16,-25-1-1,0 1-15,24-1 16,-24 0-1,0 1-15,0-50 47,0 1-31,0 0 0,25-1-16,-25 1 15,0-1-15,24 1 0,1 24 16,-25-25-16,24 1 15,0 24-15,1 0 16,-1 0-16,1 24 16,-25 1-1,24-25-15,-24 24 16,0 1-16,0-1 16,-24-24 15,24-24 0,24-1-15,1 25-16,-25-24 15,24 24-15,0 0 16,1-25-16,-1 25 16,1 0-16,-25 25 0,24-1 15,-24 1 1,0-1-16,25 1 15,-25-1-15,0 0 16,24 1-16,-24-1 0,0 1 16,24-25-1</inkml:trace>
-  <inkml:trace contextRef="#ctx0" brushRef="#br0" timeOffset="4506">3398 11 0,'0'-24'15,"25"48"1,-25 0 0,24 1-16,-24-1 15,0 1-15,25-1 0,-25 25 16,24 0-16,-24-25 15,0 25-15,24 0 0,-24 0 16,0-25-16,25 25 0,-25-25 16,0 25-16,0-24 15,0-1-15,0 0 0,0 1 16,0-1-16,0-48 31,0-1-15,0 1-1,0 0-15,0-25 0,-25 24 16,25-23-16,0 23 16,0-24-16,0 25 0,-24-25 15,24 25-15,0-1 0,0 1 16,24-1-16,-24 1 16,25-1-16,-1 25 0,-24-24 15,25 24-15,-1 0 16,1 0-16,-1 0 0,0 24 15,1 1-15,-1-25 16,-24 24-16,25 1 16,-25-1-16,-25 1 15,1-1-15,-1-24 16,1 24-16,0-24 0,-1 0 16,1 0-16,-25 0 15,24 0-15,1 0 0</inkml:trace>
-  <inkml:trace contextRef="#ctx0" brushRef="#br0" timeOffset="4722">3960 158 0,'0'25'0,"25"-25"15,-1 0-15,0 0 16,1 0-16,-1 0 16,1 0-16,-1 0 15,-24 24-15,-24-24 16</inkml:trace>
-  <inkml:trace contextRef="#ctx0" brushRef="#br0" timeOffset="6594">516 1038 0,'0'-25'31,"-24"25"172,24-24-172,-24 24-31,-1 0 16,1 0-16,-1 0 16,1 0-16,-25 0 15,25 0-15,-1 24 0,-24-24 16,25 25-16,-25-1 16,25 1-16,-1-1 0,1 0 15,-1 25-15,25-24 0,0 23 16,0-23-16,0 24 15,25-25-15,-1 1 0,1-1 16,-1 0-16,1-24 16,-1 25-16,25-25 0,-25 0 15,1 0-15,23 0 0,-23-25 16</inkml:trace>
-  <inkml:trace contextRef="#ctx0" brushRef="#br0" timeOffset="7145">883 1184 0,'-25'0'16,"25"-24"-1,0-1 16,-24 1-15,0 24 0,-1 0-16,1 0 15,-1 0 1,1 0-16,-1 24 0,1-24 16,0 25-16,-1-1 15,1 1-15,24-1 16,0 0-16,0 1 0,0-1 15,0 1-15,24-1 16,-24 1-16,25-25 0,-1 24 16,0-24-16,1 0 0,24 0 15,-25 0-15,1 0 16,-1 0-16,0-24 16,1-1-16,-1 1 15,-24-1-15,0 1 0,0-1 16,0 1-16,0-25 0,0 25 15,0-1-15,0 1 16,0 48 15,0 1-31,0-1 0,25 1 16,-25-1-16,0 0 16,24 1-16,-24-1 0,25-24 15,-25 25-15,24-25 0,0 0 16,1 0-16</inkml:trace>
-  <inkml:trace contextRef="#ctx0" brushRef="#br0" timeOffset="7398">1176 989 0,'-25'-25'0,"25"1"16,0 48 31,0 1-47,0-1 15,0 1-15,25 24 0,-25-25 16,0 0-16,0 25 16,0-24-16,24 24 0,-24-25 15,0 0-15,25 1 16,-25-1-16</inkml:trace>
-  <inkml:trace contextRef="#ctx0" brushRef="#br0" timeOffset="8423">1713 1184 0,'0'-24'16,"-24"-1"-1,-1 25 1,1 0-16,-1-24 16,1 24-16,0 0 15,-1 0-15,1 24 16,-1-24-16,1 0 0,24 25 15,-24-1-15,24 1 16,0-1-16,0 1 16,0-1-16,0 0 15,24 1-15,-24-1 0,24 1 16,1-25-16,-1 24 0,1-24 16,23 24-16,-23-24 15,-1 0-15,25 0 0,-24-24 16,-1 24-16,0-24 15,1-1-15,-1 1 0,-24-1 16,25 1-16,-25 0 0,0-1 16,0 1-16,0-1 15,0-24-15,0 25 16,0 0-16,-25 24 16,25 24-1,0 0 1,0 1-1,0-1-15,0 1 0,0-1 16,0 1-16,0-1 0,0 0 16,25 1-16,-1-1 15,1-24 1,-1 0-16,0 0 16,1 0-16,-1-24 15,1-1-15,-1 1 16,-24 0-1,0-1-15,0 1 0,0-1 16,0 1-16,0-1 16,0 1-16,-24 0 15,24 48 1,0 0 0,0 1-16,0-1 0,24-24 15,-24 49-15,25-49 16,-25 25-16,24-1 0,-24 0 15,24-24-15,1 25 0,-1-1 16,1-24 0,-1 0-16,1-24 15,-1-1 1,-24 1-16,24 0 0,-24-1 16,0 1-16,0-1 0,0-24 15,0 1-15,0 23 16,-24-24-16,24 25 0,0-25 15,-24 25-15,24-1 0,0 50 32,0-1-17,0 0-15,0 1 16,0 24-16,0-25 0,24 25 16,-24 0-16,0 0 0,24-25 15,-24 25-15,25-25 16,-25 1-16,24-1 0,1 1 15,-25-1-15,24-24 16</inkml:trace>
-  <inkml:trace contextRef="#ctx0" brushRef="#br0" timeOffset="9618">2324 1209 0,'-25'0'16,"25"-25"-1,25 25 17,-25-24-32,24 24 15,1 0-15,-1 0 16,0 0-16,25-25 0,-24 25 16,-1 0-16,25 0 15,-25-24-15,1 24 0,24 0 16,-25-24-16,1 24 15,-1 0-15,0-25 16,1 25-16,-25-24 16,0-1 15,-25 25-15,1 0-16,0 0 15,-1 0-15,1 0 0,24 25 16,-25-25-16,1 24 15,24 1-15,-25-1 16,25 0-16,0 1 16,0 24-16,0-25 0,0 0 15,0 1-15,0-1 0,0 1 16,25-1-16,-1 1 16,1-1-16,-1-24 15,1 0 1,-1-24-16,0 24 0,1-25 15,-1 1-15,-24-1 16,25 1-16,-25-25 16,0 25-16,0-1 0,0 1 15,0-1-15,0 1 16,0 0-16,0 48 16,0 0-1,0 1 1,0-1-16,0 1 0,0-1 15,0 0-15,24 1 16,-24-1-16,24 1 0,1-1 16,-1-24-16,1 0 15,-1 0-15,1 0 16,-1 0-16,0-24 0,-24-1 16,25 1-16,-1-1 0,-24-23 15,0 23-15,0-24 16,0 1-16,0-1 0,0 0 15,-24 24-15,24-23 16,-25 23-16,25 1 0,-24 24 16,24 24-1,0 1 1,0 23-16,0-23 0,24 24 16,-24 0-16,25-1 15,-25 1-15,24-24 0,1 23 16,-25-23-16,24 24 15,1-25-15,-1 1 16,0-25-16,-24-25 31,0 1-31,-24-1 0,24 1 16,-24-1-16,-1 1 0,25 0 16,-24 24-16,-1-25 15,25 1-15,-24 24 16,48 0-1,1-25 1,-1 25-16,1 0 0,-1 0 16,0 0-16,1-24 15,-1 24-15,1 0 0,-1 0 16,1-24 0,-1 24-1,-24-25-15,24 50 31,-24-1-31,0 0 16,0 1 0,0 24-16,25-25 0,-25 0 15,0 1-15,0-1 0,24 1 16,-24-1-16,25 1 16</inkml:trace>
-  <inkml:trace contextRef="#ctx0" brushRef="#br0" timeOffset="9786">3447 916 0,'-24'-25'16,"-1"1"-16,25 48 31,25 1-15,-1-1-1</inkml:trace>
-  <inkml:trace contextRef="#ctx0" brushRef="#br0" timeOffset="10583">3691 1038 0,'0'24'31,"-24"-24"-15,24 25-16,-24-1 16,24 0-16,0 1 0,0-1 15,0 25-15,0-25 16,0 1-16,24 24 0,0-25 16,1 1-16,-1-25 15,1 24-15,-1-24 0,1 0 16,23 0-16,-23 0 15,-1-24-15,1 24 0,-1-25 16,-24 1-16,0-25 0,0 24 16,0 1-16,-24-25 15,24 0-15,-25 25 0,1 0 16,-1-1-16,1 1 0,0-1 16,-1 25-16,1 0 15,-1 25-15,25-1 16,0 1-16,0-1 15,0 0-15,25 1 0,-25-1 16,24 25-16,-24-25 0,25-24 16,-25 25-16,24-25 15,0 24-15,1-24 16,-1-24 0,1-1-16,-25 1 15,0 0-15,0-1 0,0 1 16,24-1-16,-24-23 15,0 23-15,25 1 16,-1 24 0,0 0-16,-24 24 0,25 1 15,-25-1-15,24 0 0,-24 25 16,25-24-16,-25-1 16,0 25-16,24-25 0,-24 1 15,0-1-15,0-48 47,0-1-47,0 1 16,0-25-16,0 25 0,25-25 15,-25 0-15,0 25 16,24-1-16,-24 1 0,24-1 16,1 25-16,-1 25 15,1-1-15,-25 1 16,24 23-16,-24-23 0,24 24 15,-24-1-15,25 1 0,-25 0 16,24-24-16,-24-1 16,0 0-16,25 1 0,-25-1 15</inkml:trace>
-  <inkml:trace contextRef="#ctx0" brushRef="#br0" timeOffset="10879">4449 1013 0,'-25'-24'0,"1"24"15,24-25 1,24 25 15,1 25-15,-25-1-16,24 1 15,0-1-15,1 1 0,-1 23 16,1-23-16,-1 24 0,1-25 16,-1 25-16,0-25 15,1 25-15,-1-24 0,1-1 16,-1 0-16,-24-48 31</inkml:trace>
-  <inkml:trace contextRef="#ctx0" brushRef="#br0" timeOffset="11178">4766 989 0,'0'24'62,"0"1"-62,0-1 16,0 1-16,0-1 16,-24 25-16,24-25 0,0 25 15,0 0-15,0 0 0,0-25 16,24 25-16,-24 0 16,0-25-16,0 1 0,25-1 15,-25 1-15,0-1 16,0-48-1,0-1 1</inkml:trace>
-</inkml:ink>
-</file>
-
 <file path=ppt/notesMasters/notesMaster1.xml><?xml version="1.0" encoding="utf-8"?>
 <p:notesMaster xmlns:a="http://schemas.openxmlformats.org/drawingml/2006/main" xmlns:r="http://schemas.openxmlformats.org/officeDocument/2006/relationships" xmlns:p="http://schemas.openxmlformats.org/presentationml/2006/main">
   <p:cSld>
@@ -1439,7 +1558,7 @@
           <a:p>
             <a:fld id="{4AF2A06D-4991-4208-8C88-4E8BAD69A8B8}" type="datetimeFigureOut">
               <a:rPr lang="en-US" smtClean="0"/>
-              <a:t>11/26/2021</a:t>
+              <a:t>1/25/2022</a:t>
             </a:fld>
             <a:endParaRPr lang="en-US"/>
           </a:p>
@@ -1902,7 +2021,7 @@
                 <a:tabLst/>
                 <a:defRPr/>
               </a:pPr>
-              <a:t>12</a:t>
+              <a:t>13</a:t>
             </a:fld>
             <a:endParaRPr kumimoji="0" lang="en-US" sz="1200" b="0" i="0" u="none" strike="noStrike" kern="1200" cap="none" spc="0" normalizeH="0" baseline="0" noProof="0">
               <a:ln>
@@ -2063,7 +2182,7 @@
           <a:p>
             <a:fld id="{E26E0DA5-0C76-4851-AA82-0B75261F9EB4}" type="datetimeFigureOut">
               <a:rPr lang="en-US" smtClean="0"/>
-              <a:t>11/26/2021</a:t>
+              <a:t>1/25/2022</a:t>
             </a:fld>
             <a:endParaRPr lang="en-US"/>
           </a:p>
@@ -2231,7 +2350,7 @@
           <a:p>
             <a:fld id="{E26E0DA5-0C76-4851-AA82-0B75261F9EB4}" type="datetimeFigureOut">
               <a:rPr lang="en-US" smtClean="0"/>
-              <a:t>11/26/2021</a:t>
+              <a:t>1/25/2022</a:t>
             </a:fld>
             <a:endParaRPr lang="en-US"/>
           </a:p>
@@ -2409,7 +2528,7 @@
           <a:p>
             <a:fld id="{E26E0DA5-0C76-4851-AA82-0B75261F9EB4}" type="datetimeFigureOut">
               <a:rPr lang="en-US" smtClean="0"/>
-              <a:t>11/26/2021</a:t>
+              <a:t>1/25/2022</a:t>
             </a:fld>
             <a:endParaRPr lang="en-US"/>
           </a:p>
@@ -2736,7 +2855,7 @@
             <a:fld id="{9578D6DB-6798-42D2-B9AD-FC6F1C72FC30}" type="datetimeFigureOut">
               <a:rPr lang="en-US" smtClean="0"/>
               <a:pPr/>
-              <a:t>11/26/2021</a:t>
+              <a:t>1/25/2022</a:t>
             </a:fld>
             <a:endParaRPr lang="en-US"/>
           </a:p>
@@ -2978,7 +3097,7 @@
             <a:fld id="{425404F2-BE9A-4460-8815-8F645183555F}" type="datetimeFigureOut">
               <a:rPr lang="en-US" smtClean="0"/>
               <a:pPr/>
-              <a:t>11/26/2021</a:t>
+              <a:t>1/25/2022</a:t>
             </a:fld>
             <a:endParaRPr lang="en-US"/>
           </a:p>
@@ -3106,7 +3225,7 @@
             <a:fld id="{425404F2-BE9A-4460-8815-8F645183555F}" type="datetimeFigureOut">
               <a:rPr lang="en-US" smtClean="0"/>
               <a:pPr/>
-              <a:t>11/26/2021</a:t>
+              <a:t>1/25/2022</a:t>
             </a:fld>
             <a:endParaRPr lang="en-US"/>
           </a:p>
@@ -3356,7 +3475,7 @@
             <a:fld id="{425404F2-BE9A-4460-8815-8F645183555F}" type="datetimeFigureOut">
               <a:rPr lang="en-US" smtClean="0"/>
               <a:pPr/>
-              <a:t>11/26/2021</a:t>
+              <a:t>1/25/2022</a:t>
             </a:fld>
             <a:endParaRPr lang="en-US"/>
           </a:p>
@@ -3526,7 +3645,7 @@
             <a:fld id="{425404F2-BE9A-4460-8815-8F645183555F}" type="datetimeFigureOut">
               <a:rPr lang="en-US" smtClean="0"/>
               <a:pPr/>
-              <a:t>11/26/2021</a:t>
+              <a:t>1/25/2022</a:t>
             </a:fld>
             <a:endParaRPr lang="en-US"/>
           </a:p>
@@ -3813,7 +3932,7 @@
             <a:fld id="{425404F2-BE9A-4460-8815-8F645183555F}" type="datetimeFigureOut">
               <a:rPr lang="en-US" smtClean="0"/>
               <a:pPr/>
-              <a:t>11/26/2021</a:t>
+              <a:t>1/25/2022</a:t>
             </a:fld>
             <a:endParaRPr lang="en-US"/>
           </a:p>
@@ -4234,7 +4353,7 @@
             <a:fld id="{425404F2-BE9A-4460-8815-8F645183555F}" type="datetimeFigureOut">
               <a:rPr lang="en-US" smtClean="0"/>
               <a:pPr/>
-              <a:t>11/26/2021</a:t>
+              <a:t>1/25/2022</a:t>
             </a:fld>
             <a:endParaRPr lang="en-US"/>
           </a:p>
@@ -4359,7 +4478,7 @@
             <a:fld id="{425404F2-BE9A-4460-8815-8F645183555F}" type="datetimeFigureOut">
               <a:rPr lang="en-US" smtClean="0"/>
               <a:pPr/>
-              <a:t>11/26/2021</a:t>
+              <a:t>1/25/2022</a:t>
             </a:fld>
             <a:endParaRPr lang="en-US"/>
           </a:p>
@@ -4585,7 +4704,7 @@
           <a:p>
             <a:fld id="{E26E0DA5-0C76-4851-AA82-0B75261F9EB4}" type="datetimeFigureOut">
               <a:rPr lang="en-US" smtClean="0"/>
-              <a:t>11/26/2021</a:t>
+              <a:t>1/25/2022</a:t>
             </a:fld>
             <a:endParaRPr lang="en-US"/>
           </a:p>
@@ -4709,7 +4828,7 @@
             <a:fld id="{425404F2-BE9A-4460-8815-8F645183555F}" type="datetimeFigureOut">
               <a:rPr lang="en-US" smtClean="0"/>
               <a:pPr/>
-              <a:t>11/26/2021</a:t>
+              <a:t>1/25/2022</a:t>
             </a:fld>
             <a:endParaRPr lang="en-US"/>
           </a:p>
@@ -5256,7 +5375,7 @@
             <a:fld id="{425404F2-BE9A-4460-8815-8F645183555F}" type="datetimeFigureOut">
               <a:rPr lang="en-US" smtClean="0"/>
               <a:pPr/>
-              <a:t>11/26/2021</a:t>
+              <a:t>1/25/2022</a:t>
             </a:fld>
             <a:endParaRPr lang="en-US"/>
           </a:p>
@@ -5404,7 +5523,7 @@
             <a:fld id="{425404F2-BE9A-4460-8815-8F645183555F}" type="datetimeFigureOut">
               <a:rPr lang="en-US" smtClean="0"/>
               <a:pPr/>
-              <a:t>11/26/2021</a:t>
+              <a:t>1/25/2022</a:t>
             </a:fld>
             <a:endParaRPr lang="en-US"/>
           </a:p>
@@ -5637,7 +5756,7 @@
             <a:fld id="{425404F2-BE9A-4460-8815-8F645183555F}" type="datetimeFigureOut">
               <a:rPr lang="en-US" smtClean="0"/>
               <a:pPr/>
-              <a:t>11/26/2021</a:t>
+              <a:t>1/25/2022</a:t>
             </a:fld>
             <a:endParaRPr lang="en-US"/>
           </a:p>
@@ -5875,7 +5994,7 @@
             <a:fld id="{425404F2-BE9A-4460-8815-8F645183555F}" type="datetimeFigureOut">
               <a:rPr lang="en-US" smtClean="0"/>
               <a:pPr/>
-              <a:t>11/26/2021</a:t>
+              <a:t>1/25/2022</a:t>
             </a:fld>
             <a:endParaRPr lang="en-US"/>
           </a:p>
@@ -6057,7 +6176,7 @@
             <a:fld id="{425404F2-BE9A-4460-8815-8F645183555F}" type="datetimeFigureOut">
               <a:rPr lang="en-US" smtClean="0"/>
               <a:pPr/>
-              <a:t>11/26/2021</a:t>
+              <a:t>1/25/2022</a:t>
             </a:fld>
             <a:endParaRPr lang="en-US"/>
           </a:p>
@@ -6334,7 +6453,7 @@
             <a:fld id="{425404F2-BE9A-4460-8815-8F645183555F}" type="datetimeFigureOut">
               <a:rPr lang="en-US" smtClean="0"/>
               <a:pPr/>
-              <a:t>11/26/2021</a:t>
+              <a:t>1/25/2022</a:t>
             </a:fld>
             <a:endParaRPr lang="en-US"/>
           </a:p>
@@ -6588,7 +6707,7 @@
             <a:fld id="{425404F2-BE9A-4460-8815-8F645183555F}" type="datetimeFigureOut">
               <a:rPr lang="en-US" smtClean="0"/>
               <a:pPr/>
-              <a:t>11/26/2021</a:t>
+              <a:t>1/25/2022</a:t>
             </a:fld>
             <a:endParaRPr lang="en-US"/>
           </a:p>
@@ -6758,7 +6877,7 @@
             <a:fld id="{425404F2-BE9A-4460-8815-8F645183555F}" type="datetimeFigureOut">
               <a:rPr lang="en-US" smtClean="0"/>
               <a:pPr/>
-              <a:t>11/26/2021</a:t>
+              <a:t>1/25/2022</a:t>
             </a:fld>
             <a:endParaRPr lang="en-US"/>
           </a:p>
@@ -6938,7 +7057,7 @@
             <a:fld id="{425404F2-BE9A-4460-8815-8F645183555F}" type="datetimeFigureOut">
               <a:rPr lang="en-US" smtClean="0"/>
               <a:pPr/>
-              <a:t>11/26/2021</a:t>
+              <a:t>1/25/2022</a:t>
             </a:fld>
             <a:endParaRPr lang="en-US"/>
           </a:p>
@@ -7184,7 +7303,7 @@
           <a:p>
             <a:fld id="{E26E0DA5-0C76-4851-AA82-0B75261F9EB4}" type="datetimeFigureOut">
               <a:rPr lang="en-US" smtClean="0"/>
-              <a:t>11/26/2021</a:t>
+              <a:t>1/25/2022</a:t>
             </a:fld>
             <a:endParaRPr lang="en-US"/>
           </a:p>
@@ -7413,7 +7532,7 @@
           <a:p>
             <a:fld id="{E26E0DA5-0C76-4851-AA82-0B75261F9EB4}" type="datetimeFigureOut">
               <a:rPr lang="en-US" smtClean="0"/>
-              <a:t>11/26/2021</a:t>
+              <a:t>1/25/2022</a:t>
             </a:fld>
             <a:endParaRPr lang="en-US"/>
           </a:p>
@@ -7777,7 +7896,7 @@
           <a:p>
             <a:fld id="{E26E0DA5-0C76-4851-AA82-0B75261F9EB4}" type="datetimeFigureOut">
               <a:rPr lang="en-US" smtClean="0"/>
-              <a:t>11/26/2021</a:t>
+              <a:t>1/25/2022</a:t>
             </a:fld>
             <a:endParaRPr lang="en-US"/>
           </a:p>
@@ -7894,7 +8013,7 @@
           <a:p>
             <a:fld id="{E26E0DA5-0C76-4851-AA82-0B75261F9EB4}" type="datetimeFigureOut">
               <a:rPr lang="en-US" smtClean="0"/>
-              <a:t>11/26/2021</a:t>
+              <a:t>1/25/2022</a:t>
             </a:fld>
             <a:endParaRPr lang="en-US"/>
           </a:p>
@@ -7989,7 +8108,7 @@
           <a:p>
             <a:fld id="{E26E0DA5-0C76-4851-AA82-0B75261F9EB4}" type="datetimeFigureOut">
               <a:rPr lang="en-US" smtClean="0"/>
-              <a:t>11/26/2021</a:t>
+              <a:t>1/25/2022</a:t>
             </a:fld>
             <a:endParaRPr lang="en-US"/>
           </a:p>
@@ -8264,7 +8383,7 @@
           <a:p>
             <a:fld id="{E26E0DA5-0C76-4851-AA82-0B75261F9EB4}" type="datetimeFigureOut">
               <a:rPr lang="en-US" smtClean="0"/>
-              <a:t>11/26/2021</a:t>
+              <a:t>1/25/2022</a:t>
             </a:fld>
             <a:endParaRPr lang="en-US"/>
           </a:p>
@@ -8516,7 +8635,7 @@
           <a:p>
             <a:fld id="{E26E0DA5-0C76-4851-AA82-0B75261F9EB4}" type="datetimeFigureOut">
               <a:rPr lang="en-US" smtClean="0"/>
-              <a:t>11/26/2021</a:t>
+              <a:t>1/25/2022</a:t>
             </a:fld>
             <a:endParaRPr lang="en-US"/>
           </a:p>
@@ -8727,7 +8846,7 @@
           <a:p>
             <a:fld id="{E26E0DA5-0C76-4851-AA82-0B75261F9EB4}" type="datetimeFigureOut">
               <a:rPr lang="en-US" smtClean="0"/>
-              <a:t>11/26/2021</a:t>
+              <a:t>1/25/2022</a:t>
             </a:fld>
             <a:endParaRPr lang="en-US"/>
           </a:p>
@@ -9284,7 +9403,7 @@
             <a:fld id="{425404F2-BE9A-4460-8815-8F645183555F}" type="datetimeFigureOut">
               <a:rPr lang="en-US" smtClean="0"/>
               <a:pPr/>
-              <a:t>11/26/2021</a:t>
+              <a:t>1/25/2022</a:t>
             </a:fld>
             <a:endParaRPr lang="en-US"/>
           </a:p>
@@ -9923,6 +10042,120 @@
       </p:grpSpPr>
       <p:sp>
         <p:nvSpPr>
+          <p:cNvPr id="2" name="Title 3">
+            <a:extLst>
+              <a:ext uri="{FF2B5EF4-FFF2-40B4-BE49-F238E27FC236}">
+                <a16:creationId xmlns:a16="http://schemas.microsoft.com/office/drawing/2014/main" id="{F07FC580-E2AB-4C55-8C95-D5E077A1D127}"/>
+              </a:ext>
+            </a:extLst>
+          </p:cNvPr>
+          <p:cNvSpPr txBox="1">
+            <a:spLocks/>
+          </p:cNvSpPr>
+          <p:nvPr/>
+        </p:nvSpPr>
+        <p:spPr>
+          <a:xfrm>
+            <a:off x="261764" y="188640"/>
+            <a:ext cx="11292008" cy="711081"/>
+          </a:xfrm>
+          <a:prstGeom prst="rect">
+            <a:avLst/>
+          </a:prstGeom>
+        </p:spPr>
+        <p:txBody>
+          <a:bodyPr/>
+          <a:lstStyle>
+            <a:lvl1pPr algn="l" defTabSz="914400" rtl="0" eaLnBrk="1" latinLnBrk="0" hangingPunct="1">
+              <a:lnSpc>
+                <a:spcPct val="90000"/>
+              </a:lnSpc>
+              <a:spcBef>
+                <a:spcPct val="0"/>
+              </a:spcBef>
+              <a:buNone/>
+              <a:defRPr sz="4400" kern="1200">
+                <a:solidFill>
+                  <a:schemeClr val="tx1"/>
+                </a:solidFill>
+                <a:latin typeface="+mj-lt"/>
+                <a:ea typeface="+mj-ea"/>
+                <a:cs typeface="+mj-cs"/>
+              </a:defRPr>
+            </a:lvl1pPr>
+          </a:lstStyle>
+          <a:p>
+            <a:endParaRPr lang="en-US" b="1" dirty="0"/>
+          </a:p>
+        </p:txBody>
+      </p:sp>
+      <p:sp>
+        <p:nvSpPr>
+          <p:cNvPr id="7" name="TextBox 6">
+            <a:extLst>
+              <a:ext uri="{FF2B5EF4-FFF2-40B4-BE49-F238E27FC236}">
+                <a16:creationId xmlns:a16="http://schemas.microsoft.com/office/drawing/2014/main" id="{17EB74BE-8011-4153-8F37-3BEF9C1F4CC0}"/>
+              </a:ext>
+            </a:extLst>
+          </p:cNvPr>
+          <p:cNvSpPr txBox="1"/>
+          <p:nvPr/>
+        </p:nvSpPr>
+        <p:spPr>
+          <a:xfrm>
+            <a:off x="3512128" y="2507734"/>
+            <a:ext cx="6174508" cy="1323439"/>
+          </a:xfrm>
+          <a:prstGeom prst="rect">
+            <a:avLst/>
+          </a:prstGeom>
+          <a:noFill/>
+        </p:spPr>
+        <p:txBody>
+          <a:bodyPr wrap="square">
+            <a:spAutoFit/>
+          </a:bodyPr>
+          <a:lstStyle/>
+          <a:p>
+            <a:r>
+              <a:rPr lang="en-US" sz="8000" b="1" dirty="0"/>
+              <a:t>End of Day 13</a:t>
+            </a:r>
+          </a:p>
+        </p:txBody>
+      </p:sp>
+    </p:spTree>
+    <p:extLst>
+      <p:ext uri="{BB962C8B-B14F-4D97-AF65-F5344CB8AC3E}">
+        <p14:creationId xmlns:p14="http://schemas.microsoft.com/office/powerpoint/2010/main" val="3867772902"/>
+      </p:ext>
+    </p:extLst>
+  </p:cSld>
+  <p:clrMapOvr>
+    <a:masterClrMapping/>
+  </p:clrMapOvr>
+</p:sld>
+</file>
+
+<file path=ppt/slides/slide11.xml><?xml version="1.0" encoding="utf-8"?>
+<p:sld xmlns:a="http://schemas.openxmlformats.org/drawingml/2006/main" xmlns:r="http://schemas.openxmlformats.org/officeDocument/2006/relationships" xmlns:p="http://schemas.openxmlformats.org/presentationml/2006/main">
+  <p:cSld>
+    <p:spTree>
+      <p:nvGrpSpPr>
+        <p:cNvPr id="1" name=""/>
+        <p:cNvGrpSpPr/>
+        <p:nvPr/>
+      </p:nvGrpSpPr>
+      <p:grpSpPr>
+        <a:xfrm>
+          <a:off x="0" y="0"/>
+          <a:ext cx="0" cy="0"/>
+          <a:chOff x="0" y="0"/>
+          <a:chExt cx="0" cy="0"/>
+        </a:xfrm>
+      </p:grpSpPr>
+      <p:sp>
+        <p:nvSpPr>
           <p:cNvPr id="2" name="Title 1">
             <a:extLst>
               <a:ext uri="{FF2B5EF4-FFF2-40B4-BE49-F238E27FC236}">
@@ -9984,7 +10217,7 @@
 </p:sld>
 </file>
 
-<file path=ppt/slides/slide11.xml><?xml version="1.0" encoding="utf-8"?>
+<file path=ppt/slides/slide12.xml><?xml version="1.0" encoding="utf-8"?>
 <p:sld xmlns:a="http://schemas.openxmlformats.org/drawingml/2006/main" xmlns:r="http://schemas.openxmlformats.org/officeDocument/2006/relationships" xmlns:p="http://schemas.openxmlformats.org/presentationml/2006/main">
   <p:cSld>
     <p:spTree>
@@ -10094,7 +10327,7 @@
 </p:sld>
 </file>
 
-<file path=ppt/slides/slide12.xml><?xml version="1.0" encoding="utf-8"?>
+<file path=ppt/slides/slide13.xml><?xml version="1.0" encoding="utf-8"?>
 <p:sld xmlns:a="http://schemas.openxmlformats.org/drawingml/2006/main" xmlns:r="http://schemas.openxmlformats.org/officeDocument/2006/relationships" xmlns:p="http://schemas.openxmlformats.org/presentationml/2006/main">
   <p:cSld>
     <p:bg>
@@ -11227,6 +11460,228 @@
         <mc:Choice xmlns:p14="http://schemas.microsoft.com/office/powerpoint/2010/main" Requires="p14">
           <p:contentPart p14:bwMode="auto" r:id="rId2">
             <p14:nvContentPartPr>
+              <p14:cNvPr id="113" name="Ink 112">
+                <a:extLst>
+                  <a:ext uri="{FF2B5EF4-FFF2-40B4-BE49-F238E27FC236}">
+                    <a16:creationId xmlns:a16="http://schemas.microsoft.com/office/drawing/2014/main" id="{0567713D-FD90-4A33-BB6A-3673D1123E70}"/>
+                  </a:ext>
+                </a:extLst>
+              </p14:cNvPr>
+              <p14:cNvContentPartPr/>
+              <p14:nvPr/>
+            </p14:nvContentPartPr>
+            <p14:xfrm>
+              <a:off x="314185" y="415607"/>
+              <a:ext cx="11836440" cy="6419520"/>
+            </p14:xfrm>
+          </p:contentPart>
+        </mc:Choice>
+        <mc:Fallback>
+          <p:pic>
+            <p:nvPicPr>
+              <p:cNvPr id="113" name="Ink 112">
+                <a:extLst>
+                  <a:ext uri="{FF2B5EF4-FFF2-40B4-BE49-F238E27FC236}">
+                    <a16:creationId xmlns:a16="http://schemas.microsoft.com/office/drawing/2014/main" id="{0567713D-FD90-4A33-BB6A-3673D1123E70}"/>
+                  </a:ext>
+                </a:extLst>
+              </p:cNvPr>
+              <p:cNvPicPr/>
+              <p:nvPr/>
+            </p:nvPicPr>
+            <p:blipFill>
+              <a:blip r:embed="rId3"/>
+              <a:stretch>
+                <a:fillRect/>
+              </a:stretch>
+            </p:blipFill>
+            <p:spPr>
+              <a:xfrm>
+                <a:off x="305185" y="406607"/>
+                <a:ext cx="11854080" cy="6437160"/>
+              </a:xfrm>
+              <a:prstGeom prst="rect">
+                <a:avLst/>
+              </a:prstGeom>
+            </p:spPr>
+          </p:pic>
+        </mc:Fallback>
+      </mc:AlternateContent>
+      <p:sp>
+        <p:nvSpPr>
+          <p:cNvPr id="114" name="Rectangle 113">
+            <a:extLst>
+              <a:ext uri="{FF2B5EF4-FFF2-40B4-BE49-F238E27FC236}">
+                <a16:creationId xmlns:a16="http://schemas.microsoft.com/office/drawing/2014/main" id="{DBECC01B-6DA8-45CB-BC39-FC10B5A5A06D}"/>
+              </a:ext>
+            </a:extLst>
+          </p:cNvPr>
+          <p:cNvSpPr/>
+          <p:nvPr/>
+        </p:nvSpPr>
+        <p:spPr>
+          <a:xfrm>
+            <a:off x="6991927" y="812800"/>
+            <a:ext cx="4885888" cy="2355273"/>
+          </a:xfrm>
+          <a:prstGeom prst="rect">
+            <a:avLst/>
+          </a:prstGeom>
+        </p:spPr>
+        <p:style>
+          <a:lnRef idx="2">
+            <a:schemeClr val="accent1">
+              <a:shade val="50000"/>
+            </a:schemeClr>
+          </a:lnRef>
+          <a:fillRef idx="1">
+            <a:schemeClr val="accent1"/>
+          </a:fillRef>
+          <a:effectRef idx="0">
+            <a:schemeClr val="accent1"/>
+          </a:effectRef>
+          <a:fontRef idx="minor">
+            <a:schemeClr val="lt1"/>
+          </a:fontRef>
+        </p:style>
+        <p:txBody>
+          <a:bodyPr rtlCol="0" anchor="ctr"/>
+          <a:lstStyle/>
+          <a:p>
+            <a:pPr algn="ctr"/>
+            <a:r>
+              <a:rPr lang="en-US" dirty="0"/>
+              <a:t>Adaptor</a:t>
+            </a:r>
+          </a:p>
+        </p:txBody>
+      </p:sp>
+      <p:sp>
+        <p:nvSpPr>
+          <p:cNvPr id="115" name="Arrow: Down 114">
+            <a:extLst>
+              <a:ext uri="{FF2B5EF4-FFF2-40B4-BE49-F238E27FC236}">
+                <a16:creationId xmlns:a16="http://schemas.microsoft.com/office/drawing/2014/main" id="{F611B1A3-C2E3-43FC-986B-ADA2B16760A6}"/>
+              </a:ext>
+            </a:extLst>
+          </p:cNvPr>
+          <p:cNvSpPr/>
+          <p:nvPr/>
+        </p:nvSpPr>
+        <p:spPr>
+          <a:xfrm>
+            <a:off x="8266545" y="3288145"/>
+            <a:ext cx="517237" cy="1616364"/>
+          </a:xfrm>
+          <a:prstGeom prst="downArrow">
+            <a:avLst/>
+          </a:prstGeom>
+        </p:spPr>
+        <p:style>
+          <a:lnRef idx="2">
+            <a:schemeClr val="accent1">
+              <a:shade val="50000"/>
+            </a:schemeClr>
+          </a:lnRef>
+          <a:fillRef idx="1">
+            <a:schemeClr val="accent1"/>
+          </a:fillRef>
+          <a:effectRef idx="0">
+            <a:schemeClr val="accent1"/>
+          </a:effectRef>
+          <a:fontRef idx="minor">
+            <a:schemeClr val="lt1"/>
+          </a:fontRef>
+        </p:style>
+        <p:txBody>
+          <a:bodyPr rtlCol="0" anchor="ctr"/>
+          <a:lstStyle/>
+          <a:p>
+            <a:pPr algn="ctr"/>
+            <a:endParaRPr lang="en-US"/>
+          </a:p>
+        </p:txBody>
+      </p:sp>
+      <p:sp>
+        <p:nvSpPr>
+          <p:cNvPr id="116" name="Arrow: Right 115">
+            <a:extLst>
+              <a:ext uri="{FF2B5EF4-FFF2-40B4-BE49-F238E27FC236}">
+                <a16:creationId xmlns:a16="http://schemas.microsoft.com/office/drawing/2014/main" id="{E9280A13-C9F8-44A3-9BE7-FD4E941E8568}"/>
+              </a:ext>
+            </a:extLst>
+          </p:cNvPr>
+          <p:cNvSpPr/>
+          <p:nvPr/>
+        </p:nvSpPr>
+        <p:spPr>
+          <a:xfrm>
+            <a:off x="4590473" y="1634836"/>
+            <a:ext cx="2401454" cy="572655"/>
+          </a:xfrm>
+          <a:prstGeom prst="rightArrow">
+            <a:avLst/>
+          </a:prstGeom>
+        </p:spPr>
+        <p:style>
+          <a:lnRef idx="2">
+            <a:schemeClr val="accent1">
+              <a:shade val="50000"/>
+            </a:schemeClr>
+          </a:lnRef>
+          <a:fillRef idx="1">
+            <a:schemeClr val="accent1"/>
+          </a:fillRef>
+          <a:effectRef idx="0">
+            <a:schemeClr val="accent1"/>
+          </a:effectRef>
+          <a:fontRef idx="minor">
+            <a:schemeClr val="lt1"/>
+          </a:fontRef>
+        </p:style>
+        <p:txBody>
+          <a:bodyPr rtlCol="0" anchor="ctr"/>
+          <a:lstStyle/>
+          <a:p>
+            <a:pPr algn="ctr"/>
+            <a:endParaRPr lang="en-US"/>
+          </a:p>
+        </p:txBody>
+      </p:sp>
+    </p:spTree>
+    <p:extLst>
+      <p:ext uri="{BB962C8B-B14F-4D97-AF65-F5344CB8AC3E}">
+        <p14:creationId xmlns:p14="http://schemas.microsoft.com/office/powerpoint/2010/main" val="3438906211"/>
+      </p:ext>
+    </p:extLst>
+  </p:cSld>
+  <p:clrMapOvr>
+    <a:masterClrMapping/>
+  </p:clrMapOvr>
+</p:sld>
+</file>
+
+<file path=ppt/slides/slide4.xml><?xml version="1.0" encoding="utf-8"?>
+<p:sld xmlns:a="http://schemas.openxmlformats.org/drawingml/2006/main" xmlns:r="http://schemas.openxmlformats.org/officeDocument/2006/relationships" xmlns:p="http://schemas.openxmlformats.org/presentationml/2006/main">
+  <p:cSld>
+    <p:spTree>
+      <p:nvGrpSpPr>
+        <p:cNvPr id="1" name=""/>
+        <p:cNvGrpSpPr/>
+        <p:nvPr/>
+      </p:nvGrpSpPr>
+      <p:grpSpPr>
+        <a:xfrm>
+          <a:off x="0" y="0"/>
+          <a:ext cx="0" cy="0"/>
+          <a:chOff x="0" y="0"/>
+          <a:chExt cx="0" cy="0"/>
+        </a:xfrm>
+      </p:grpSpPr>
+      <mc:AlternateContent xmlns:mc="http://schemas.openxmlformats.org/markup-compatibility/2006" xmlns:p14="http://schemas.microsoft.com/office/powerpoint/2010/main">
+        <mc:Choice Requires="p14">
+          <p:contentPart p14:bwMode="auto" r:id="rId2">
+            <p14:nvContentPartPr>
               <p14:cNvPr id="245" name="Ink 244">
                 <a:extLst>
                   <a:ext uri="{FF2B5EF4-FFF2-40B4-BE49-F238E27FC236}">
@@ -11243,7 +11698,7 @@
             </p14:xfrm>
           </p:contentPart>
         </mc:Choice>
-        <mc:Fallback>
+        <mc:Fallback xmlns="">
           <p:pic>
             <p:nvPicPr>
               <p:cNvPr id="245" name="Ink 244">
@@ -11287,7 +11742,7 @@
 </p:sld>
 </file>
 
-<file path=ppt/slides/slide4.xml><?xml version="1.0" encoding="utf-8"?>
+<file path=ppt/slides/slide5.xml><?xml version="1.0" encoding="utf-8"?>
 <p:sld xmlns:a="http://schemas.openxmlformats.org/drawingml/2006/main" xmlns:r="http://schemas.openxmlformats.org/officeDocument/2006/relationships" xmlns:p="http://schemas.openxmlformats.org/presentationml/2006/main">
   <p:cSld>
     <p:spTree>
@@ -11897,7 +12352,7 @@
 </p:sld>
 </file>
 
-<file path=ppt/slides/slide5.xml><?xml version="1.0" encoding="utf-8"?>
+<file path=ppt/slides/slide6.xml><?xml version="1.0" encoding="utf-8"?>
 <p:sld xmlns:a="http://schemas.openxmlformats.org/drawingml/2006/main" xmlns:r="http://schemas.openxmlformats.org/officeDocument/2006/relationships" xmlns:p="http://schemas.openxmlformats.org/presentationml/2006/main">
   <p:cSld>
     <p:spTree>
@@ -12423,7 +12878,7 @@
 </p:sld>
 </file>
 
-<file path=ppt/slides/slide6.xml><?xml version="1.0" encoding="utf-8"?>
+<file path=ppt/slides/slide7.xml><?xml version="1.0" encoding="utf-8"?>
 <p:sld xmlns:a="http://schemas.openxmlformats.org/drawingml/2006/main" xmlns:r="http://schemas.openxmlformats.org/officeDocument/2006/relationships" xmlns:p="http://schemas.openxmlformats.org/presentationml/2006/main">
   <p:cSld>
     <p:spTree>
@@ -14241,7 +14696,7 @@
 </p:sld>
 </file>
 
-<file path=ppt/slides/slide7.xml><?xml version="1.0" encoding="utf-8"?>
+<file path=ppt/slides/slide8.xml><?xml version="1.0" encoding="utf-8"?>
 <p:sld xmlns:a="http://schemas.openxmlformats.org/drawingml/2006/main" xmlns:r="http://schemas.openxmlformats.org/officeDocument/2006/relationships" xmlns:p="http://schemas.openxmlformats.org/presentationml/2006/main">
   <p:cSld>
     <p:spTree>
@@ -14854,7 +15309,7 @@
 </p:sld>
 </file>
 
-<file path=ppt/slides/slide8.xml><?xml version="1.0" encoding="utf-8"?>
+<file path=ppt/slides/slide9.xml><?xml version="1.0" encoding="utf-8"?>
 <p:sld xmlns:a="http://schemas.openxmlformats.org/drawingml/2006/main" xmlns:r="http://schemas.openxmlformats.org/officeDocument/2006/relationships" xmlns:p="http://schemas.openxmlformats.org/presentationml/2006/main">
   <p:cSld>
     <p:spTree>
@@ -15481,120 +15936,6 @@
   <p:transition spd="slow">
     <p:push dir="u"/>
   </p:transition>
-</p:sld>
-</file>
-
-<file path=ppt/slides/slide9.xml><?xml version="1.0" encoding="utf-8"?>
-<p:sld xmlns:a="http://schemas.openxmlformats.org/drawingml/2006/main" xmlns:r="http://schemas.openxmlformats.org/officeDocument/2006/relationships" xmlns:p="http://schemas.openxmlformats.org/presentationml/2006/main">
-  <p:cSld>
-    <p:spTree>
-      <p:nvGrpSpPr>
-        <p:cNvPr id="1" name=""/>
-        <p:cNvGrpSpPr/>
-        <p:nvPr/>
-      </p:nvGrpSpPr>
-      <p:grpSpPr>
-        <a:xfrm>
-          <a:off x="0" y="0"/>
-          <a:ext cx="0" cy="0"/>
-          <a:chOff x="0" y="0"/>
-          <a:chExt cx="0" cy="0"/>
-        </a:xfrm>
-      </p:grpSpPr>
-      <p:sp>
-        <p:nvSpPr>
-          <p:cNvPr id="2" name="Title 3">
-            <a:extLst>
-              <a:ext uri="{FF2B5EF4-FFF2-40B4-BE49-F238E27FC236}">
-                <a16:creationId xmlns:a16="http://schemas.microsoft.com/office/drawing/2014/main" id="{F07FC580-E2AB-4C55-8C95-D5E077A1D127}"/>
-              </a:ext>
-            </a:extLst>
-          </p:cNvPr>
-          <p:cNvSpPr txBox="1">
-            <a:spLocks/>
-          </p:cNvSpPr>
-          <p:nvPr/>
-        </p:nvSpPr>
-        <p:spPr>
-          <a:xfrm>
-            <a:off x="261764" y="188640"/>
-            <a:ext cx="11292008" cy="711081"/>
-          </a:xfrm>
-          <a:prstGeom prst="rect">
-            <a:avLst/>
-          </a:prstGeom>
-        </p:spPr>
-        <p:txBody>
-          <a:bodyPr/>
-          <a:lstStyle>
-            <a:lvl1pPr algn="l" defTabSz="914400" rtl="0" eaLnBrk="1" latinLnBrk="0" hangingPunct="1">
-              <a:lnSpc>
-                <a:spcPct val="90000"/>
-              </a:lnSpc>
-              <a:spcBef>
-                <a:spcPct val="0"/>
-              </a:spcBef>
-              <a:buNone/>
-              <a:defRPr sz="4400" kern="1200">
-                <a:solidFill>
-                  <a:schemeClr val="tx1"/>
-                </a:solidFill>
-                <a:latin typeface="+mj-lt"/>
-                <a:ea typeface="+mj-ea"/>
-                <a:cs typeface="+mj-cs"/>
-              </a:defRPr>
-            </a:lvl1pPr>
-          </a:lstStyle>
-          <a:p>
-            <a:endParaRPr lang="en-US" b="1" dirty="0"/>
-          </a:p>
-        </p:txBody>
-      </p:sp>
-      <p:sp>
-        <p:nvSpPr>
-          <p:cNvPr id="7" name="TextBox 6">
-            <a:extLst>
-              <a:ext uri="{FF2B5EF4-FFF2-40B4-BE49-F238E27FC236}">
-                <a16:creationId xmlns:a16="http://schemas.microsoft.com/office/drawing/2014/main" id="{17EB74BE-8011-4153-8F37-3BEF9C1F4CC0}"/>
-              </a:ext>
-            </a:extLst>
-          </p:cNvPr>
-          <p:cNvSpPr txBox="1"/>
-          <p:nvPr/>
-        </p:nvSpPr>
-        <p:spPr>
-          <a:xfrm>
-            <a:off x="3512128" y="2507734"/>
-            <a:ext cx="6174508" cy="1323439"/>
-          </a:xfrm>
-          <a:prstGeom prst="rect">
-            <a:avLst/>
-          </a:prstGeom>
-          <a:noFill/>
-        </p:spPr>
-        <p:txBody>
-          <a:bodyPr wrap="square">
-            <a:spAutoFit/>
-          </a:bodyPr>
-          <a:lstStyle/>
-          <a:p>
-            <a:r>
-              <a:rPr lang="en-US" sz="8000" b="1" dirty="0"/>
-              <a:t>End of Day 13</a:t>
-            </a:r>
-          </a:p>
-        </p:txBody>
-      </p:sp>
-    </p:spTree>
-    <p:extLst>
-      <p:ext uri="{BB962C8B-B14F-4D97-AF65-F5344CB8AC3E}">
-        <p14:creationId xmlns:p14="http://schemas.microsoft.com/office/powerpoint/2010/main" val="3867772902"/>
-      </p:ext>
-    </p:extLst>
-  </p:cSld>
-  <p:clrMapOvr>
-    <a:masterClrMapping/>
-  </p:clrMapOvr>
 </p:sld>
 </file>
 
